--- a/figures/lancer_logo.pptx
+++ b/figures/lancer_logo.pptx
@@ -12,6 +12,8 @@
     <p:sldId id="263" r:id="rId6"/>
     <p:sldId id="260" r:id="rId7"/>
     <p:sldId id="261" r:id="rId8"/>
+    <p:sldId id="265" r:id="rId9"/>
+    <p:sldId id="266" r:id="rId10"/>
   </p:sldIdLst>
   <p:sldSz cx="12192000" cy="6858000"/>
   <p:notesSz cx="6858000" cy="9144000"/>
@@ -267,7 +269,7 @@
           <a:p>
             <a:fld id="{802D4372-E8C8-49E5-9B62-DC56D8CCE950}" type="datetimeFigureOut">
               <a:rPr lang="en-SG" smtClean="0"/>
-              <a:t>16/11/2022</a:t>
+              <a:t>27/12/2022</a:t>
             </a:fld>
             <a:endParaRPr lang="en-SG" dirty="0"/>
           </a:p>
@@ -467,7 +469,7 @@
           <a:p>
             <a:fld id="{802D4372-E8C8-49E5-9B62-DC56D8CCE950}" type="datetimeFigureOut">
               <a:rPr lang="en-SG" smtClean="0"/>
-              <a:t>16/11/2022</a:t>
+              <a:t>27/12/2022</a:t>
             </a:fld>
             <a:endParaRPr lang="en-SG" dirty="0"/>
           </a:p>
@@ -677,7 +679,7 @@
           <a:p>
             <a:fld id="{802D4372-E8C8-49E5-9B62-DC56D8CCE950}" type="datetimeFigureOut">
               <a:rPr lang="en-SG" smtClean="0"/>
-              <a:t>16/11/2022</a:t>
+              <a:t>27/12/2022</a:t>
             </a:fld>
             <a:endParaRPr lang="en-SG" dirty="0"/>
           </a:p>
@@ -877,7 +879,7 @@
           <a:p>
             <a:fld id="{802D4372-E8C8-49E5-9B62-DC56D8CCE950}" type="datetimeFigureOut">
               <a:rPr lang="en-SG" smtClean="0"/>
-              <a:t>16/11/2022</a:t>
+              <a:t>27/12/2022</a:t>
             </a:fld>
             <a:endParaRPr lang="en-SG" dirty="0"/>
           </a:p>
@@ -1153,7 +1155,7 @@
           <a:p>
             <a:fld id="{802D4372-E8C8-49E5-9B62-DC56D8CCE950}" type="datetimeFigureOut">
               <a:rPr lang="en-SG" smtClean="0"/>
-              <a:t>16/11/2022</a:t>
+              <a:t>27/12/2022</a:t>
             </a:fld>
             <a:endParaRPr lang="en-SG" dirty="0"/>
           </a:p>
@@ -1421,7 +1423,7 @@
           <a:p>
             <a:fld id="{802D4372-E8C8-49E5-9B62-DC56D8CCE950}" type="datetimeFigureOut">
               <a:rPr lang="en-SG" smtClean="0"/>
-              <a:t>16/11/2022</a:t>
+              <a:t>27/12/2022</a:t>
             </a:fld>
             <a:endParaRPr lang="en-SG" dirty="0"/>
           </a:p>
@@ -1836,7 +1838,7 @@
           <a:p>
             <a:fld id="{802D4372-E8C8-49E5-9B62-DC56D8CCE950}" type="datetimeFigureOut">
               <a:rPr lang="en-SG" smtClean="0"/>
-              <a:t>16/11/2022</a:t>
+              <a:t>27/12/2022</a:t>
             </a:fld>
             <a:endParaRPr lang="en-SG" dirty="0"/>
           </a:p>
@@ -1978,7 +1980,7 @@
           <a:p>
             <a:fld id="{802D4372-E8C8-49E5-9B62-DC56D8CCE950}" type="datetimeFigureOut">
               <a:rPr lang="en-SG" smtClean="0"/>
-              <a:t>16/11/2022</a:t>
+              <a:t>27/12/2022</a:t>
             </a:fld>
             <a:endParaRPr lang="en-SG" dirty="0"/>
           </a:p>
@@ -2091,7 +2093,7 @@
           <a:p>
             <a:fld id="{802D4372-E8C8-49E5-9B62-DC56D8CCE950}" type="datetimeFigureOut">
               <a:rPr lang="en-SG" smtClean="0"/>
-              <a:t>16/11/2022</a:t>
+              <a:t>27/12/2022</a:t>
             </a:fld>
             <a:endParaRPr lang="en-SG" dirty="0"/>
           </a:p>
@@ -2404,7 +2406,7 @@
           <a:p>
             <a:fld id="{802D4372-E8C8-49E5-9B62-DC56D8CCE950}" type="datetimeFigureOut">
               <a:rPr lang="en-SG" smtClean="0"/>
-              <a:t>16/11/2022</a:t>
+              <a:t>27/12/2022</a:t>
             </a:fld>
             <a:endParaRPr lang="en-SG" dirty="0"/>
           </a:p>
@@ -2693,7 +2695,7 @@
           <a:p>
             <a:fld id="{802D4372-E8C8-49E5-9B62-DC56D8CCE950}" type="datetimeFigureOut">
               <a:rPr lang="en-SG" smtClean="0"/>
-              <a:t>16/11/2022</a:t>
+              <a:t>27/12/2022</a:t>
             </a:fld>
             <a:endParaRPr lang="en-SG" dirty="0"/>
           </a:p>
@@ -2936,7 +2938,7 @@
           <a:p>
             <a:fld id="{802D4372-E8C8-49E5-9B62-DC56D8CCE950}" type="datetimeFigureOut">
               <a:rPr lang="en-SG" smtClean="0"/>
-              <a:t>16/11/2022</a:t>
+              <a:t>27/12/2022</a:t>
             </a:fld>
             <a:endParaRPr lang="en-SG" dirty="0"/>
           </a:p>
@@ -13002,6 +13004,6510 @@
 </p:sld>
 </file>
 
+<file path=ppt/slides/slide8.xml><?xml version="1.0" encoding="utf-8"?>
+<p:sld xmlns:a="http://schemas.openxmlformats.org/drawingml/2006/main" xmlns:r="http://schemas.openxmlformats.org/officeDocument/2006/relationships" xmlns:p="http://schemas.openxmlformats.org/presentationml/2006/main">
+  <p:cSld>
+    <p:spTree>
+      <p:nvGrpSpPr>
+        <p:cNvPr id="1" name=""/>
+        <p:cNvGrpSpPr/>
+        <p:nvPr/>
+      </p:nvGrpSpPr>
+      <p:grpSpPr>
+        <a:xfrm>
+          <a:off x="0" y="0"/>
+          <a:ext cx="0" cy="0"/>
+          <a:chOff x="0" y="0"/>
+          <a:chExt cx="0" cy="0"/>
+        </a:xfrm>
+      </p:grpSpPr>
+      <p:graphicFrame>
+        <p:nvGraphicFramePr>
+          <p:cNvPr id="4" name="Table 3">
+            <a:extLst>
+              <a:ext uri="{FF2B5EF4-FFF2-40B4-BE49-F238E27FC236}">
+                <a16:creationId xmlns:a16="http://schemas.microsoft.com/office/drawing/2014/main" id="{D908441A-DE10-4107-84F2-0ED83AEDA096}"/>
+              </a:ext>
+            </a:extLst>
+          </p:cNvPr>
+          <p:cNvGraphicFramePr>
+            <a:graphicFrameLocks noGrp="1"/>
+          </p:cNvGraphicFramePr>
+          <p:nvPr>
+            <p:extLst/>
+          </p:nvPr>
+        </p:nvGraphicFramePr>
+        <p:xfrm>
+          <a:off x="7386539" y="-1161141"/>
+          <a:ext cx="4336464" cy="4294018"/>
+        </p:xfrm>
+        <a:graphic>
+          <a:graphicData uri="http://schemas.openxmlformats.org/drawingml/2006/table">
+            <a:tbl>
+              <a:tblPr firstRow="1" bandRow="1">
+                <a:tableStyleId>{5C22544A-7EE6-4342-B048-85BDC9FD1C3A}</a:tableStyleId>
+              </a:tblPr>
+              <a:tblGrid>
+                <a:gridCol w="4336464">
+                  <a:extLst>
+                    <a:ext uri="{9D8B030D-6E8A-4147-A177-3AD203B41FA5}">
+                      <a16:colId xmlns:a16="http://schemas.microsoft.com/office/drawing/2014/main" val="3622296383"/>
+                    </a:ext>
+                  </a:extLst>
+                </a:gridCol>
+              </a:tblGrid>
+              <a:tr h="385538">
+                <a:tc>
+                  <a:txBody>
+                    <a:bodyPr/>
+                    <a:lstStyle/>
+                    <a:p>
+                      <a:r>
+                        <a:rPr lang="en-SG" b="0" dirty="0">
+                          <a:solidFill>
+                            <a:schemeClr val="tx1"/>
+                          </a:solidFill>
+                        </a:rPr>
+                        <a:t>Calculation</a:t>
+                      </a:r>
+                    </a:p>
+                  </a:txBody>
+                  <a:tcPr anchor="ctr">
+                    <a:lnL w="12700" cap="flat" cmpd="sng" algn="ctr">
+                      <a:solidFill>
+                        <a:schemeClr val="tx1"/>
+                      </a:solidFill>
+                      <a:prstDash val="solid"/>
+                      <a:round/>
+                      <a:headEnd type="none" w="med" len="med"/>
+                      <a:tailEnd type="none" w="med" len="med"/>
+                    </a:lnL>
+                    <a:lnR w="12700" cap="flat" cmpd="sng" algn="ctr">
+                      <a:solidFill>
+                        <a:schemeClr val="tx1"/>
+                      </a:solidFill>
+                      <a:prstDash val="solid"/>
+                      <a:round/>
+                      <a:headEnd type="none" w="med" len="med"/>
+                      <a:tailEnd type="none" w="med" len="med"/>
+                    </a:lnR>
+                    <a:lnT w="12700" cap="flat" cmpd="sng" algn="ctr">
+                      <a:solidFill>
+                        <a:schemeClr val="tx1"/>
+                      </a:solidFill>
+                      <a:prstDash val="solid"/>
+                      <a:round/>
+                      <a:headEnd type="none" w="med" len="med"/>
+                      <a:tailEnd type="none" w="med" len="med"/>
+                    </a:lnT>
+                    <a:lnB w="12700" cap="flat" cmpd="sng" algn="ctr">
+                      <a:solidFill>
+                        <a:schemeClr val="tx1"/>
+                      </a:solidFill>
+                      <a:prstDash val="solid"/>
+                      <a:round/>
+                      <a:headEnd type="none" w="med" len="med"/>
+                      <a:tailEnd type="none" w="med" len="med"/>
+                    </a:lnB>
+                    <a:solidFill>
+                      <a:schemeClr val="accent2">
+                        <a:lumMod val="60000"/>
+                        <a:lumOff val="40000"/>
+                      </a:schemeClr>
+                    </a:solidFill>
+                  </a:tcPr>
+                </a:tc>
+                <a:extLst>
+                  <a:ext uri="{0D108BD9-81ED-4DB2-BD59-A6C34878D82A}">
+                    <a16:rowId xmlns:a16="http://schemas.microsoft.com/office/drawing/2014/main" val="1687853998"/>
+                  </a:ext>
+                </a:extLst>
+              </a:tr>
+              <a:tr h="3908480">
+                <a:tc>
+                  <a:txBody>
+                    <a:bodyPr/>
+                    <a:lstStyle/>
+                    <a:p>
+                      <a:endParaRPr lang="en-SG" dirty="0"/>
+                    </a:p>
+                  </a:txBody>
+                  <a:tcPr>
+                    <a:lnL w="12700" cap="flat" cmpd="sng" algn="ctr">
+                      <a:solidFill>
+                        <a:schemeClr val="tx1"/>
+                      </a:solidFill>
+                      <a:prstDash val="solid"/>
+                      <a:round/>
+                      <a:headEnd type="none" w="med" len="med"/>
+                      <a:tailEnd type="none" w="med" len="med"/>
+                    </a:lnL>
+                    <a:lnR w="12700" cap="flat" cmpd="sng" algn="ctr">
+                      <a:solidFill>
+                        <a:schemeClr val="tx1"/>
+                      </a:solidFill>
+                      <a:prstDash val="solid"/>
+                      <a:round/>
+                      <a:headEnd type="none" w="med" len="med"/>
+                      <a:tailEnd type="none" w="med" len="med"/>
+                    </a:lnR>
+                    <a:lnT w="12700" cap="flat" cmpd="sng" algn="ctr">
+                      <a:solidFill>
+                        <a:schemeClr val="tx1"/>
+                      </a:solidFill>
+                      <a:prstDash val="solid"/>
+                      <a:round/>
+                      <a:headEnd type="none" w="med" len="med"/>
+                      <a:tailEnd type="none" w="med" len="med"/>
+                    </a:lnT>
+                    <a:lnB w="12700" cap="flat" cmpd="sng" algn="ctr">
+                      <a:solidFill>
+                        <a:schemeClr val="tx1"/>
+                      </a:solidFill>
+                      <a:prstDash val="solid"/>
+                      <a:round/>
+                      <a:headEnd type="none" w="med" len="med"/>
+                      <a:tailEnd type="none" w="med" len="med"/>
+                    </a:lnB>
+                    <a:solidFill>
+                      <a:srgbClr val="FEF6F0"/>
+                    </a:solidFill>
+                  </a:tcPr>
+                </a:tc>
+                <a:extLst>
+                  <a:ext uri="{0D108BD9-81ED-4DB2-BD59-A6C34878D82A}">
+                    <a16:rowId xmlns:a16="http://schemas.microsoft.com/office/drawing/2014/main" val="1142288770"/>
+                  </a:ext>
+                </a:extLst>
+              </a:tr>
+            </a:tbl>
+          </a:graphicData>
+        </a:graphic>
+      </p:graphicFrame>
+      <p:graphicFrame>
+        <p:nvGraphicFramePr>
+          <p:cNvPr id="5" name="Table 4">
+            <a:extLst>
+              <a:ext uri="{FF2B5EF4-FFF2-40B4-BE49-F238E27FC236}">
+                <a16:creationId xmlns:a16="http://schemas.microsoft.com/office/drawing/2014/main" id="{4BB6F87D-5A23-4ED7-BD0E-D9871CC2866D}"/>
+              </a:ext>
+            </a:extLst>
+          </p:cNvPr>
+          <p:cNvGraphicFramePr>
+            <a:graphicFrameLocks noGrp="1"/>
+          </p:cNvGraphicFramePr>
+          <p:nvPr>
+            <p:extLst>
+              <p:ext uri="{D42A27DB-BD31-4B8C-83A1-F6EECF244321}">
+                <p14:modId xmlns:p14="http://schemas.microsoft.com/office/powerpoint/2010/main" val="3160815928"/>
+              </p:ext>
+            </p:extLst>
+          </p:nvPr>
+        </p:nvGraphicFramePr>
+        <p:xfrm>
+          <a:off x="892900" y="3469033"/>
+          <a:ext cx="10830103" cy="4360898"/>
+        </p:xfrm>
+        <a:graphic>
+          <a:graphicData uri="http://schemas.openxmlformats.org/drawingml/2006/table">
+            <a:tbl>
+              <a:tblPr firstRow="1" bandRow="1">
+                <a:tableStyleId>{5C22544A-7EE6-4342-B048-85BDC9FD1C3A}</a:tableStyleId>
+              </a:tblPr>
+              <a:tblGrid>
+                <a:gridCol w="10830103">
+                  <a:extLst>
+                    <a:ext uri="{9D8B030D-6E8A-4147-A177-3AD203B41FA5}">
+                      <a16:colId xmlns:a16="http://schemas.microsoft.com/office/drawing/2014/main" val="2010873151"/>
+                    </a:ext>
+                  </a:extLst>
+                </a:gridCol>
+              </a:tblGrid>
+              <a:tr h="0">
+                <a:tc>
+                  <a:txBody>
+                    <a:bodyPr/>
+                    <a:lstStyle/>
+                    <a:p>
+                      <a:pPr marL="0" marR="0" lvl="0" indent="0" algn="l" defTabSz="914400" rtl="0" eaLnBrk="1" fontAlgn="auto" latinLnBrk="0" hangingPunct="1">
+                        <a:lnSpc>
+                          <a:spcPct val="100000"/>
+                        </a:lnSpc>
+                        <a:spcBef>
+                          <a:spcPts val="0"/>
+                        </a:spcBef>
+                        <a:spcAft>
+                          <a:spcPts val="0"/>
+                        </a:spcAft>
+                        <a:buClrTx/>
+                        <a:buSzTx/>
+                        <a:buFontTx/>
+                        <a:buNone/>
+                        <a:tabLst/>
+                        <a:defRPr/>
+                      </a:pPr>
+                      <a:r>
+                        <a:rPr lang="en-SG" b="0" i="0" dirty="0">
+                          <a:solidFill>
+                            <a:schemeClr val="tx1"/>
+                          </a:solidFill>
+                        </a:rPr>
+                        <a:t>Curve</a:t>
+                      </a:r>
+                      <a:r>
+                        <a:rPr lang="en-SG" b="0" dirty="0">
+                          <a:solidFill>
+                            <a:schemeClr val="tx1"/>
+                          </a:solidFill>
+                        </a:rPr>
+                        <a:t> Plotting</a:t>
+                      </a:r>
+                    </a:p>
+                  </a:txBody>
+                  <a:tcPr anchor="ctr">
+                    <a:lnL w="12700" cap="flat" cmpd="sng" algn="ctr">
+                      <a:solidFill>
+                        <a:schemeClr val="tx1"/>
+                      </a:solidFill>
+                      <a:prstDash val="solid"/>
+                      <a:round/>
+                      <a:headEnd type="none" w="med" len="med"/>
+                      <a:tailEnd type="none" w="med" len="med"/>
+                    </a:lnL>
+                    <a:lnR w="12700" cap="flat" cmpd="sng" algn="ctr">
+                      <a:solidFill>
+                        <a:schemeClr val="tx1"/>
+                      </a:solidFill>
+                      <a:prstDash val="solid"/>
+                      <a:round/>
+                      <a:headEnd type="none" w="med" len="med"/>
+                      <a:tailEnd type="none" w="med" len="med"/>
+                    </a:lnR>
+                    <a:lnT w="12700" cap="flat" cmpd="sng" algn="ctr">
+                      <a:solidFill>
+                        <a:schemeClr val="tx1"/>
+                      </a:solidFill>
+                      <a:prstDash val="solid"/>
+                      <a:round/>
+                      <a:headEnd type="none" w="med" len="med"/>
+                      <a:tailEnd type="none" w="med" len="med"/>
+                    </a:lnT>
+                    <a:lnB w="12700" cap="flat" cmpd="sng" algn="ctr">
+                      <a:solidFill>
+                        <a:schemeClr val="tx1"/>
+                      </a:solidFill>
+                      <a:prstDash val="solid"/>
+                      <a:round/>
+                      <a:headEnd type="none" w="med" len="med"/>
+                      <a:tailEnd type="none" w="med" len="med"/>
+                    </a:lnB>
+                    <a:solidFill>
+                      <a:schemeClr val="accent2">
+                        <a:lumMod val="60000"/>
+                        <a:lumOff val="40000"/>
+                      </a:schemeClr>
+                    </a:solidFill>
+                  </a:tcPr>
+                </a:tc>
+                <a:extLst>
+                  <a:ext uri="{0D108BD9-81ED-4DB2-BD59-A6C34878D82A}">
+                    <a16:rowId xmlns:a16="http://schemas.microsoft.com/office/drawing/2014/main" val="1687853998"/>
+                  </a:ext>
+                </a:extLst>
+              </a:tr>
+              <a:tr h="405200">
+                <a:tc>
+                  <a:txBody>
+                    <a:bodyPr/>
+                    <a:lstStyle/>
+                    <a:p>
+                      <a:r>
+                        <a:rPr lang="en-SG" dirty="0"/>
+                        <a:t>Static</a:t>
+                      </a:r>
+                    </a:p>
+                  </a:txBody>
+                  <a:tcPr>
+                    <a:lnL w="12700" cap="flat" cmpd="sng" algn="ctr">
+                      <a:solidFill>
+                        <a:schemeClr val="tx1"/>
+                      </a:solidFill>
+                      <a:prstDash val="solid"/>
+                      <a:round/>
+                      <a:headEnd type="none" w="med" len="med"/>
+                      <a:tailEnd type="none" w="med" len="med"/>
+                    </a:lnL>
+                    <a:lnR w="12700" cap="flat" cmpd="sng" algn="ctr">
+                      <a:solidFill>
+                        <a:schemeClr val="tx1"/>
+                      </a:solidFill>
+                      <a:prstDash val="solid"/>
+                      <a:round/>
+                      <a:headEnd type="none" w="med" len="med"/>
+                      <a:tailEnd type="none" w="med" len="med"/>
+                    </a:lnR>
+                    <a:lnT w="12700" cap="flat" cmpd="sng" algn="ctr">
+                      <a:solidFill>
+                        <a:schemeClr val="tx1"/>
+                      </a:solidFill>
+                      <a:prstDash val="solid"/>
+                      <a:round/>
+                      <a:headEnd type="none" w="med" len="med"/>
+                      <a:tailEnd type="none" w="med" len="med"/>
+                    </a:lnT>
+                    <a:lnB w="12700" cap="flat" cmpd="sng" algn="ctr">
+                      <a:solidFill>
+                        <a:schemeClr val="tx1"/>
+                      </a:solidFill>
+                      <a:prstDash val="solid"/>
+                      <a:round/>
+                      <a:headEnd type="none" w="med" len="med"/>
+                      <a:tailEnd type="none" w="med" len="med"/>
+                    </a:lnB>
+                    <a:solidFill>
+                      <a:schemeClr val="accent2">
+                        <a:lumMod val="20000"/>
+                        <a:lumOff val="80000"/>
+                      </a:schemeClr>
+                    </a:solidFill>
+                  </a:tcPr>
+                </a:tc>
+                <a:extLst>
+                  <a:ext uri="{0D108BD9-81ED-4DB2-BD59-A6C34878D82A}">
+                    <a16:rowId xmlns:a16="http://schemas.microsoft.com/office/drawing/2014/main" val="203210624"/>
+                  </a:ext>
+                </a:extLst>
+              </a:tr>
+              <a:tr h="1552115">
+                <a:tc>
+                  <a:txBody>
+                    <a:bodyPr/>
+                    <a:lstStyle/>
+                    <a:p>
+                      <a:endParaRPr lang="en-SG" dirty="0"/>
+                    </a:p>
+                  </a:txBody>
+                  <a:tcPr>
+                    <a:lnL w="12700" cap="flat" cmpd="sng" algn="ctr">
+                      <a:solidFill>
+                        <a:schemeClr val="tx1"/>
+                      </a:solidFill>
+                      <a:prstDash val="solid"/>
+                      <a:round/>
+                      <a:headEnd type="none" w="med" len="med"/>
+                      <a:tailEnd type="none" w="med" len="med"/>
+                    </a:lnL>
+                    <a:lnR w="12700" cap="flat" cmpd="sng" algn="ctr">
+                      <a:solidFill>
+                        <a:schemeClr val="tx1"/>
+                      </a:solidFill>
+                      <a:prstDash val="solid"/>
+                      <a:round/>
+                      <a:headEnd type="none" w="med" len="med"/>
+                      <a:tailEnd type="none" w="med" len="med"/>
+                    </a:lnR>
+                    <a:lnT w="12700" cap="flat" cmpd="sng" algn="ctr">
+                      <a:solidFill>
+                        <a:schemeClr val="tx1"/>
+                      </a:solidFill>
+                      <a:prstDash val="solid"/>
+                      <a:round/>
+                      <a:headEnd type="none" w="med" len="med"/>
+                      <a:tailEnd type="none" w="med" len="med"/>
+                    </a:lnT>
+                    <a:lnB w="12700" cap="flat" cmpd="sng" algn="ctr">
+                      <a:solidFill>
+                        <a:schemeClr val="tx1"/>
+                      </a:solidFill>
+                      <a:prstDash val="solid"/>
+                      <a:round/>
+                      <a:headEnd type="none" w="med" len="med"/>
+                      <a:tailEnd type="none" w="med" len="med"/>
+                    </a:lnB>
+                    <a:solidFill>
+                      <a:srgbClr val="FEF6F0"/>
+                    </a:solidFill>
+                  </a:tcPr>
+                </a:tc>
+                <a:extLst>
+                  <a:ext uri="{0D108BD9-81ED-4DB2-BD59-A6C34878D82A}">
+                    <a16:rowId xmlns:a16="http://schemas.microsoft.com/office/drawing/2014/main" val="1142288770"/>
+                  </a:ext>
+                </a:extLst>
+              </a:tr>
+              <a:tr h="392552">
+                <a:tc>
+                  <a:txBody>
+                    <a:bodyPr/>
+                    <a:lstStyle/>
+                    <a:p>
+                      <a:r>
+                        <a:rPr lang="en-SG" dirty="0"/>
+                        <a:t>Interactive</a:t>
+                      </a:r>
+                    </a:p>
+                  </a:txBody>
+                  <a:tcPr anchor="ctr">
+                    <a:lnL w="12700" cap="flat" cmpd="sng" algn="ctr">
+                      <a:solidFill>
+                        <a:schemeClr val="tx1"/>
+                      </a:solidFill>
+                      <a:prstDash val="solid"/>
+                      <a:round/>
+                      <a:headEnd type="none" w="med" len="med"/>
+                      <a:tailEnd type="none" w="med" len="med"/>
+                    </a:lnL>
+                    <a:lnR w="12700" cap="flat" cmpd="sng" algn="ctr">
+                      <a:solidFill>
+                        <a:schemeClr val="tx1"/>
+                      </a:solidFill>
+                      <a:prstDash val="solid"/>
+                      <a:round/>
+                      <a:headEnd type="none" w="med" len="med"/>
+                      <a:tailEnd type="none" w="med" len="med"/>
+                    </a:lnR>
+                    <a:lnT w="12700" cap="flat" cmpd="sng" algn="ctr">
+                      <a:solidFill>
+                        <a:schemeClr val="tx1"/>
+                      </a:solidFill>
+                      <a:prstDash val="solid"/>
+                      <a:round/>
+                      <a:headEnd type="none" w="med" len="med"/>
+                      <a:tailEnd type="none" w="med" len="med"/>
+                    </a:lnT>
+                    <a:lnB w="12700" cap="flat" cmpd="sng" algn="ctr">
+                      <a:solidFill>
+                        <a:schemeClr val="tx1"/>
+                      </a:solidFill>
+                      <a:prstDash val="solid"/>
+                      <a:round/>
+                      <a:headEnd type="none" w="med" len="med"/>
+                      <a:tailEnd type="none" w="med" len="med"/>
+                    </a:lnB>
+                    <a:solidFill>
+                      <a:schemeClr val="accent2">
+                        <a:lumMod val="20000"/>
+                        <a:lumOff val="80000"/>
+                      </a:schemeClr>
+                    </a:solidFill>
+                  </a:tcPr>
+                </a:tc>
+                <a:extLst>
+                  <a:ext uri="{0D108BD9-81ED-4DB2-BD59-A6C34878D82A}">
+                    <a16:rowId xmlns:a16="http://schemas.microsoft.com/office/drawing/2014/main" val="793021639"/>
+                  </a:ext>
+                </a:extLst>
+              </a:tr>
+              <a:tr h="1645271">
+                <a:tc>
+                  <a:txBody>
+                    <a:bodyPr/>
+                    <a:lstStyle/>
+                    <a:p>
+                      <a:endParaRPr lang="en-SG" dirty="0"/>
+                    </a:p>
+                  </a:txBody>
+                  <a:tcPr>
+                    <a:lnL w="12700" cap="flat" cmpd="sng" algn="ctr">
+                      <a:solidFill>
+                        <a:schemeClr val="tx1"/>
+                      </a:solidFill>
+                      <a:prstDash val="solid"/>
+                      <a:round/>
+                      <a:headEnd type="none" w="med" len="med"/>
+                      <a:tailEnd type="none" w="med" len="med"/>
+                    </a:lnL>
+                    <a:lnR w="12700" cap="flat" cmpd="sng" algn="ctr">
+                      <a:solidFill>
+                        <a:schemeClr val="tx1"/>
+                      </a:solidFill>
+                      <a:prstDash val="solid"/>
+                      <a:round/>
+                      <a:headEnd type="none" w="med" len="med"/>
+                      <a:tailEnd type="none" w="med" len="med"/>
+                    </a:lnR>
+                    <a:lnT w="12700" cap="flat" cmpd="sng" algn="ctr">
+                      <a:solidFill>
+                        <a:schemeClr val="tx1"/>
+                      </a:solidFill>
+                      <a:prstDash val="solid"/>
+                      <a:round/>
+                      <a:headEnd type="none" w="med" len="med"/>
+                      <a:tailEnd type="none" w="med" len="med"/>
+                    </a:lnT>
+                    <a:lnB w="12700" cap="flat" cmpd="sng" algn="ctr">
+                      <a:solidFill>
+                        <a:schemeClr val="tx1"/>
+                      </a:solidFill>
+                      <a:prstDash val="solid"/>
+                      <a:round/>
+                      <a:headEnd type="none" w="med" len="med"/>
+                      <a:tailEnd type="none" w="med" len="med"/>
+                    </a:lnB>
+                    <a:solidFill>
+                      <a:srgbClr val="FEF6F0"/>
+                    </a:solidFill>
+                  </a:tcPr>
+                </a:tc>
+                <a:extLst>
+                  <a:ext uri="{0D108BD9-81ED-4DB2-BD59-A6C34878D82A}">
+                    <a16:rowId xmlns:a16="http://schemas.microsoft.com/office/drawing/2014/main" val="4224641641"/>
+                  </a:ext>
+                </a:extLst>
+              </a:tr>
+            </a:tbl>
+          </a:graphicData>
+        </a:graphic>
+      </p:graphicFrame>
+      <p:graphicFrame>
+        <p:nvGraphicFramePr>
+          <p:cNvPr id="6" name="Table 5">
+            <a:extLst>
+              <a:ext uri="{FF2B5EF4-FFF2-40B4-BE49-F238E27FC236}">
+                <a16:creationId xmlns:a16="http://schemas.microsoft.com/office/drawing/2014/main" id="{3F38BF27-0DE7-4917-8C19-1AE50A6898E3}"/>
+              </a:ext>
+            </a:extLst>
+          </p:cNvPr>
+          <p:cNvGraphicFramePr>
+            <a:graphicFrameLocks noGrp="1"/>
+          </p:cNvGraphicFramePr>
+          <p:nvPr>
+            <p:extLst/>
+          </p:nvPr>
+        </p:nvGraphicFramePr>
+        <p:xfrm>
+          <a:off x="12384498" y="3716567"/>
+          <a:ext cx="1863995" cy="2383420"/>
+        </p:xfrm>
+        <a:graphic>
+          <a:graphicData uri="http://schemas.openxmlformats.org/drawingml/2006/table">
+            <a:tbl>
+              <a:tblPr firstRow="1" bandRow="1">
+                <a:tableStyleId>{5C22544A-7EE6-4342-B048-85BDC9FD1C3A}</a:tableStyleId>
+              </a:tblPr>
+              <a:tblGrid>
+                <a:gridCol w="1863995">
+                  <a:extLst>
+                    <a:ext uri="{9D8B030D-6E8A-4147-A177-3AD203B41FA5}">
+                      <a16:colId xmlns:a16="http://schemas.microsoft.com/office/drawing/2014/main" val="2010873151"/>
+                    </a:ext>
+                  </a:extLst>
+                </a:gridCol>
+              </a:tblGrid>
+              <a:tr h="232228">
+                <a:tc>
+                  <a:txBody>
+                    <a:bodyPr/>
+                    <a:lstStyle/>
+                    <a:p>
+                      <a:r>
+                        <a:rPr lang="en-SG" b="0" dirty="0">
+                          <a:solidFill>
+                            <a:schemeClr val="tx1"/>
+                          </a:solidFill>
+                        </a:rPr>
+                        <a:t>Report Results</a:t>
+                      </a:r>
+                    </a:p>
+                  </a:txBody>
+                  <a:tcPr anchor="ctr">
+                    <a:lnL w="12700" cap="flat" cmpd="sng" algn="ctr">
+                      <a:solidFill>
+                        <a:schemeClr val="tx1"/>
+                      </a:solidFill>
+                      <a:prstDash val="solid"/>
+                      <a:round/>
+                      <a:headEnd type="none" w="med" len="med"/>
+                      <a:tailEnd type="none" w="med" len="med"/>
+                    </a:lnL>
+                    <a:lnR w="12700" cap="flat" cmpd="sng" algn="ctr">
+                      <a:solidFill>
+                        <a:schemeClr val="tx1"/>
+                      </a:solidFill>
+                      <a:prstDash val="solid"/>
+                      <a:round/>
+                      <a:headEnd type="none" w="med" len="med"/>
+                      <a:tailEnd type="none" w="med" len="med"/>
+                    </a:lnR>
+                    <a:lnT w="12700" cap="flat" cmpd="sng" algn="ctr">
+                      <a:solidFill>
+                        <a:schemeClr val="tx1"/>
+                      </a:solidFill>
+                      <a:prstDash val="solid"/>
+                      <a:round/>
+                      <a:headEnd type="none" w="med" len="med"/>
+                      <a:tailEnd type="none" w="med" len="med"/>
+                    </a:lnT>
+                    <a:lnB w="12700" cap="flat" cmpd="sng" algn="ctr">
+                      <a:solidFill>
+                        <a:schemeClr val="tx1"/>
+                      </a:solidFill>
+                      <a:prstDash val="solid"/>
+                      <a:round/>
+                      <a:headEnd type="none" w="med" len="med"/>
+                      <a:tailEnd type="none" w="med" len="med"/>
+                    </a:lnB>
+                    <a:solidFill>
+                      <a:schemeClr val="accent2">
+                        <a:lumMod val="60000"/>
+                        <a:lumOff val="40000"/>
+                      </a:schemeClr>
+                    </a:solidFill>
+                  </a:tcPr>
+                </a:tc>
+                <a:extLst>
+                  <a:ext uri="{0D108BD9-81ED-4DB2-BD59-A6C34878D82A}">
+                    <a16:rowId xmlns:a16="http://schemas.microsoft.com/office/drawing/2014/main" val="1687853998"/>
+                  </a:ext>
+                </a:extLst>
+              </a:tr>
+              <a:tr h="2017660">
+                <a:tc>
+                  <a:txBody>
+                    <a:bodyPr/>
+                    <a:lstStyle/>
+                    <a:p>
+                      <a:endParaRPr lang="en-SG" dirty="0"/>
+                    </a:p>
+                  </a:txBody>
+                  <a:tcPr>
+                    <a:lnL w="12700" cap="flat" cmpd="sng" algn="ctr">
+                      <a:solidFill>
+                        <a:schemeClr val="tx1"/>
+                      </a:solidFill>
+                      <a:prstDash val="solid"/>
+                      <a:round/>
+                      <a:headEnd type="none" w="med" len="med"/>
+                      <a:tailEnd type="none" w="med" len="med"/>
+                    </a:lnL>
+                    <a:lnR w="12700" cap="flat" cmpd="sng" algn="ctr">
+                      <a:solidFill>
+                        <a:schemeClr val="tx1"/>
+                      </a:solidFill>
+                      <a:prstDash val="solid"/>
+                      <a:round/>
+                      <a:headEnd type="none" w="med" len="med"/>
+                      <a:tailEnd type="none" w="med" len="med"/>
+                    </a:lnR>
+                    <a:lnT w="12700" cap="flat" cmpd="sng" algn="ctr">
+                      <a:solidFill>
+                        <a:schemeClr val="tx1"/>
+                      </a:solidFill>
+                      <a:prstDash val="solid"/>
+                      <a:round/>
+                      <a:headEnd type="none" w="med" len="med"/>
+                      <a:tailEnd type="none" w="med" len="med"/>
+                    </a:lnT>
+                    <a:lnB w="12700" cap="flat" cmpd="sng" algn="ctr">
+                      <a:solidFill>
+                        <a:schemeClr val="tx1"/>
+                      </a:solidFill>
+                      <a:prstDash val="solid"/>
+                      <a:round/>
+                      <a:headEnd type="none" w="med" len="med"/>
+                      <a:tailEnd type="none" w="med" len="med"/>
+                    </a:lnB>
+                    <a:solidFill>
+                      <a:srgbClr val="FEF6F0"/>
+                    </a:solidFill>
+                  </a:tcPr>
+                </a:tc>
+                <a:extLst>
+                  <a:ext uri="{0D108BD9-81ED-4DB2-BD59-A6C34878D82A}">
+                    <a16:rowId xmlns:a16="http://schemas.microsoft.com/office/drawing/2014/main" val="1142288770"/>
+                  </a:ext>
+                </a:extLst>
+              </a:tr>
+            </a:tbl>
+          </a:graphicData>
+        </a:graphic>
+      </p:graphicFrame>
+      <p:graphicFrame>
+        <p:nvGraphicFramePr>
+          <p:cNvPr id="7" name="Table 6">
+            <a:extLst>
+              <a:ext uri="{FF2B5EF4-FFF2-40B4-BE49-F238E27FC236}">
+                <a16:creationId xmlns:a16="http://schemas.microsoft.com/office/drawing/2014/main" id="{F02AF9D4-31E2-434A-B999-56D513C8B281}"/>
+              </a:ext>
+            </a:extLst>
+          </p:cNvPr>
+          <p:cNvGraphicFramePr>
+            <a:graphicFrameLocks noGrp="1"/>
+          </p:cNvGraphicFramePr>
+          <p:nvPr>
+            <p:extLst/>
+          </p:nvPr>
+        </p:nvGraphicFramePr>
+        <p:xfrm>
+          <a:off x="1089638" y="-1126755"/>
+          <a:ext cx="4093758" cy="3395673"/>
+        </p:xfrm>
+        <a:graphic>
+          <a:graphicData uri="http://schemas.openxmlformats.org/drawingml/2006/table">
+            <a:tbl>
+              <a:tblPr firstRow="1" bandRow="1">
+                <a:tableStyleId>{5C22544A-7EE6-4342-B048-85BDC9FD1C3A}</a:tableStyleId>
+              </a:tblPr>
+              <a:tblGrid>
+                <a:gridCol w="4093758">
+                  <a:extLst>
+                    <a:ext uri="{9D8B030D-6E8A-4147-A177-3AD203B41FA5}">
+                      <a16:colId xmlns:a16="http://schemas.microsoft.com/office/drawing/2014/main" val="2010873151"/>
+                    </a:ext>
+                  </a:extLst>
+                </a:gridCol>
+              </a:tblGrid>
+              <a:tr h="0">
+                <a:tc>
+                  <a:txBody>
+                    <a:bodyPr/>
+                    <a:lstStyle/>
+                    <a:p>
+                      <a:r>
+                        <a:rPr lang="en-SG" b="0" dirty="0">
+                          <a:solidFill>
+                            <a:schemeClr val="tx1"/>
+                          </a:solidFill>
+                        </a:rPr>
+                        <a:t>Input Data</a:t>
+                      </a:r>
+                    </a:p>
+                  </a:txBody>
+                  <a:tcPr anchor="ctr">
+                    <a:lnL w="12700" cap="flat" cmpd="sng" algn="ctr">
+                      <a:solidFill>
+                        <a:schemeClr val="tx1"/>
+                      </a:solidFill>
+                      <a:prstDash val="solid"/>
+                      <a:round/>
+                      <a:headEnd type="none" w="med" len="med"/>
+                      <a:tailEnd type="none" w="med" len="med"/>
+                    </a:lnL>
+                    <a:lnR w="12700" cap="flat" cmpd="sng" algn="ctr">
+                      <a:solidFill>
+                        <a:schemeClr val="tx1"/>
+                      </a:solidFill>
+                      <a:prstDash val="solid"/>
+                      <a:round/>
+                      <a:headEnd type="none" w="med" len="med"/>
+                      <a:tailEnd type="none" w="med" len="med"/>
+                    </a:lnR>
+                    <a:lnT w="12700" cap="flat" cmpd="sng" algn="ctr">
+                      <a:solidFill>
+                        <a:schemeClr val="tx1"/>
+                      </a:solidFill>
+                      <a:prstDash val="solid"/>
+                      <a:round/>
+                      <a:headEnd type="none" w="med" len="med"/>
+                      <a:tailEnd type="none" w="med" len="med"/>
+                    </a:lnT>
+                    <a:lnB w="12700" cap="flat" cmpd="sng" algn="ctr">
+                      <a:solidFill>
+                        <a:schemeClr val="tx1"/>
+                      </a:solidFill>
+                      <a:prstDash val="solid"/>
+                      <a:round/>
+                      <a:headEnd type="none" w="med" len="med"/>
+                      <a:tailEnd type="none" w="med" len="med"/>
+                    </a:lnB>
+                    <a:solidFill>
+                      <a:schemeClr val="accent2">
+                        <a:lumMod val="60000"/>
+                        <a:lumOff val="40000"/>
+                      </a:schemeClr>
+                    </a:solidFill>
+                  </a:tcPr>
+                </a:tc>
+                <a:extLst>
+                  <a:ext uri="{0D108BD9-81ED-4DB2-BD59-A6C34878D82A}">
+                    <a16:rowId xmlns:a16="http://schemas.microsoft.com/office/drawing/2014/main" val="1687853998"/>
+                  </a:ext>
+                </a:extLst>
+              </a:tr>
+              <a:tr h="3029913">
+                <a:tc>
+                  <a:txBody>
+                    <a:bodyPr/>
+                    <a:lstStyle/>
+                    <a:p>
+                      <a:endParaRPr lang="en-SG" dirty="0"/>
+                    </a:p>
+                  </a:txBody>
+                  <a:tcPr>
+                    <a:lnL w="12700" cap="flat" cmpd="sng" algn="ctr">
+                      <a:solidFill>
+                        <a:schemeClr val="tx1"/>
+                      </a:solidFill>
+                      <a:prstDash val="solid"/>
+                      <a:round/>
+                      <a:headEnd type="none" w="med" len="med"/>
+                      <a:tailEnd type="none" w="med" len="med"/>
+                    </a:lnL>
+                    <a:lnR w="12700" cap="flat" cmpd="sng" algn="ctr">
+                      <a:solidFill>
+                        <a:schemeClr val="tx1"/>
+                      </a:solidFill>
+                      <a:prstDash val="solid"/>
+                      <a:round/>
+                      <a:headEnd type="none" w="med" len="med"/>
+                      <a:tailEnd type="none" w="med" len="med"/>
+                    </a:lnR>
+                    <a:lnT w="12700" cap="flat" cmpd="sng" algn="ctr">
+                      <a:solidFill>
+                        <a:schemeClr val="tx1"/>
+                      </a:solidFill>
+                      <a:prstDash val="solid"/>
+                      <a:round/>
+                      <a:headEnd type="none" w="med" len="med"/>
+                      <a:tailEnd type="none" w="med" len="med"/>
+                    </a:lnT>
+                    <a:lnB w="12700" cap="flat" cmpd="sng" algn="ctr">
+                      <a:solidFill>
+                        <a:schemeClr val="tx1"/>
+                      </a:solidFill>
+                      <a:prstDash val="solid"/>
+                      <a:round/>
+                      <a:headEnd type="none" w="med" len="med"/>
+                      <a:tailEnd type="none" w="med" len="med"/>
+                    </a:lnB>
+                    <a:solidFill>
+                      <a:srgbClr val="FEF6F0"/>
+                    </a:solidFill>
+                  </a:tcPr>
+                </a:tc>
+                <a:extLst>
+                  <a:ext uri="{0D108BD9-81ED-4DB2-BD59-A6C34878D82A}">
+                    <a16:rowId xmlns:a16="http://schemas.microsoft.com/office/drawing/2014/main" val="1142288770"/>
+                  </a:ext>
+                </a:extLst>
+              </a:tr>
+            </a:tbl>
+          </a:graphicData>
+        </a:graphic>
+      </p:graphicFrame>
+      <p:graphicFrame>
+        <p:nvGraphicFramePr>
+          <p:cNvPr id="8" name="Table 7">
+            <a:extLst>
+              <a:ext uri="{FF2B5EF4-FFF2-40B4-BE49-F238E27FC236}">
+                <a16:creationId xmlns:a16="http://schemas.microsoft.com/office/drawing/2014/main" id="{7BE4A203-26CE-4266-AA2E-BA369174EF9F}"/>
+              </a:ext>
+            </a:extLst>
+          </p:cNvPr>
+          <p:cNvGraphicFramePr>
+            <a:graphicFrameLocks noGrp="1"/>
+          </p:cNvGraphicFramePr>
+          <p:nvPr>
+            <p:extLst>
+              <p:ext uri="{D42A27DB-BD31-4B8C-83A1-F6EECF244321}">
+                <p14:modId xmlns:p14="http://schemas.microsoft.com/office/powerpoint/2010/main" val="704711961"/>
+              </p:ext>
+            </p:extLst>
+          </p:nvPr>
+        </p:nvGraphicFramePr>
+        <p:xfrm>
+          <a:off x="7615464" y="2225397"/>
+          <a:ext cx="3829936" cy="795331"/>
+        </p:xfrm>
+        <a:graphic>
+          <a:graphicData uri="http://schemas.openxmlformats.org/drawingml/2006/table">
+            <a:tbl>
+              <a:tblPr firstRow="1" bandRow="1">
+                <a:tableStyleId>{5C22544A-7EE6-4342-B048-85BDC9FD1C3A}</a:tableStyleId>
+              </a:tblPr>
+              <a:tblGrid>
+                <a:gridCol w="885372">
+                  <a:extLst>
+                    <a:ext uri="{9D8B030D-6E8A-4147-A177-3AD203B41FA5}">
+                      <a16:colId xmlns:a16="http://schemas.microsoft.com/office/drawing/2014/main" val="468845580"/>
+                    </a:ext>
+                  </a:extLst>
+                </a:gridCol>
+                <a:gridCol w="1045028">
+                  <a:extLst>
+                    <a:ext uri="{9D8B030D-6E8A-4147-A177-3AD203B41FA5}">
+                      <a16:colId xmlns:a16="http://schemas.microsoft.com/office/drawing/2014/main" val="2810992882"/>
+                    </a:ext>
+                  </a:extLst>
+                </a:gridCol>
+                <a:gridCol w="798286">
+                  <a:extLst>
+                    <a:ext uri="{9D8B030D-6E8A-4147-A177-3AD203B41FA5}">
+                      <a16:colId xmlns:a16="http://schemas.microsoft.com/office/drawing/2014/main" val="1654856620"/>
+                    </a:ext>
+                  </a:extLst>
+                </a:gridCol>
+                <a:gridCol w="1101250">
+                  <a:extLst>
+                    <a:ext uri="{9D8B030D-6E8A-4147-A177-3AD203B41FA5}">
+                      <a16:colId xmlns:a16="http://schemas.microsoft.com/office/drawing/2014/main" val="3819368552"/>
+                    </a:ext>
+                  </a:extLst>
+                </a:gridCol>
+              </a:tblGrid>
+              <a:tr h="271967">
+                <a:tc rowSpan="2">
+                  <a:txBody>
+                    <a:bodyPr/>
+                    <a:lstStyle/>
+                    <a:p>
+                      <a:pPr algn="ctr"/>
+                      <a:r>
+                        <a:rPr lang="en-SG" sz="1200" b="0" dirty="0">
+                          <a:solidFill>
+                            <a:schemeClr val="tx1"/>
+                          </a:solidFill>
+                        </a:rPr>
+                        <a:t>Curve</a:t>
+                      </a:r>
+                    </a:p>
+                    <a:p>
+                      <a:pPr algn="ctr"/>
+                      <a:r>
+                        <a:rPr lang="en-SG" sz="1200" b="0" dirty="0">
+                          <a:solidFill>
+                            <a:schemeClr val="tx1"/>
+                          </a:solidFill>
+                        </a:rPr>
+                        <a:t>Name</a:t>
+                      </a:r>
+                    </a:p>
+                  </a:txBody>
+                  <a:tcPr anchor="ctr">
+                    <a:lnL w="12700" cap="flat" cmpd="sng" algn="ctr">
+                      <a:solidFill>
+                        <a:schemeClr val="tx1"/>
+                      </a:solidFill>
+                      <a:prstDash val="solid"/>
+                      <a:round/>
+                      <a:headEnd type="none" w="med" len="med"/>
+                      <a:tailEnd type="none" w="med" len="med"/>
+                    </a:lnL>
+                    <a:lnR w="12700" cap="flat" cmpd="sng" algn="ctr">
+                      <a:solidFill>
+                        <a:schemeClr val="tx1"/>
+                      </a:solidFill>
+                      <a:prstDash val="solid"/>
+                      <a:round/>
+                      <a:headEnd type="none" w="med" len="med"/>
+                      <a:tailEnd type="none" w="med" len="med"/>
+                    </a:lnR>
+                    <a:lnT w="12700" cap="flat" cmpd="sng" algn="ctr">
+                      <a:solidFill>
+                        <a:schemeClr val="tx1"/>
+                      </a:solidFill>
+                      <a:prstDash val="solid"/>
+                      <a:round/>
+                      <a:headEnd type="none" w="med" len="med"/>
+                      <a:tailEnd type="none" w="med" len="med"/>
+                    </a:lnT>
+                    <a:lnB w="12700" cap="flat" cmpd="sng" algn="ctr">
+                      <a:solidFill>
+                        <a:schemeClr val="tx1"/>
+                      </a:solidFill>
+                      <a:prstDash val="solid"/>
+                      <a:round/>
+                      <a:headEnd type="none" w="med" len="med"/>
+                      <a:tailEnd type="none" w="med" len="med"/>
+                    </a:lnB>
+                    <a:solidFill>
+                      <a:srgbClr val="FDEFFF"/>
+                    </a:solidFill>
+                  </a:tcPr>
+                </a:tc>
+                <a:tc rowSpan="2">
+                  <a:txBody>
+                    <a:bodyPr/>
+                    <a:lstStyle/>
+                    <a:p>
+                      <a:pPr algn="ctr"/>
+                      <a:r>
+                        <a:rPr lang="en-SG" sz="1200" b="0" dirty="0">
+                          <a:solidFill>
+                            <a:schemeClr val="tx1"/>
+                          </a:solidFill>
+                        </a:rPr>
+                        <a:t>Curve</a:t>
+                      </a:r>
+                    </a:p>
+                    <a:p>
+                      <a:pPr algn="ctr"/>
+                      <a:r>
+                        <a:rPr lang="en-SG" sz="1200" b="0" dirty="0">
+                          <a:solidFill>
+                            <a:schemeClr val="tx1"/>
+                          </a:solidFill>
+                        </a:rPr>
+                        <a:t>Annotation</a:t>
+                      </a:r>
+                    </a:p>
+                  </a:txBody>
+                  <a:tcPr anchor="ctr">
+                    <a:lnL w="12700" cap="flat" cmpd="sng" algn="ctr">
+                      <a:solidFill>
+                        <a:schemeClr val="tx1"/>
+                      </a:solidFill>
+                      <a:prstDash val="solid"/>
+                      <a:round/>
+                      <a:headEnd type="none" w="med" len="med"/>
+                      <a:tailEnd type="none" w="med" len="med"/>
+                    </a:lnL>
+                    <a:lnR w="12700" cap="flat" cmpd="sng" algn="ctr">
+                      <a:solidFill>
+                        <a:schemeClr val="tx1"/>
+                      </a:solidFill>
+                      <a:prstDash val="solid"/>
+                      <a:round/>
+                      <a:headEnd type="none" w="med" len="med"/>
+                      <a:tailEnd type="none" w="med" len="med"/>
+                    </a:lnR>
+                    <a:lnT w="12700" cap="flat" cmpd="sng" algn="ctr">
+                      <a:solidFill>
+                        <a:schemeClr val="tx1"/>
+                      </a:solidFill>
+                      <a:prstDash val="solid"/>
+                      <a:round/>
+                      <a:headEnd type="none" w="med" len="med"/>
+                      <a:tailEnd type="none" w="med" len="med"/>
+                    </a:lnT>
+                    <a:lnB w="12700" cap="flat" cmpd="sng" algn="ctr">
+                      <a:solidFill>
+                        <a:schemeClr val="tx1"/>
+                      </a:solidFill>
+                      <a:prstDash val="solid"/>
+                      <a:round/>
+                      <a:headEnd type="none" w="med" len="med"/>
+                      <a:tailEnd type="none" w="med" len="med"/>
+                    </a:lnB>
+                    <a:solidFill>
+                      <a:srgbClr val="B9FFFF"/>
+                    </a:solidFill>
+                  </a:tcPr>
+                </a:tc>
+                <a:tc gridSpan="2">
+                  <a:txBody>
+                    <a:bodyPr/>
+                    <a:lstStyle/>
+                    <a:p>
+                      <a:pPr algn="ctr"/>
+                      <a:r>
+                        <a:rPr lang="en-SG" sz="1200" b="0" dirty="0">
+                          <a:solidFill>
+                            <a:schemeClr val="tx1"/>
+                          </a:solidFill>
+                        </a:rPr>
+                        <a:t>Curve Statistics Summary</a:t>
+                      </a:r>
+                    </a:p>
+                  </a:txBody>
+                  <a:tcPr anchor="ctr">
+                    <a:lnL w="12700" cap="flat" cmpd="sng" algn="ctr">
+                      <a:solidFill>
+                        <a:schemeClr val="tx1"/>
+                      </a:solidFill>
+                      <a:prstDash val="solid"/>
+                      <a:round/>
+                      <a:headEnd type="none" w="med" len="med"/>
+                      <a:tailEnd type="none" w="med" len="med"/>
+                    </a:lnL>
+                    <a:lnR w="12700" cap="flat" cmpd="sng" algn="ctr">
+                      <a:solidFill>
+                        <a:schemeClr val="tx1"/>
+                      </a:solidFill>
+                      <a:prstDash val="solid"/>
+                      <a:round/>
+                      <a:headEnd type="none" w="med" len="med"/>
+                      <a:tailEnd type="none" w="med" len="med"/>
+                    </a:lnR>
+                    <a:lnT w="12700" cap="flat" cmpd="sng" algn="ctr">
+                      <a:solidFill>
+                        <a:schemeClr val="tx1"/>
+                      </a:solidFill>
+                      <a:prstDash val="solid"/>
+                      <a:round/>
+                      <a:headEnd type="none" w="med" len="med"/>
+                      <a:tailEnd type="none" w="med" len="med"/>
+                    </a:lnT>
+                    <a:lnB w="12700" cap="flat" cmpd="sng" algn="ctr">
+                      <a:solidFill>
+                        <a:schemeClr val="tx1"/>
+                      </a:solidFill>
+                      <a:prstDash val="solid"/>
+                      <a:round/>
+                      <a:headEnd type="none" w="med" len="med"/>
+                      <a:tailEnd type="none" w="med" len="med"/>
+                    </a:lnB>
+                    <a:solidFill>
+                      <a:schemeClr val="accent4">
+                        <a:lumMod val="20000"/>
+                        <a:lumOff val="80000"/>
+                      </a:schemeClr>
+                    </a:solidFill>
+                  </a:tcPr>
+                </a:tc>
+                <a:tc hMerge="1">
+                  <a:txBody>
+                    <a:bodyPr/>
+                    <a:lstStyle/>
+                    <a:p>
+                      <a:pPr algn="ctr"/>
+                      <a:endParaRPr lang="en-SG" sz="1200" b="0" dirty="0">
+                        <a:solidFill>
+                          <a:schemeClr val="tx1"/>
+                        </a:solidFill>
+                      </a:endParaRPr>
+                    </a:p>
+                  </a:txBody>
+                  <a:tcPr anchor="ctr">
+                    <a:lnL w="12700" cap="flat" cmpd="sng" algn="ctr">
+                      <a:solidFill>
+                        <a:schemeClr val="tx1"/>
+                      </a:solidFill>
+                      <a:prstDash val="solid"/>
+                      <a:round/>
+                      <a:headEnd type="none" w="med" len="med"/>
+                      <a:tailEnd type="none" w="med" len="med"/>
+                    </a:lnL>
+                    <a:lnR w="12700" cap="flat" cmpd="sng" algn="ctr">
+                      <a:solidFill>
+                        <a:schemeClr val="tx1"/>
+                      </a:solidFill>
+                      <a:prstDash val="solid"/>
+                      <a:round/>
+                      <a:headEnd type="none" w="med" len="med"/>
+                      <a:tailEnd type="none" w="med" len="med"/>
+                    </a:lnR>
+                    <a:lnT w="12700" cap="flat" cmpd="sng" algn="ctr">
+                      <a:solidFill>
+                        <a:schemeClr val="tx1"/>
+                      </a:solidFill>
+                      <a:prstDash val="solid"/>
+                      <a:round/>
+                      <a:headEnd type="none" w="med" len="med"/>
+                      <a:tailEnd type="none" w="med" len="med"/>
+                    </a:lnT>
+                    <a:lnB w="12700" cap="flat" cmpd="sng" algn="ctr">
+                      <a:solidFill>
+                        <a:schemeClr val="tx1"/>
+                      </a:solidFill>
+                      <a:prstDash val="solid"/>
+                      <a:round/>
+                      <a:headEnd type="none" w="med" len="med"/>
+                      <a:tailEnd type="none" w="med" len="med"/>
+                    </a:lnB>
+                    <a:solidFill>
+                      <a:srgbClr val="E1E9E5"/>
+                    </a:solidFill>
+                  </a:tcPr>
+                </a:tc>
+                <a:extLst>
+                  <a:ext uri="{0D108BD9-81ED-4DB2-BD59-A6C34878D82A}">
+                    <a16:rowId xmlns:a16="http://schemas.microsoft.com/office/drawing/2014/main" val="4003664962"/>
+                  </a:ext>
+                </a:extLst>
+              </a:tr>
+              <a:tr h="521011">
+                <a:tc vMerge="1">
+                  <a:txBody>
+                    <a:bodyPr/>
+                    <a:lstStyle/>
+                    <a:p>
+                      <a:pPr algn="ctr"/>
+                      <a:endParaRPr lang="en-SG" sz="1200" b="0" dirty="0">
+                        <a:solidFill>
+                          <a:schemeClr val="tx1"/>
+                        </a:solidFill>
+                      </a:endParaRPr>
+                    </a:p>
+                  </a:txBody>
+                  <a:tcPr anchor="ctr">
+                    <a:lnL w="12700" cap="flat" cmpd="sng" algn="ctr">
+                      <a:solidFill>
+                        <a:schemeClr val="tx1"/>
+                      </a:solidFill>
+                      <a:prstDash val="solid"/>
+                      <a:round/>
+                      <a:headEnd type="none" w="med" len="med"/>
+                      <a:tailEnd type="none" w="med" len="med"/>
+                    </a:lnL>
+                    <a:lnR w="12700" cap="flat" cmpd="sng" algn="ctr">
+                      <a:solidFill>
+                        <a:schemeClr val="tx1"/>
+                      </a:solidFill>
+                      <a:prstDash val="solid"/>
+                      <a:round/>
+                      <a:headEnd type="none" w="med" len="med"/>
+                      <a:tailEnd type="none" w="med" len="med"/>
+                    </a:lnR>
+                    <a:lnT w="12700" cap="flat" cmpd="sng" algn="ctr">
+                      <a:solidFill>
+                        <a:schemeClr val="tx1"/>
+                      </a:solidFill>
+                      <a:prstDash val="solid"/>
+                      <a:round/>
+                      <a:headEnd type="none" w="med" len="med"/>
+                      <a:tailEnd type="none" w="med" len="med"/>
+                    </a:lnT>
+                    <a:lnB w="12700" cap="flat" cmpd="sng" algn="ctr">
+                      <a:solidFill>
+                        <a:schemeClr val="tx1"/>
+                      </a:solidFill>
+                      <a:prstDash val="solid"/>
+                      <a:round/>
+                      <a:headEnd type="none" w="med" len="med"/>
+                      <a:tailEnd type="none" w="med" len="med"/>
+                    </a:lnB>
+                    <a:solidFill>
+                      <a:srgbClr val="FDEFFF"/>
+                    </a:solidFill>
+                  </a:tcPr>
+                </a:tc>
+                <a:tc vMerge="1">
+                  <a:txBody>
+                    <a:bodyPr/>
+                    <a:lstStyle/>
+                    <a:p>
+                      <a:pPr algn="ctr"/>
+                      <a:endParaRPr lang="en-SG" sz="1200" b="0" dirty="0">
+                        <a:solidFill>
+                          <a:schemeClr val="tx1"/>
+                        </a:solidFill>
+                      </a:endParaRPr>
+                    </a:p>
+                  </a:txBody>
+                  <a:tcPr anchor="ctr">
+                    <a:lnL w="12700" cap="flat" cmpd="sng" algn="ctr">
+                      <a:solidFill>
+                        <a:schemeClr val="tx1"/>
+                      </a:solidFill>
+                      <a:prstDash val="solid"/>
+                      <a:round/>
+                      <a:headEnd type="none" w="med" len="med"/>
+                      <a:tailEnd type="none" w="med" len="med"/>
+                    </a:lnL>
+                    <a:lnR w="12700" cap="flat" cmpd="sng" algn="ctr">
+                      <a:solidFill>
+                        <a:schemeClr val="tx1"/>
+                      </a:solidFill>
+                      <a:prstDash val="solid"/>
+                      <a:round/>
+                      <a:headEnd type="none" w="med" len="med"/>
+                      <a:tailEnd type="none" w="med" len="med"/>
+                    </a:lnR>
+                    <a:lnT w="12700" cap="flat" cmpd="sng" algn="ctr">
+                      <a:solidFill>
+                        <a:schemeClr val="tx1"/>
+                      </a:solidFill>
+                      <a:prstDash val="solid"/>
+                      <a:round/>
+                      <a:headEnd type="none" w="med" len="med"/>
+                      <a:tailEnd type="none" w="med" len="med"/>
+                    </a:lnT>
+                    <a:lnB w="12700" cap="flat" cmpd="sng" algn="ctr">
+                      <a:solidFill>
+                        <a:schemeClr val="tx1"/>
+                      </a:solidFill>
+                      <a:prstDash val="solid"/>
+                      <a:round/>
+                      <a:headEnd type="none" w="med" len="med"/>
+                      <a:tailEnd type="none" w="med" len="med"/>
+                    </a:lnB>
+                    <a:solidFill>
+                      <a:srgbClr val="B9FFFF"/>
+                    </a:solidFill>
+                  </a:tcPr>
+                </a:tc>
+                <a:tc>
+                  <a:txBody>
+                    <a:bodyPr/>
+                    <a:lstStyle/>
+                    <a:p>
+                      <a:pPr marL="0" marR="0" lvl="0" indent="0" algn="ctr" defTabSz="914400" rtl="0" eaLnBrk="1" fontAlgn="auto" latinLnBrk="0" hangingPunct="1">
+                        <a:lnSpc>
+                          <a:spcPct val="100000"/>
+                        </a:lnSpc>
+                        <a:spcBef>
+                          <a:spcPts val="0"/>
+                        </a:spcBef>
+                        <a:spcAft>
+                          <a:spcPts val="0"/>
+                        </a:spcAft>
+                        <a:buClrTx/>
+                        <a:buSzTx/>
+                        <a:buFontTx/>
+                        <a:buNone/>
+                        <a:tabLst/>
+                        <a:defRPr/>
+                      </a:pPr>
+                      <a:r>
+                        <a:rPr lang="en-SG" sz="1200" b="0" dirty="0">
+                          <a:solidFill>
+                            <a:schemeClr val="tx1"/>
+                          </a:solidFill>
+                        </a:rPr>
+                        <a:t>Grouping Results</a:t>
+                      </a:r>
+                    </a:p>
+                  </a:txBody>
+                  <a:tcPr anchor="ctr">
+                    <a:lnL w="12700" cap="flat" cmpd="sng" algn="ctr">
+                      <a:solidFill>
+                        <a:schemeClr val="tx1"/>
+                      </a:solidFill>
+                      <a:prstDash val="solid"/>
+                      <a:round/>
+                      <a:headEnd type="none" w="med" len="med"/>
+                      <a:tailEnd type="none" w="med" len="med"/>
+                    </a:lnL>
+                    <a:lnR w="12700" cap="flat" cmpd="sng" algn="ctr">
+                      <a:solidFill>
+                        <a:schemeClr val="tx1"/>
+                      </a:solidFill>
+                      <a:prstDash val="solid"/>
+                      <a:round/>
+                      <a:headEnd type="none" w="med" len="med"/>
+                      <a:tailEnd type="none" w="med" len="med"/>
+                    </a:lnR>
+                    <a:lnT w="12700" cap="flat" cmpd="sng" algn="ctr">
+                      <a:solidFill>
+                        <a:schemeClr val="tx1"/>
+                      </a:solidFill>
+                      <a:prstDash val="solid"/>
+                      <a:round/>
+                      <a:headEnd type="none" w="med" len="med"/>
+                      <a:tailEnd type="none" w="med" len="med"/>
+                    </a:lnT>
+                    <a:lnB w="12700" cap="flat" cmpd="sng" algn="ctr">
+                      <a:solidFill>
+                        <a:schemeClr val="tx1"/>
+                      </a:solidFill>
+                      <a:prstDash val="solid"/>
+                      <a:round/>
+                      <a:headEnd type="none" w="med" len="med"/>
+                      <a:tailEnd type="none" w="med" len="med"/>
+                    </a:lnB>
+                    <a:solidFill>
+                      <a:srgbClr val="FFDDDD"/>
+                    </a:solidFill>
+                  </a:tcPr>
+                </a:tc>
+                <a:tc>
+                  <a:txBody>
+                    <a:bodyPr/>
+                    <a:lstStyle/>
+                    <a:p>
+                      <a:pPr algn="ctr"/>
+                      <a:r>
+                        <a:rPr lang="en-SG" sz="1200" b="0" dirty="0">
+                          <a:solidFill>
+                            <a:schemeClr val="tx1"/>
+                          </a:solidFill>
+                        </a:rPr>
+                        <a:t>Statistics Summary</a:t>
+                      </a:r>
+                    </a:p>
+                  </a:txBody>
+                  <a:tcPr anchor="ctr">
+                    <a:lnL w="12700" cap="flat" cmpd="sng" algn="ctr">
+                      <a:solidFill>
+                        <a:schemeClr val="tx1"/>
+                      </a:solidFill>
+                      <a:prstDash val="solid"/>
+                      <a:round/>
+                      <a:headEnd type="none" w="med" len="med"/>
+                      <a:tailEnd type="none" w="med" len="med"/>
+                    </a:lnL>
+                    <a:lnR w="12700" cap="flat" cmpd="sng" algn="ctr">
+                      <a:solidFill>
+                        <a:schemeClr val="tx1"/>
+                      </a:solidFill>
+                      <a:prstDash val="solid"/>
+                      <a:round/>
+                      <a:headEnd type="none" w="med" len="med"/>
+                      <a:tailEnd type="none" w="med" len="med"/>
+                    </a:lnR>
+                    <a:lnT w="12700" cap="flat" cmpd="sng" algn="ctr">
+                      <a:solidFill>
+                        <a:schemeClr val="tx1"/>
+                      </a:solidFill>
+                      <a:prstDash val="solid"/>
+                      <a:round/>
+                      <a:headEnd type="none" w="med" len="med"/>
+                      <a:tailEnd type="none" w="med" len="med"/>
+                    </a:lnT>
+                    <a:lnB w="12700" cap="flat" cmpd="sng" algn="ctr">
+                      <a:solidFill>
+                        <a:schemeClr val="tx1"/>
+                      </a:solidFill>
+                      <a:prstDash val="solid"/>
+                      <a:round/>
+                      <a:headEnd type="none" w="med" len="med"/>
+                      <a:tailEnd type="none" w="med" len="med"/>
+                    </a:lnB>
+                    <a:solidFill>
+                      <a:srgbClr val="E1E9E5"/>
+                    </a:solidFill>
+                  </a:tcPr>
+                </a:tc>
+                <a:extLst>
+                  <a:ext uri="{0D108BD9-81ED-4DB2-BD59-A6C34878D82A}">
+                    <a16:rowId xmlns:a16="http://schemas.microsoft.com/office/drawing/2014/main" val="3064467366"/>
+                  </a:ext>
+                </a:extLst>
+              </a:tr>
+            </a:tbl>
+          </a:graphicData>
+        </a:graphic>
+      </p:graphicFrame>
+      <p:graphicFrame>
+        <p:nvGraphicFramePr>
+          <p:cNvPr id="9" name="Table 8">
+            <a:extLst>
+              <a:ext uri="{FF2B5EF4-FFF2-40B4-BE49-F238E27FC236}">
+                <a16:creationId xmlns:a16="http://schemas.microsoft.com/office/drawing/2014/main" id="{24D379AD-3299-45B5-B631-9176FF1408B6}"/>
+              </a:ext>
+            </a:extLst>
+          </p:cNvPr>
+          <p:cNvGraphicFramePr>
+            <a:graphicFrameLocks noGrp="1"/>
+          </p:cNvGraphicFramePr>
+          <p:nvPr>
+            <p:extLst>
+              <p:ext uri="{D42A27DB-BD31-4B8C-83A1-F6EECF244321}">
+                <p14:modId xmlns:p14="http://schemas.microsoft.com/office/powerpoint/2010/main" val="3972743493"/>
+              </p:ext>
+            </p:extLst>
+          </p:nvPr>
+        </p:nvGraphicFramePr>
+        <p:xfrm>
+          <a:off x="1124535" y="4455514"/>
+          <a:ext cx="4330323" cy="1161091"/>
+        </p:xfrm>
+        <a:graphic>
+          <a:graphicData uri="http://schemas.openxmlformats.org/drawingml/2006/table">
+            <a:tbl>
+              <a:tblPr firstRow="1" bandRow="1">
+                <a:tableStyleId>{5C22544A-7EE6-4342-B048-85BDC9FD1C3A}</a:tableStyleId>
+              </a:tblPr>
+              <a:tblGrid>
+                <a:gridCol w="922606">
+                  <a:extLst>
+                    <a:ext uri="{9D8B030D-6E8A-4147-A177-3AD203B41FA5}">
+                      <a16:colId xmlns:a16="http://schemas.microsoft.com/office/drawing/2014/main" val="3999788392"/>
+                    </a:ext>
+                  </a:extLst>
+                </a:gridCol>
+                <a:gridCol w="880209">
+                  <a:extLst>
+                    <a:ext uri="{9D8B030D-6E8A-4147-A177-3AD203B41FA5}">
+                      <a16:colId xmlns:a16="http://schemas.microsoft.com/office/drawing/2014/main" val="1983927"/>
+                    </a:ext>
+                  </a:extLst>
+                </a:gridCol>
+                <a:gridCol w="1575913">
+                  <a:extLst>
+                    <a:ext uri="{9D8B030D-6E8A-4147-A177-3AD203B41FA5}">
+                      <a16:colId xmlns:a16="http://schemas.microsoft.com/office/drawing/2014/main" val="4080472763"/>
+                    </a:ext>
+                  </a:extLst>
+                </a:gridCol>
+                <a:gridCol w="951595">
+                  <a:extLst>
+                    <a:ext uri="{9D8B030D-6E8A-4147-A177-3AD203B41FA5}">
+                      <a16:colId xmlns:a16="http://schemas.microsoft.com/office/drawing/2014/main" val="3930359769"/>
+                    </a:ext>
+                  </a:extLst>
+                </a:gridCol>
+              </a:tblGrid>
+              <a:tr h="613526">
+                <a:tc gridSpan="3">
+                  <a:txBody>
+                    <a:bodyPr/>
+                    <a:lstStyle/>
+                    <a:p>
+                      <a:pPr algn="ctr"/>
+                      <a:r>
+                        <a:rPr lang="en-SG" sz="1800" b="0" dirty="0">
+                          <a:solidFill>
+                            <a:schemeClr val="tx1"/>
+                          </a:solidFill>
+                        </a:rPr>
+                        <a:t>Curve Summary Table</a:t>
+                      </a:r>
+                    </a:p>
+                  </a:txBody>
+                  <a:tcPr anchor="ctr">
+                    <a:lnL w="12700" cap="flat" cmpd="sng" algn="ctr">
+                      <a:solidFill>
+                        <a:schemeClr val="tx1"/>
+                      </a:solidFill>
+                      <a:prstDash val="solid"/>
+                      <a:round/>
+                      <a:headEnd type="none" w="med" len="med"/>
+                      <a:tailEnd type="none" w="med" len="med"/>
+                    </a:lnL>
+                    <a:lnR w="12700" cap="flat" cmpd="sng" algn="ctr">
+                      <a:solidFill>
+                        <a:schemeClr val="tx1"/>
+                      </a:solidFill>
+                      <a:prstDash val="solid"/>
+                      <a:round/>
+                      <a:headEnd type="none" w="med" len="med"/>
+                      <a:tailEnd type="none" w="med" len="med"/>
+                    </a:lnR>
+                    <a:lnT w="12700" cap="flat" cmpd="sng" algn="ctr">
+                      <a:solidFill>
+                        <a:schemeClr val="tx1"/>
+                      </a:solidFill>
+                      <a:prstDash val="solid"/>
+                      <a:round/>
+                      <a:headEnd type="none" w="med" len="med"/>
+                      <a:tailEnd type="none" w="med" len="med"/>
+                    </a:lnT>
+                    <a:lnB w="12700" cap="flat" cmpd="sng" algn="ctr">
+                      <a:solidFill>
+                        <a:schemeClr val="tx1"/>
+                      </a:solidFill>
+                      <a:prstDash val="solid"/>
+                      <a:round/>
+                      <a:headEnd type="none" w="med" len="med"/>
+                      <a:tailEnd type="none" w="med" len="med"/>
+                    </a:lnB>
+                    <a:solidFill>
+                      <a:schemeClr val="accent5">
+                        <a:lumMod val="20000"/>
+                        <a:lumOff val="80000"/>
+                      </a:schemeClr>
+                    </a:solidFill>
+                  </a:tcPr>
+                </a:tc>
+                <a:tc hMerge="1">
+                  <a:txBody>
+                    <a:bodyPr/>
+                    <a:lstStyle/>
+                    <a:p>
+                      <a:endParaRPr lang="en-SG"/>
+                    </a:p>
+                  </a:txBody>
+                  <a:tcPr/>
+                </a:tc>
+                <a:tc hMerge="1">
+                  <a:txBody>
+                    <a:bodyPr/>
+                    <a:lstStyle/>
+                    <a:p>
+                      <a:endParaRPr lang="en-SG"/>
+                    </a:p>
+                  </a:txBody>
+                  <a:tcPr/>
+                </a:tc>
+                <a:tc>
+                  <a:txBody>
+                    <a:bodyPr/>
+                    <a:lstStyle/>
+                    <a:p>
+                      <a:pPr algn="ctr"/>
+                      <a:r>
+                        <a:rPr lang="en-SG" sz="1800" b="0" dirty="0">
+                          <a:solidFill>
+                            <a:schemeClr val="tx1"/>
+                          </a:solidFill>
+                        </a:rPr>
+                        <a:t>ggplot </a:t>
+                      </a:r>
+                    </a:p>
+                    <a:p>
+                      <a:pPr algn="ctr"/>
+                      <a:r>
+                        <a:rPr lang="en-SG" sz="1800" b="0" dirty="0">
+                          <a:solidFill>
+                            <a:schemeClr val="tx1"/>
+                          </a:solidFill>
+                        </a:rPr>
+                        <a:t>Figures</a:t>
+                      </a:r>
+                    </a:p>
+                  </a:txBody>
+                  <a:tcPr anchor="ctr">
+                    <a:lnL w="12700" cap="flat" cmpd="sng" algn="ctr">
+                      <a:solidFill>
+                        <a:schemeClr val="tx1"/>
+                      </a:solidFill>
+                      <a:prstDash val="solid"/>
+                      <a:round/>
+                      <a:headEnd type="none" w="med" len="med"/>
+                      <a:tailEnd type="none" w="med" len="med"/>
+                    </a:lnL>
+                    <a:lnR w="12700" cap="flat" cmpd="sng" algn="ctr">
+                      <a:solidFill>
+                        <a:schemeClr val="tx1"/>
+                      </a:solidFill>
+                      <a:prstDash val="solid"/>
+                      <a:round/>
+                      <a:headEnd type="none" w="med" len="med"/>
+                      <a:tailEnd type="none" w="med" len="med"/>
+                    </a:lnR>
+                    <a:lnT w="12700" cap="flat" cmpd="sng" algn="ctr">
+                      <a:solidFill>
+                        <a:schemeClr val="tx1"/>
+                      </a:solidFill>
+                      <a:prstDash val="solid"/>
+                      <a:round/>
+                      <a:headEnd type="none" w="med" len="med"/>
+                      <a:tailEnd type="none" w="med" len="med"/>
+                    </a:lnT>
+                    <a:lnB w="12700" cap="flat" cmpd="sng" algn="ctr">
+                      <a:solidFill>
+                        <a:schemeClr val="tx1"/>
+                      </a:solidFill>
+                      <a:prstDash val="solid"/>
+                      <a:round/>
+                      <a:headEnd type="none" w="med" len="med"/>
+                      <a:tailEnd type="none" w="med" len="med"/>
+                    </a:lnB>
+                    <a:solidFill>
+                      <a:schemeClr val="accent5">
+                        <a:lumMod val="20000"/>
+                        <a:lumOff val="80000"/>
+                      </a:schemeClr>
+                    </a:solidFill>
+                  </a:tcPr>
+                </a:tc>
+                <a:extLst>
+                  <a:ext uri="{0D108BD9-81ED-4DB2-BD59-A6C34878D82A}">
+                    <a16:rowId xmlns:a16="http://schemas.microsoft.com/office/drawing/2014/main" val="3015718453"/>
+                  </a:ext>
+                </a:extLst>
+              </a:tr>
+              <a:tr h="521011">
+                <a:tc>
+                  <a:txBody>
+                    <a:bodyPr/>
+                    <a:lstStyle/>
+                    <a:p>
+                      <a:pPr algn="ctr"/>
+                      <a:r>
+                        <a:rPr lang="en-SG" sz="1200" b="0" dirty="0">
+                          <a:solidFill>
+                            <a:schemeClr val="tx1"/>
+                          </a:solidFill>
+                        </a:rPr>
+                        <a:t>Curve</a:t>
+                      </a:r>
+                    </a:p>
+                    <a:p>
+                      <a:pPr algn="ctr"/>
+                      <a:r>
+                        <a:rPr lang="en-SG" sz="1200" b="0" dirty="0">
+                          <a:solidFill>
+                            <a:schemeClr val="tx1"/>
+                          </a:solidFill>
+                        </a:rPr>
+                        <a:t>Name</a:t>
+                      </a:r>
+                    </a:p>
+                  </a:txBody>
+                  <a:tcPr anchor="ctr">
+                    <a:lnL w="12700" cap="flat" cmpd="sng" algn="ctr">
+                      <a:solidFill>
+                        <a:schemeClr val="tx1"/>
+                      </a:solidFill>
+                      <a:prstDash val="solid"/>
+                      <a:round/>
+                      <a:headEnd type="none" w="med" len="med"/>
+                      <a:tailEnd type="none" w="med" len="med"/>
+                    </a:lnL>
+                    <a:lnR w="12700" cap="flat" cmpd="sng" algn="ctr">
+                      <a:solidFill>
+                        <a:schemeClr val="tx1"/>
+                      </a:solidFill>
+                      <a:prstDash val="solid"/>
+                      <a:round/>
+                      <a:headEnd type="none" w="med" len="med"/>
+                      <a:tailEnd type="none" w="med" len="med"/>
+                    </a:lnR>
+                    <a:lnT w="12700" cap="flat" cmpd="sng" algn="ctr">
+                      <a:solidFill>
+                        <a:schemeClr val="tx1"/>
+                      </a:solidFill>
+                      <a:prstDash val="solid"/>
+                      <a:round/>
+                      <a:headEnd type="none" w="med" len="med"/>
+                      <a:tailEnd type="none" w="med" len="med"/>
+                    </a:lnT>
+                    <a:lnB w="12700" cap="flat" cmpd="sng" algn="ctr">
+                      <a:solidFill>
+                        <a:schemeClr val="tx1"/>
+                      </a:solidFill>
+                      <a:prstDash val="solid"/>
+                      <a:round/>
+                      <a:headEnd type="none" w="med" len="med"/>
+                      <a:tailEnd type="none" w="med" len="med"/>
+                    </a:lnB>
+                    <a:solidFill>
+                      <a:srgbClr val="FDEFFF"/>
+                    </a:solidFill>
+                  </a:tcPr>
+                </a:tc>
+                <a:tc>
+                  <a:txBody>
+                    <a:bodyPr/>
+                    <a:lstStyle/>
+                    <a:p>
+                      <a:pPr algn="ctr"/>
+                      <a:r>
+                        <a:rPr lang="en-SG" sz="1200" b="0" dirty="0">
+                          <a:solidFill>
+                            <a:schemeClr val="tx1"/>
+                          </a:solidFill>
+                        </a:rPr>
+                        <a:t>Curve</a:t>
+                      </a:r>
+                    </a:p>
+                    <a:p>
+                      <a:pPr algn="ctr"/>
+                      <a:r>
+                        <a:rPr lang="en-SG" sz="1200" dirty="0">
+                          <a:solidFill>
+                            <a:schemeClr val="tx1"/>
+                          </a:solidFill>
+                        </a:rPr>
+                        <a:t>Annotation</a:t>
+                      </a:r>
+                    </a:p>
+                  </a:txBody>
+                  <a:tcPr anchor="ctr">
+                    <a:lnL w="12700" cap="flat" cmpd="sng" algn="ctr">
+                      <a:solidFill>
+                        <a:schemeClr val="tx1"/>
+                      </a:solidFill>
+                      <a:prstDash val="solid"/>
+                      <a:round/>
+                      <a:headEnd type="none" w="med" len="med"/>
+                      <a:tailEnd type="none" w="med" len="med"/>
+                    </a:lnL>
+                    <a:lnR w="12700" cap="flat" cmpd="sng" algn="ctr">
+                      <a:solidFill>
+                        <a:schemeClr val="tx1"/>
+                      </a:solidFill>
+                      <a:prstDash val="solid"/>
+                      <a:round/>
+                      <a:headEnd type="none" w="med" len="med"/>
+                      <a:tailEnd type="none" w="med" len="med"/>
+                    </a:lnR>
+                    <a:lnT w="12700" cap="flat" cmpd="sng" algn="ctr">
+                      <a:solidFill>
+                        <a:schemeClr val="tx1"/>
+                      </a:solidFill>
+                      <a:prstDash val="solid"/>
+                      <a:round/>
+                      <a:headEnd type="none" w="med" len="med"/>
+                      <a:tailEnd type="none" w="med" len="med"/>
+                    </a:lnT>
+                    <a:lnB w="12700" cap="flat" cmpd="sng" algn="ctr">
+                      <a:solidFill>
+                        <a:schemeClr val="tx1"/>
+                      </a:solidFill>
+                      <a:prstDash val="solid"/>
+                      <a:round/>
+                      <a:headEnd type="none" w="med" len="med"/>
+                      <a:tailEnd type="none" w="med" len="med"/>
+                    </a:lnB>
+                    <a:solidFill>
+                      <a:srgbClr val="B9FFFF"/>
+                    </a:solidFill>
+                  </a:tcPr>
+                </a:tc>
+                <a:tc>
+                  <a:txBody>
+                    <a:bodyPr/>
+                    <a:lstStyle/>
+                    <a:p>
+                      <a:pPr marL="0" marR="0" lvl="0" indent="0" algn="ctr" defTabSz="914400" rtl="0" eaLnBrk="1" fontAlgn="auto" latinLnBrk="0" hangingPunct="1">
+                        <a:lnSpc>
+                          <a:spcPct val="100000"/>
+                        </a:lnSpc>
+                        <a:spcBef>
+                          <a:spcPts val="0"/>
+                        </a:spcBef>
+                        <a:spcAft>
+                          <a:spcPts val="0"/>
+                        </a:spcAft>
+                        <a:buClrTx/>
+                        <a:buSzTx/>
+                        <a:buFontTx/>
+                        <a:buNone/>
+                        <a:tabLst/>
+                        <a:defRPr/>
+                      </a:pPr>
+                      <a:r>
+                        <a:rPr lang="en-SG" sz="1200" b="0" dirty="0">
+                          <a:solidFill>
+                            <a:schemeClr val="tx1"/>
+                          </a:solidFill>
+                        </a:rPr>
+                        <a:t>Curve Statistics Summary</a:t>
+                      </a:r>
+                    </a:p>
+                  </a:txBody>
+                  <a:tcPr anchor="ctr">
+                    <a:lnL w="12700" cap="flat" cmpd="sng" algn="ctr">
+                      <a:solidFill>
+                        <a:schemeClr val="tx1"/>
+                      </a:solidFill>
+                      <a:prstDash val="solid"/>
+                      <a:round/>
+                      <a:headEnd type="none" w="med" len="med"/>
+                      <a:tailEnd type="none" w="med" len="med"/>
+                    </a:lnL>
+                    <a:lnR w="12700" cap="flat" cmpd="sng" algn="ctr">
+                      <a:solidFill>
+                        <a:schemeClr val="tx1"/>
+                      </a:solidFill>
+                      <a:prstDash val="solid"/>
+                      <a:round/>
+                      <a:headEnd type="none" w="med" len="med"/>
+                      <a:tailEnd type="none" w="med" len="med"/>
+                    </a:lnR>
+                    <a:lnT w="12700" cap="flat" cmpd="sng" algn="ctr">
+                      <a:solidFill>
+                        <a:schemeClr val="tx1"/>
+                      </a:solidFill>
+                      <a:prstDash val="solid"/>
+                      <a:round/>
+                      <a:headEnd type="none" w="med" len="med"/>
+                      <a:tailEnd type="none" w="med" len="med"/>
+                    </a:lnT>
+                    <a:lnB w="12700" cap="flat" cmpd="sng" algn="ctr">
+                      <a:solidFill>
+                        <a:schemeClr val="tx1"/>
+                      </a:solidFill>
+                      <a:prstDash val="solid"/>
+                      <a:round/>
+                      <a:headEnd type="none" w="med" len="med"/>
+                      <a:tailEnd type="none" w="med" len="med"/>
+                    </a:lnB>
+                    <a:solidFill>
+                      <a:schemeClr val="accent4">
+                        <a:lumMod val="20000"/>
+                        <a:lumOff val="80000"/>
+                      </a:schemeClr>
+                    </a:solidFill>
+                  </a:tcPr>
+                </a:tc>
+                <a:tc>
+                  <a:txBody>
+                    <a:bodyPr/>
+                    <a:lstStyle/>
+                    <a:p>
+                      <a:pPr algn="ctr"/>
+                      <a:r>
+                        <a:rPr lang="en-SG" sz="1200" b="0" dirty="0">
+                          <a:solidFill>
+                            <a:schemeClr val="tx1"/>
+                          </a:solidFill>
+                        </a:rPr>
+                        <a:t>Static </a:t>
+                      </a:r>
+                    </a:p>
+                    <a:p>
+                      <a:pPr algn="ctr"/>
+                      <a:r>
+                        <a:rPr lang="en-SG" sz="1200" b="0" dirty="0">
+                          <a:solidFill>
+                            <a:schemeClr val="tx1"/>
+                          </a:solidFill>
+                        </a:rPr>
+                        <a:t>Figures</a:t>
+                      </a:r>
+                    </a:p>
+                  </a:txBody>
+                  <a:tcPr anchor="ctr">
+                    <a:lnL w="12700" cap="flat" cmpd="sng" algn="ctr">
+                      <a:solidFill>
+                        <a:schemeClr val="tx1"/>
+                      </a:solidFill>
+                      <a:prstDash val="solid"/>
+                      <a:round/>
+                      <a:headEnd type="none" w="med" len="med"/>
+                      <a:tailEnd type="none" w="med" len="med"/>
+                    </a:lnL>
+                    <a:lnR w="12700" cap="flat" cmpd="sng" algn="ctr">
+                      <a:solidFill>
+                        <a:schemeClr val="tx1"/>
+                      </a:solidFill>
+                      <a:prstDash val="solid"/>
+                      <a:round/>
+                      <a:headEnd type="none" w="med" len="med"/>
+                      <a:tailEnd type="none" w="med" len="med"/>
+                    </a:lnR>
+                    <a:lnT w="12700" cap="flat" cmpd="sng" algn="ctr">
+                      <a:solidFill>
+                        <a:schemeClr val="tx1"/>
+                      </a:solidFill>
+                      <a:prstDash val="solid"/>
+                      <a:round/>
+                      <a:headEnd type="none" w="med" len="med"/>
+                      <a:tailEnd type="none" w="med" len="med"/>
+                    </a:lnT>
+                    <a:lnB w="12700" cap="flat" cmpd="sng" algn="ctr">
+                      <a:solidFill>
+                        <a:schemeClr val="tx1"/>
+                      </a:solidFill>
+                      <a:prstDash val="solid"/>
+                      <a:round/>
+                      <a:headEnd type="none" w="med" len="med"/>
+                      <a:tailEnd type="none" w="med" len="med"/>
+                    </a:lnB>
+                    <a:solidFill>
+                      <a:srgbClr val="D1FFD1"/>
+                    </a:solidFill>
+                  </a:tcPr>
+                </a:tc>
+                <a:extLst>
+                  <a:ext uri="{0D108BD9-81ED-4DB2-BD59-A6C34878D82A}">
+                    <a16:rowId xmlns:a16="http://schemas.microsoft.com/office/drawing/2014/main" val="1491974958"/>
+                  </a:ext>
+                </a:extLst>
+              </a:tr>
+            </a:tbl>
+          </a:graphicData>
+        </a:graphic>
+      </p:graphicFrame>
+      <p:graphicFrame>
+        <p:nvGraphicFramePr>
+          <p:cNvPr id="10" name="Table 9">
+            <a:extLst>
+              <a:ext uri="{FF2B5EF4-FFF2-40B4-BE49-F238E27FC236}">
+                <a16:creationId xmlns:a16="http://schemas.microsoft.com/office/drawing/2014/main" id="{C40D4EB5-5248-49F6-A358-065C5A4ABCA8}"/>
+              </a:ext>
+            </a:extLst>
+          </p:cNvPr>
+          <p:cNvGraphicFramePr>
+            <a:graphicFrameLocks noGrp="1"/>
+          </p:cNvGraphicFramePr>
+          <p:nvPr>
+            <p:extLst>
+              <p:ext uri="{D42A27DB-BD31-4B8C-83A1-F6EECF244321}">
+                <p14:modId xmlns:p14="http://schemas.microsoft.com/office/powerpoint/2010/main" val="2287144069"/>
+              </p:ext>
+            </p:extLst>
+          </p:nvPr>
+        </p:nvGraphicFramePr>
+        <p:xfrm>
+          <a:off x="1119116" y="6412459"/>
+          <a:ext cx="4330323" cy="1161091"/>
+        </p:xfrm>
+        <a:graphic>
+          <a:graphicData uri="http://schemas.openxmlformats.org/drawingml/2006/table">
+            <a:tbl>
+              <a:tblPr firstRow="1" bandRow="1">
+                <a:tableStyleId>{5C22544A-7EE6-4342-B048-85BDC9FD1C3A}</a:tableStyleId>
+              </a:tblPr>
+              <a:tblGrid>
+                <a:gridCol w="922606">
+                  <a:extLst>
+                    <a:ext uri="{9D8B030D-6E8A-4147-A177-3AD203B41FA5}">
+                      <a16:colId xmlns:a16="http://schemas.microsoft.com/office/drawing/2014/main" val="3999788392"/>
+                    </a:ext>
+                  </a:extLst>
+                </a:gridCol>
+                <a:gridCol w="882453">
+                  <a:extLst>
+                    <a:ext uri="{9D8B030D-6E8A-4147-A177-3AD203B41FA5}">
+                      <a16:colId xmlns:a16="http://schemas.microsoft.com/office/drawing/2014/main" val="1983927"/>
+                    </a:ext>
+                  </a:extLst>
+                </a:gridCol>
+                <a:gridCol w="1573669">
+                  <a:extLst>
+                    <a:ext uri="{9D8B030D-6E8A-4147-A177-3AD203B41FA5}">
+                      <a16:colId xmlns:a16="http://schemas.microsoft.com/office/drawing/2014/main" val="3273070592"/>
+                    </a:ext>
+                  </a:extLst>
+                </a:gridCol>
+                <a:gridCol w="951595">
+                  <a:extLst>
+                    <a:ext uri="{9D8B030D-6E8A-4147-A177-3AD203B41FA5}">
+                      <a16:colId xmlns:a16="http://schemas.microsoft.com/office/drawing/2014/main" val="3930359769"/>
+                    </a:ext>
+                  </a:extLst>
+                </a:gridCol>
+              </a:tblGrid>
+              <a:tr h="521011">
+                <a:tc gridSpan="3">
+                  <a:txBody>
+                    <a:bodyPr/>
+                    <a:lstStyle/>
+                    <a:p>
+                      <a:pPr algn="ctr"/>
+                      <a:r>
+                        <a:rPr lang="en-SG" sz="1800" b="0" dirty="0">
+                          <a:solidFill>
+                            <a:schemeClr val="tx1"/>
+                          </a:solidFill>
+                        </a:rPr>
+                        <a:t>Curve Summary Table</a:t>
+                      </a:r>
+                    </a:p>
+                  </a:txBody>
+                  <a:tcPr anchor="ctr">
+                    <a:lnL w="12700" cap="flat" cmpd="sng" algn="ctr">
+                      <a:solidFill>
+                        <a:schemeClr val="tx1"/>
+                      </a:solidFill>
+                      <a:prstDash val="solid"/>
+                      <a:round/>
+                      <a:headEnd type="none" w="med" len="med"/>
+                      <a:tailEnd type="none" w="med" len="med"/>
+                    </a:lnL>
+                    <a:lnR w="12700" cap="flat" cmpd="sng" algn="ctr">
+                      <a:solidFill>
+                        <a:schemeClr val="tx1"/>
+                      </a:solidFill>
+                      <a:prstDash val="solid"/>
+                      <a:round/>
+                      <a:headEnd type="none" w="med" len="med"/>
+                      <a:tailEnd type="none" w="med" len="med"/>
+                    </a:lnR>
+                    <a:lnT w="12700" cap="flat" cmpd="sng" algn="ctr">
+                      <a:solidFill>
+                        <a:schemeClr val="tx1"/>
+                      </a:solidFill>
+                      <a:prstDash val="solid"/>
+                      <a:round/>
+                      <a:headEnd type="none" w="med" len="med"/>
+                      <a:tailEnd type="none" w="med" len="med"/>
+                    </a:lnT>
+                    <a:lnB w="12700" cap="flat" cmpd="sng" algn="ctr">
+                      <a:solidFill>
+                        <a:schemeClr val="tx1"/>
+                      </a:solidFill>
+                      <a:prstDash val="solid"/>
+                      <a:round/>
+                      <a:headEnd type="none" w="med" len="med"/>
+                      <a:tailEnd type="none" w="med" len="med"/>
+                    </a:lnB>
+                    <a:solidFill>
+                      <a:schemeClr val="accent5">
+                        <a:lumMod val="20000"/>
+                        <a:lumOff val="80000"/>
+                      </a:schemeClr>
+                    </a:solidFill>
+                  </a:tcPr>
+                </a:tc>
+                <a:tc hMerge="1">
+                  <a:txBody>
+                    <a:bodyPr/>
+                    <a:lstStyle/>
+                    <a:p>
+                      <a:endParaRPr lang="en-SG"/>
+                    </a:p>
+                  </a:txBody>
+                  <a:tcPr/>
+                </a:tc>
+                <a:tc hMerge="1">
+                  <a:txBody>
+                    <a:bodyPr/>
+                    <a:lstStyle/>
+                    <a:p>
+                      <a:endParaRPr lang="en-SG"/>
+                    </a:p>
+                  </a:txBody>
+                  <a:tcPr/>
+                </a:tc>
+                <a:tc>
+                  <a:txBody>
+                    <a:bodyPr/>
+                    <a:lstStyle/>
+                    <a:p>
+                      <a:pPr algn="ctr"/>
+                      <a:r>
+                        <a:rPr lang="en-SG" sz="1800" b="0" dirty="0">
+                          <a:solidFill>
+                            <a:schemeClr val="tx1"/>
+                          </a:solidFill>
+                        </a:rPr>
+                        <a:t>plotly Figures</a:t>
+                      </a:r>
+                    </a:p>
+                  </a:txBody>
+                  <a:tcPr anchor="ctr">
+                    <a:lnL w="12700" cap="flat" cmpd="sng" algn="ctr">
+                      <a:solidFill>
+                        <a:schemeClr val="tx1"/>
+                      </a:solidFill>
+                      <a:prstDash val="solid"/>
+                      <a:round/>
+                      <a:headEnd type="none" w="med" len="med"/>
+                      <a:tailEnd type="none" w="med" len="med"/>
+                    </a:lnL>
+                    <a:lnR w="12700" cap="flat" cmpd="sng" algn="ctr">
+                      <a:solidFill>
+                        <a:schemeClr val="tx1"/>
+                      </a:solidFill>
+                      <a:prstDash val="solid"/>
+                      <a:round/>
+                      <a:headEnd type="none" w="med" len="med"/>
+                      <a:tailEnd type="none" w="med" len="med"/>
+                    </a:lnR>
+                    <a:lnT w="12700" cap="flat" cmpd="sng" algn="ctr">
+                      <a:solidFill>
+                        <a:schemeClr val="tx1"/>
+                      </a:solidFill>
+                      <a:prstDash val="solid"/>
+                      <a:round/>
+                      <a:headEnd type="none" w="med" len="med"/>
+                      <a:tailEnd type="none" w="med" len="med"/>
+                    </a:lnT>
+                    <a:lnB w="12700" cap="flat" cmpd="sng" algn="ctr">
+                      <a:solidFill>
+                        <a:schemeClr val="tx1"/>
+                      </a:solidFill>
+                      <a:prstDash val="solid"/>
+                      <a:round/>
+                      <a:headEnd type="none" w="med" len="med"/>
+                      <a:tailEnd type="none" w="med" len="med"/>
+                    </a:lnB>
+                    <a:solidFill>
+                      <a:schemeClr val="accent5">
+                        <a:lumMod val="20000"/>
+                        <a:lumOff val="80000"/>
+                      </a:schemeClr>
+                    </a:solidFill>
+                  </a:tcPr>
+                </a:tc>
+                <a:extLst>
+                  <a:ext uri="{0D108BD9-81ED-4DB2-BD59-A6C34878D82A}">
+                    <a16:rowId xmlns:a16="http://schemas.microsoft.com/office/drawing/2014/main" val="3015718453"/>
+                  </a:ext>
+                </a:extLst>
+              </a:tr>
+              <a:tr h="521011">
+                <a:tc>
+                  <a:txBody>
+                    <a:bodyPr/>
+                    <a:lstStyle/>
+                    <a:p>
+                      <a:pPr algn="ctr"/>
+                      <a:r>
+                        <a:rPr lang="en-SG" sz="1200" b="0" dirty="0">
+                          <a:solidFill>
+                            <a:schemeClr val="tx1"/>
+                          </a:solidFill>
+                        </a:rPr>
+                        <a:t>Curve</a:t>
+                      </a:r>
+                    </a:p>
+                    <a:p>
+                      <a:pPr algn="ctr"/>
+                      <a:r>
+                        <a:rPr lang="en-SG" sz="1200" b="0" dirty="0">
+                          <a:solidFill>
+                            <a:schemeClr val="tx1"/>
+                          </a:solidFill>
+                        </a:rPr>
+                        <a:t>Name</a:t>
+                      </a:r>
+                    </a:p>
+                  </a:txBody>
+                  <a:tcPr anchor="ctr">
+                    <a:lnL w="12700" cap="flat" cmpd="sng" algn="ctr">
+                      <a:solidFill>
+                        <a:schemeClr val="tx1"/>
+                      </a:solidFill>
+                      <a:prstDash val="solid"/>
+                      <a:round/>
+                      <a:headEnd type="none" w="med" len="med"/>
+                      <a:tailEnd type="none" w="med" len="med"/>
+                    </a:lnL>
+                    <a:lnR w="12700" cap="flat" cmpd="sng" algn="ctr">
+                      <a:solidFill>
+                        <a:schemeClr val="tx1"/>
+                      </a:solidFill>
+                      <a:prstDash val="solid"/>
+                      <a:round/>
+                      <a:headEnd type="none" w="med" len="med"/>
+                      <a:tailEnd type="none" w="med" len="med"/>
+                    </a:lnR>
+                    <a:lnT w="12700" cap="flat" cmpd="sng" algn="ctr">
+                      <a:solidFill>
+                        <a:schemeClr val="tx1"/>
+                      </a:solidFill>
+                      <a:prstDash val="solid"/>
+                      <a:round/>
+                      <a:headEnd type="none" w="med" len="med"/>
+                      <a:tailEnd type="none" w="med" len="med"/>
+                    </a:lnT>
+                    <a:lnB w="12700" cap="flat" cmpd="sng" algn="ctr">
+                      <a:solidFill>
+                        <a:schemeClr val="tx1"/>
+                      </a:solidFill>
+                      <a:prstDash val="solid"/>
+                      <a:round/>
+                      <a:headEnd type="none" w="med" len="med"/>
+                      <a:tailEnd type="none" w="med" len="med"/>
+                    </a:lnB>
+                    <a:solidFill>
+                      <a:srgbClr val="FDEFFF"/>
+                    </a:solidFill>
+                  </a:tcPr>
+                </a:tc>
+                <a:tc>
+                  <a:txBody>
+                    <a:bodyPr/>
+                    <a:lstStyle/>
+                    <a:p>
+                      <a:pPr algn="ctr"/>
+                      <a:r>
+                        <a:rPr lang="en-SG" sz="1200" b="0" dirty="0">
+                          <a:solidFill>
+                            <a:schemeClr val="tx1"/>
+                          </a:solidFill>
+                        </a:rPr>
+                        <a:t>Curve</a:t>
+                      </a:r>
+                    </a:p>
+                    <a:p>
+                      <a:pPr algn="ctr"/>
+                      <a:r>
+                        <a:rPr lang="en-SG" sz="1200" dirty="0">
+                          <a:solidFill>
+                            <a:schemeClr val="tx1"/>
+                          </a:solidFill>
+                        </a:rPr>
+                        <a:t>Annotation</a:t>
+                      </a:r>
+                    </a:p>
+                  </a:txBody>
+                  <a:tcPr anchor="ctr">
+                    <a:lnL w="12700" cap="flat" cmpd="sng" algn="ctr">
+                      <a:solidFill>
+                        <a:schemeClr val="tx1"/>
+                      </a:solidFill>
+                      <a:prstDash val="solid"/>
+                      <a:round/>
+                      <a:headEnd type="none" w="med" len="med"/>
+                      <a:tailEnd type="none" w="med" len="med"/>
+                    </a:lnL>
+                    <a:lnR w="12700" cap="flat" cmpd="sng" algn="ctr">
+                      <a:solidFill>
+                        <a:schemeClr val="tx1"/>
+                      </a:solidFill>
+                      <a:prstDash val="solid"/>
+                      <a:round/>
+                      <a:headEnd type="none" w="med" len="med"/>
+                      <a:tailEnd type="none" w="med" len="med"/>
+                    </a:lnR>
+                    <a:lnT w="12700" cap="flat" cmpd="sng" algn="ctr">
+                      <a:solidFill>
+                        <a:schemeClr val="tx1"/>
+                      </a:solidFill>
+                      <a:prstDash val="solid"/>
+                      <a:round/>
+                      <a:headEnd type="none" w="med" len="med"/>
+                      <a:tailEnd type="none" w="med" len="med"/>
+                    </a:lnT>
+                    <a:lnB w="12700" cap="flat" cmpd="sng" algn="ctr">
+                      <a:solidFill>
+                        <a:schemeClr val="tx1"/>
+                      </a:solidFill>
+                      <a:prstDash val="solid"/>
+                      <a:round/>
+                      <a:headEnd type="none" w="med" len="med"/>
+                      <a:tailEnd type="none" w="med" len="med"/>
+                    </a:lnB>
+                    <a:solidFill>
+                      <a:srgbClr val="B9FFFF"/>
+                    </a:solidFill>
+                  </a:tcPr>
+                </a:tc>
+                <a:tc>
+                  <a:txBody>
+                    <a:bodyPr/>
+                    <a:lstStyle/>
+                    <a:p>
+                      <a:pPr marL="0" marR="0" lvl="0" indent="0" algn="ctr" defTabSz="914400" rtl="0" eaLnBrk="1" fontAlgn="auto" latinLnBrk="0" hangingPunct="1">
+                        <a:lnSpc>
+                          <a:spcPct val="100000"/>
+                        </a:lnSpc>
+                        <a:spcBef>
+                          <a:spcPts val="0"/>
+                        </a:spcBef>
+                        <a:spcAft>
+                          <a:spcPts val="0"/>
+                        </a:spcAft>
+                        <a:buClrTx/>
+                        <a:buSzTx/>
+                        <a:buFontTx/>
+                        <a:buNone/>
+                        <a:tabLst/>
+                        <a:defRPr/>
+                      </a:pPr>
+                      <a:r>
+                        <a:rPr lang="en-SG" sz="1200" b="0" dirty="0">
+                          <a:solidFill>
+                            <a:schemeClr val="tx1"/>
+                          </a:solidFill>
+                        </a:rPr>
+                        <a:t>Curve Statistics Summary</a:t>
+                      </a:r>
+                    </a:p>
+                  </a:txBody>
+                  <a:tcPr anchor="ctr">
+                    <a:lnL w="12700" cap="flat" cmpd="sng" algn="ctr">
+                      <a:solidFill>
+                        <a:schemeClr val="tx1"/>
+                      </a:solidFill>
+                      <a:prstDash val="solid"/>
+                      <a:round/>
+                      <a:headEnd type="none" w="med" len="med"/>
+                      <a:tailEnd type="none" w="med" len="med"/>
+                    </a:lnL>
+                    <a:lnR w="12700" cap="flat" cmpd="sng" algn="ctr">
+                      <a:solidFill>
+                        <a:schemeClr val="tx1"/>
+                      </a:solidFill>
+                      <a:prstDash val="solid"/>
+                      <a:round/>
+                      <a:headEnd type="none" w="med" len="med"/>
+                      <a:tailEnd type="none" w="med" len="med"/>
+                    </a:lnR>
+                    <a:lnT w="12700" cap="flat" cmpd="sng" algn="ctr">
+                      <a:solidFill>
+                        <a:schemeClr val="tx1"/>
+                      </a:solidFill>
+                      <a:prstDash val="solid"/>
+                      <a:round/>
+                      <a:headEnd type="none" w="med" len="med"/>
+                      <a:tailEnd type="none" w="med" len="med"/>
+                    </a:lnT>
+                    <a:lnB w="12700" cap="flat" cmpd="sng" algn="ctr">
+                      <a:solidFill>
+                        <a:schemeClr val="tx1"/>
+                      </a:solidFill>
+                      <a:prstDash val="solid"/>
+                      <a:round/>
+                      <a:headEnd type="none" w="med" len="med"/>
+                      <a:tailEnd type="none" w="med" len="med"/>
+                    </a:lnB>
+                    <a:solidFill>
+                      <a:schemeClr val="accent4">
+                        <a:lumMod val="20000"/>
+                        <a:lumOff val="80000"/>
+                      </a:schemeClr>
+                    </a:solidFill>
+                  </a:tcPr>
+                </a:tc>
+                <a:tc>
+                  <a:txBody>
+                    <a:bodyPr/>
+                    <a:lstStyle/>
+                    <a:p>
+                      <a:pPr algn="ctr"/>
+                      <a:r>
+                        <a:rPr lang="en-SG" sz="1200" b="0" dirty="0">
+                          <a:solidFill>
+                            <a:schemeClr val="tx1"/>
+                          </a:solidFill>
+                        </a:rPr>
+                        <a:t>Interactive</a:t>
+                      </a:r>
+                    </a:p>
+                    <a:p>
+                      <a:pPr algn="ctr"/>
+                      <a:r>
+                        <a:rPr lang="en-SG" sz="1200" b="0" dirty="0">
+                          <a:solidFill>
+                            <a:schemeClr val="tx1"/>
+                          </a:solidFill>
+                        </a:rPr>
+                        <a:t>Figures</a:t>
+                      </a:r>
+                    </a:p>
+                  </a:txBody>
+                  <a:tcPr anchor="ctr">
+                    <a:lnL w="12700" cap="flat" cmpd="sng" algn="ctr">
+                      <a:solidFill>
+                        <a:schemeClr val="tx1"/>
+                      </a:solidFill>
+                      <a:prstDash val="solid"/>
+                      <a:round/>
+                      <a:headEnd type="none" w="med" len="med"/>
+                      <a:tailEnd type="none" w="med" len="med"/>
+                    </a:lnL>
+                    <a:lnR w="12700" cap="flat" cmpd="sng" algn="ctr">
+                      <a:solidFill>
+                        <a:schemeClr val="tx1"/>
+                      </a:solidFill>
+                      <a:prstDash val="solid"/>
+                      <a:round/>
+                      <a:headEnd type="none" w="med" len="med"/>
+                      <a:tailEnd type="none" w="med" len="med"/>
+                    </a:lnR>
+                    <a:lnT w="12700" cap="flat" cmpd="sng" algn="ctr">
+                      <a:solidFill>
+                        <a:schemeClr val="tx1"/>
+                      </a:solidFill>
+                      <a:prstDash val="solid"/>
+                      <a:round/>
+                      <a:headEnd type="none" w="med" len="med"/>
+                      <a:tailEnd type="none" w="med" len="med"/>
+                    </a:lnT>
+                    <a:lnB w="12700" cap="flat" cmpd="sng" algn="ctr">
+                      <a:solidFill>
+                        <a:schemeClr val="tx1"/>
+                      </a:solidFill>
+                      <a:prstDash val="solid"/>
+                      <a:round/>
+                      <a:headEnd type="none" w="med" len="med"/>
+                      <a:tailEnd type="none" w="med" len="med"/>
+                    </a:lnB>
+                    <a:solidFill>
+                      <a:srgbClr val="D1FFD1"/>
+                    </a:solidFill>
+                  </a:tcPr>
+                </a:tc>
+                <a:extLst>
+                  <a:ext uri="{0D108BD9-81ED-4DB2-BD59-A6C34878D82A}">
+                    <a16:rowId xmlns:a16="http://schemas.microsoft.com/office/drawing/2014/main" val="1491974958"/>
+                  </a:ext>
+                </a:extLst>
+              </a:tr>
+            </a:tbl>
+          </a:graphicData>
+        </a:graphic>
+      </p:graphicFrame>
+      <p:graphicFrame>
+        <p:nvGraphicFramePr>
+          <p:cNvPr id="11" name="Table 10">
+            <a:extLst>
+              <a:ext uri="{FF2B5EF4-FFF2-40B4-BE49-F238E27FC236}">
+                <a16:creationId xmlns:a16="http://schemas.microsoft.com/office/drawing/2014/main" id="{6F5DFEEB-0D46-4FEF-804A-AE8F07268516}"/>
+              </a:ext>
+            </a:extLst>
+          </p:cNvPr>
+          <p:cNvGraphicFramePr>
+            <a:graphicFrameLocks noGrp="1"/>
+          </p:cNvGraphicFramePr>
+          <p:nvPr>
+            <p:extLst>
+              <p:ext uri="{D42A27DB-BD31-4B8C-83A1-F6EECF244321}">
+                <p14:modId xmlns:p14="http://schemas.microsoft.com/office/powerpoint/2010/main" val="558481014"/>
+              </p:ext>
+            </p:extLst>
+          </p:nvPr>
+        </p:nvGraphicFramePr>
+        <p:xfrm>
+          <a:off x="7615464" y="872954"/>
+          <a:ext cx="3829936" cy="886771"/>
+        </p:xfrm>
+        <a:graphic>
+          <a:graphicData uri="http://schemas.openxmlformats.org/drawingml/2006/table">
+            <a:tbl>
+              <a:tblPr firstRow="1" bandRow="1">
+                <a:tableStyleId>{5C22544A-7EE6-4342-B048-85BDC9FD1C3A}</a:tableStyleId>
+              </a:tblPr>
+              <a:tblGrid>
+                <a:gridCol w="870857">
+                  <a:extLst>
+                    <a:ext uri="{9D8B030D-6E8A-4147-A177-3AD203B41FA5}">
+                      <a16:colId xmlns:a16="http://schemas.microsoft.com/office/drawing/2014/main" val="3999788392"/>
+                    </a:ext>
+                  </a:extLst>
+                </a:gridCol>
+                <a:gridCol w="1047061">
+                  <a:extLst>
+                    <a:ext uri="{9D8B030D-6E8A-4147-A177-3AD203B41FA5}">
+                      <a16:colId xmlns:a16="http://schemas.microsoft.com/office/drawing/2014/main" val="1983927"/>
+                    </a:ext>
+                  </a:extLst>
+                </a:gridCol>
+                <a:gridCol w="1912018">
+                  <a:extLst>
+                    <a:ext uri="{9D8B030D-6E8A-4147-A177-3AD203B41FA5}">
+                      <a16:colId xmlns:a16="http://schemas.microsoft.com/office/drawing/2014/main" val="1221627271"/>
+                    </a:ext>
+                  </a:extLst>
+                </a:gridCol>
+              </a:tblGrid>
+              <a:tr h="270034">
+                <a:tc gridSpan="3">
+                  <a:txBody>
+                    <a:bodyPr/>
+                    <a:lstStyle/>
+                    <a:p>
+                      <a:pPr algn="ctr"/>
+                      <a:r>
+                        <a:rPr lang="en-SG" sz="1800" b="0" dirty="0">
+                          <a:solidFill>
+                            <a:schemeClr val="tx1"/>
+                          </a:solidFill>
+                        </a:rPr>
+                        <a:t>Curve Summary Table</a:t>
+                      </a:r>
+                    </a:p>
+                  </a:txBody>
+                  <a:tcPr anchor="ctr">
+                    <a:lnL w="12700" cap="flat" cmpd="sng" algn="ctr">
+                      <a:solidFill>
+                        <a:schemeClr val="tx1"/>
+                      </a:solidFill>
+                      <a:prstDash val="solid"/>
+                      <a:round/>
+                      <a:headEnd type="none" w="med" len="med"/>
+                      <a:tailEnd type="none" w="med" len="med"/>
+                    </a:lnL>
+                    <a:lnR w="12700" cap="flat" cmpd="sng" algn="ctr">
+                      <a:solidFill>
+                        <a:schemeClr val="tx1"/>
+                      </a:solidFill>
+                      <a:prstDash val="solid"/>
+                      <a:round/>
+                      <a:headEnd type="none" w="med" len="med"/>
+                      <a:tailEnd type="none" w="med" len="med"/>
+                    </a:lnR>
+                    <a:lnT w="12700" cap="flat" cmpd="sng" algn="ctr">
+                      <a:solidFill>
+                        <a:schemeClr val="tx1"/>
+                      </a:solidFill>
+                      <a:prstDash val="solid"/>
+                      <a:round/>
+                      <a:headEnd type="none" w="med" len="med"/>
+                      <a:tailEnd type="none" w="med" len="med"/>
+                    </a:lnT>
+                    <a:lnB w="12700" cap="flat" cmpd="sng" algn="ctr">
+                      <a:solidFill>
+                        <a:schemeClr val="tx1"/>
+                      </a:solidFill>
+                      <a:prstDash val="solid"/>
+                      <a:round/>
+                      <a:headEnd type="none" w="med" len="med"/>
+                      <a:tailEnd type="none" w="med" len="med"/>
+                    </a:lnB>
+                    <a:solidFill>
+                      <a:schemeClr val="accent5">
+                        <a:lumMod val="20000"/>
+                        <a:lumOff val="80000"/>
+                      </a:schemeClr>
+                    </a:solidFill>
+                  </a:tcPr>
+                </a:tc>
+                <a:tc hMerge="1">
+                  <a:txBody>
+                    <a:bodyPr/>
+                    <a:lstStyle/>
+                    <a:p>
+                      <a:endParaRPr lang="en-SG"/>
+                    </a:p>
+                  </a:txBody>
+                  <a:tcPr/>
+                </a:tc>
+                <a:tc hMerge="1">
+                  <a:txBody>
+                    <a:bodyPr/>
+                    <a:lstStyle/>
+                    <a:p>
+                      <a:endParaRPr lang="en-SG"/>
+                    </a:p>
+                  </a:txBody>
+                  <a:tcPr/>
+                </a:tc>
+                <a:extLst>
+                  <a:ext uri="{0D108BD9-81ED-4DB2-BD59-A6C34878D82A}">
+                    <a16:rowId xmlns:a16="http://schemas.microsoft.com/office/drawing/2014/main" val="3015718453"/>
+                  </a:ext>
+                </a:extLst>
+              </a:tr>
+              <a:tr h="521011">
+                <a:tc>
+                  <a:txBody>
+                    <a:bodyPr/>
+                    <a:lstStyle/>
+                    <a:p>
+                      <a:pPr algn="ctr"/>
+                      <a:r>
+                        <a:rPr lang="en-SG" sz="1200" b="0" dirty="0">
+                          <a:solidFill>
+                            <a:schemeClr val="tx1"/>
+                          </a:solidFill>
+                        </a:rPr>
+                        <a:t>Curve</a:t>
+                      </a:r>
+                    </a:p>
+                    <a:p>
+                      <a:pPr algn="ctr"/>
+                      <a:r>
+                        <a:rPr lang="en-SG" sz="1200" b="0" dirty="0">
+                          <a:solidFill>
+                            <a:schemeClr val="tx1"/>
+                          </a:solidFill>
+                        </a:rPr>
+                        <a:t>Name</a:t>
+                      </a:r>
+                    </a:p>
+                  </a:txBody>
+                  <a:tcPr anchor="ctr">
+                    <a:lnL w="12700" cap="flat" cmpd="sng" algn="ctr">
+                      <a:solidFill>
+                        <a:schemeClr val="tx1"/>
+                      </a:solidFill>
+                      <a:prstDash val="solid"/>
+                      <a:round/>
+                      <a:headEnd type="none" w="med" len="med"/>
+                      <a:tailEnd type="none" w="med" len="med"/>
+                    </a:lnL>
+                    <a:lnR w="12700" cap="flat" cmpd="sng" algn="ctr">
+                      <a:solidFill>
+                        <a:schemeClr val="tx1"/>
+                      </a:solidFill>
+                      <a:prstDash val="solid"/>
+                      <a:round/>
+                      <a:headEnd type="none" w="med" len="med"/>
+                      <a:tailEnd type="none" w="med" len="med"/>
+                    </a:lnR>
+                    <a:lnT w="12700" cap="flat" cmpd="sng" algn="ctr">
+                      <a:solidFill>
+                        <a:schemeClr val="tx1"/>
+                      </a:solidFill>
+                      <a:prstDash val="solid"/>
+                      <a:round/>
+                      <a:headEnd type="none" w="med" len="med"/>
+                      <a:tailEnd type="none" w="med" len="med"/>
+                    </a:lnT>
+                    <a:lnB w="12700" cap="flat" cmpd="sng" algn="ctr">
+                      <a:solidFill>
+                        <a:schemeClr val="tx1"/>
+                      </a:solidFill>
+                      <a:prstDash val="solid"/>
+                      <a:round/>
+                      <a:headEnd type="none" w="med" len="med"/>
+                      <a:tailEnd type="none" w="med" len="med"/>
+                    </a:lnB>
+                    <a:solidFill>
+                      <a:srgbClr val="FDEFFF"/>
+                    </a:solidFill>
+                  </a:tcPr>
+                </a:tc>
+                <a:tc>
+                  <a:txBody>
+                    <a:bodyPr/>
+                    <a:lstStyle/>
+                    <a:p>
+                      <a:pPr algn="ctr"/>
+                      <a:r>
+                        <a:rPr lang="en-SG" sz="1200" b="0" dirty="0">
+                          <a:solidFill>
+                            <a:schemeClr val="tx1"/>
+                          </a:solidFill>
+                        </a:rPr>
+                        <a:t>Curve</a:t>
+                      </a:r>
+                    </a:p>
+                    <a:p>
+                      <a:pPr algn="ctr"/>
+                      <a:r>
+                        <a:rPr lang="en-SG" sz="1200" dirty="0">
+                          <a:solidFill>
+                            <a:schemeClr val="tx1"/>
+                          </a:solidFill>
+                        </a:rPr>
+                        <a:t>Annotation</a:t>
+                      </a:r>
+                    </a:p>
+                  </a:txBody>
+                  <a:tcPr anchor="ctr">
+                    <a:lnL w="12700" cap="flat" cmpd="sng" algn="ctr">
+                      <a:solidFill>
+                        <a:schemeClr val="tx1"/>
+                      </a:solidFill>
+                      <a:prstDash val="solid"/>
+                      <a:round/>
+                      <a:headEnd type="none" w="med" len="med"/>
+                      <a:tailEnd type="none" w="med" len="med"/>
+                    </a:lnL>
+                    <a:lnR w="12700" cap="flat" cmpd="sng" algn="ctr">
+                      <a:solidFill>
+                        <a:schemeClr val="tx1"/>
+                      </a:solidFill>
+                      <a:prstDash val="solid"/>
+                      <a:round/>
+                      <a:headEnd type="none" w="med" len="med"/>
+                      <a:tailEnd type="none" w="med" len="med"/>
+                    </a:lnR>
+                    <a:lnT w="12700" cap="flat" cmpd="sng" algn="ctr">
+                      <a:solidFill>
+                        <a:schemeClr val="tx1"/>
+                      </a:solidFill>
+                      <a:prstDash val="solid"/>
+                      <a:round/>
+                      <a:headEnd type="none" w="med" len="med"/>
+                      <a:tailEnd type="none" w="med" len="med"/>
+                    </a:lnT>
+                    <a:lnB w="12700" cap="flat" cmpd="sng" algn="ctr">
+                      <a:solidFill>
+                        <a:schemeClr val="tx1"/>
+                      </a:solidFill>
+                      <a:prstDash val="solid"/>
+                      <a:round/>
+                      <a:headEnd type="none" w="med" len="med"/>
+                      <a:tailEnd type="none" w="med" len="med"/>
+                    </a:lnB>
+                    <a:solidFill>
+                      <a:srgbClr val="B9FFFF"/>
+                    </a:solidFill>
+                  </a:tcPr>
+                </a:tc>
+                <a:tc>
+                  <a:txBody>
+                    <a:bodyPr/>
+                    <a:lstStyle/>
+                    <a:p>
+                      <a:pPr algn="ctr"/>
+                      <a:r>
+                        <a:rPr lang="en-SG" sz="1200" b="0" dirty="0">
+                          <a:solidFill>
+                            <a:schemeClr val="tx1"/>
+                          </a:solidFill>
+                        </a:rPr>
+                        <a:t>Curve Statistics Summary</a:t>
+                      </a:r>
+                    </a:p>
+                  </a:txBody>
+                  <a:tcPr anchor="ctr">
+                    <a:lnL w="12700" cap="flat" cmpd="sng" algn="ctr">
+                      <a:solidFill>
+                        <a:schemeClr val="tx1"/>
+                      </a:solidFill>
+                      <a:prstDash val="solid"/>
+                      <a:round/>
+                      <a:headEnd type="none" w="med" len="med"/>
+                      <a:tailEnd type="none" w="med" len="med"/>
+                    </a:lnL>
+                    <a:lnR w="12700" cap="flat" cmpd="sng" algn="ctr">
+                      <a:solidFill>
+                        <a:schemeClr val="tx1"/>
+                      </a:solidFill>
+                      <a:prstDash val="solid"/>
+                      <a:round/>
+                      <a:headEnd type="none" w="med" len="med"/>
+                      <a:tailEnd type="none" w="med" len="med"/>
+                    </a:lnR>
+                    <a:lnT w="12700" cap="flat" cmpd="sng" algn="ctr">
+                      <a:solidFill>
+                        <a:schemeClr val="tx1"/>
+                      </a:solidFill>
+                      <a:prstDash val="solid"/>
+                      <a:round/>
+                      <a:headEnd type="none" w="med" len="med"/>
+                      <a:tailEnd type="none" w="med" len="med"/>
+                    </a:lnT>
+                    <a:lnB w="12700" cap="flat" cmpd="sng" algn="ctr">
+                      <a:solidFill>
+                        <a:schemeClr val="tx1"/>
+                      </a:solidFill>
+                      <a:prstDash val="solid"/>
+                      <a:round/>
+                      <a:headEnd type="none" w="med" len="med"/>
+                      <a:tailEnd type="none" w="med" len="med"/>
+                    </a:lnB>
+                    <a:solidFill>
+                      <a:schemeClr val="accent4">
+                        <a:lumMod val="20000"/>
+                        <a:lumOff val="80000"/>
+                      </a:schemeClr>
+                    </a:solidFill>
+                  </a:tcPr>
+                </a:tc>
+                <a:extLst>
+                  <a:ext uri="{0D108BD9-81ED-4DB2-BD59-A6C34878D82A}">
+                    <a16:rowId xmlns:a16="http://schemas.microsoft.com/office/drawing/2014/main" val="1491974958"/>
+                  </a:ext>
+                </a:extLst>
+              </a:tr>
+            </a:tbl>
+          </a:graphicData>
+        </a:graphic>
+      </p:graphicFrame>
+      <p:graphicFrame>
+        <p:nvGraphicFramePr>
+          <p:cNvPr id="12" name="Table 11">
+            <a:extLst>
+              <a:ext uri="{FF2B5EF4-FFF2-40B4-BE49-F238E27FC236}">
+                <a16:creationId xmlns:a16="http://schemas.microsoft.com/office/drawing/2014/main" id="{05803C5B-FE20-412C-B306-CE36C3F53196}"/>
+              </a:ext>
+            </a:extLst>
+          </p:cNvPr>
+          <p:cNvGraphicFramePr>
+            <a:graphicFrameLocks noGrp="1"/>
+          </p:cNvGraphicFramePr>
+          <p:nvPr>
+            <p:extLst>
+              <p:ext uri="{D42A27DB-BD31-4B8C-83A1-F6EECF244321}">
+                <p14:modId xmlns:p14="http://schemas.microsoft.com/office/powerpoint/2010/main" val="692602708"/>
+              </p:ext>
+            </p:extLst>
+          </p:nvPr>
+        </p:nvGraphicFramePr>
+        <p:xfrm>
+          <a:off x="7615464" y="-507223"/>
+          <a:ext cx="3829935" cy="886771"/>
+        </p:xfrm>
+        <a:graphic>
+          <a:graphicData uri="http://schemas.openxmlformats.org/drawingml/2006/table">
+            <a:tbl>
+              <a:tblPr firstRow="1" bandRow="1">
+                <a:tableStyleId>{5C22544A-7EE6-4342-B048-85BDC9FD1C3A}</a:tableStyleId>
+              </a:tblPr>
+              <a:tblGrid>
+                <a:gridCol w="882511">
+                  <a:extLst>
+                    <a:ext uri="{9D8B030D-6E8A-4147-A177-3AD203B41FA5}">
+                      <a16:colId xmlns:a16="http://schemas.microsoft.com/office/drawing/2014/main" val="3999788392"/>
+                    </a:ext>
+                  </a:extLst>
+                </a:gridCol>
+                <a:gridCol w="1044551">
+                  <a:extLst>
+                    <a:ext uri="{9D8B030D-6E8A-4147-A177-3AD203B41FA5}">
+                      <a16:colId xmlns:a16="http://schemas.microsoft.com/office/drawing/2014/main" val="1983927"/>
+                    </a:ext>
+                  </a:extLst>
+                </a:gridCol>
+                <a:gridCol w="974833">
+                  <a:extLst>
+                    <a:ext uri="{9D8B030D-6E8A-4147-A177-3AD203B41FA5}">
+                      <a16:colId xmlns:a16="http://schemas.microsoft.com/office/drawing/2014/main" val="2006484693"/>
+                    </a:ext>
+                  </a:extLst>
+                </a:gridCol>
+                <a:gridCol w="928040">
+                  <a:extLst>
+                    <a:ext uri="{9D8B030D-6E8A-4147-A177-3AD203B41FA5}">
+                      <a16:colId xmlns:a16="http://schemas.microsoft.com/office/drawing/2014/main" val="2608636971"/>
+                    </a:ext>
+                  </a:extLst>
+                </a:gridCol>
+              </a:tblGrid>
+              <a:tr h="117068">
+                <a:tc gridSpan="4">
+                  <a:txBody>
+                    <a:bodyPr/>
+                    <a:lstStyle/>
+                    <a:p>
+                      <a:pPr algn="ctr"/>
+                      <a:r>
+                        <a:rPr lang="en-SG" sz="1800" b="0" dirty="0">
+                          <a:solidFill>
+                            <a:schemeClr val="tx1"/>
+                          </a:solidFill>
+                        </a:rPr>
+                        <a:t>Curve Table</a:t>
+                      </a:r>
+                    </a:p>
+                  </a:txBody>
+                  <a:tcPr anchor="ctr">
+                    <a:lnL w="12700" cap="flat" cmpd="sng" algn="ctr">
+                      <a:solidFill>
+                        <a:schemeClr val="tx1"/>
+                      </a:solidFill>
+                      <a:prstDash val="solid"/>
+                      <a:round/>
+                      <a:headEnd type="none" w="med" len="med"/>
+                      <a:tailEnd type="none" w="med" len="med"/>
+                    </a:lnL>
+                    <a:lnR w="12700" cap="flat" cmpd="sng" algn="ctr">
+                      <a:solidFill>
+                        <a:schemeClr val="tx1"/>
+                      </a:solidFill>
+                      <a:prstDash val="solid"/>
+                      <a:round/>
+                      <a:headEnd type="none" w="med" len="med"/>
+                      <a:tailEnd type="none" w="med" len="med"/>
+                    </a:lnR>
+                    <a:lnT w="12700" cap="flat" cmpd="sng" algn="ctr">
+                      <a:solidFill>
+                        <a:schemeClr val="tx1"/>
+                      </a:solidFill>
+                      <a:prstDash val="solid"/>
+                      <a:round/>
+                      <a:headEnd type="none" w="med" len="med"/>
+                      <a:tailEnd type="none" w="med" len="med"/>
+                    </a:lnT>
+                    <a:lnB w="12700" cap="flat" cmpd="sng" algn="ctr">
+                      <a:solidFill>
+                        <a:schemeClr val="tx1"/>
+                      </a:solidFill>
+                      <a:prstDash val="solid"/>
+                      <a:round/>
+                      <a:headEnd type="none" w="med" len="med"/>
+                      <a:tailEnd type="none" w="med" len="med"/>
+                    </a:lnB>
+                    <a:solidFill>
+                      <a:schemeClr val="accent5">
+                        <a:lumMod val="20000"/>
+                        <a:lumOff val="80000"/>
+                      </a:schemeClr>
+                    </a:solidFill>
+                  </a:tcPr>
+                </a:tc>
+                <a:tc hMerge="1">
+                  <a:txBody>
+                    <a:bodyPr/>
+                    <a:lstStyle/>
+                    <a:p>
+                      <a:endParaRPr lang="en-SG"/>
+                    </a:p>
+                  </a:txBody>
+                  <a:tcPr/>
+                </a:tc>
+                <a:tc hMerge="1">
+                  <a:txBody>
+                    <a:bodyPr/>
+                    <a:lstStyle/>
+                    <a:p>
+                      <a:endParaRPr lang="en-SG"/>
+                    </a:p>
+                  </a:txBody>
+                  <a:tcPr/>
+                </a:tc>
+                <a:tc hMerge="1">
+                  <a:txBody>
+                    <a:bodyPr/>
+                    <a:lstStyle/>
+                    <a:p>
+                      <a:endParaRPr lang="en-SG"/>
+                    </a:p>
+                  </a:txBody>
+                  <a:tcPr/>
+                </a:tc>
+                <a:extLst>
+                  <a:ext uri="{0D108BD9-81ED-4DB2-BD59-A6C34878D82A}">
+                    <a16:rowId xmlns:a16="http://schemas.microsoft.com/office/drawing/2014/main" val="3015718453"/>
+                  </a:ext>
+                </a:extLst>
+              </a:tr>
+              <a:tr h="521011">
+                <a:tc>
+                  <a:txBody>
+                    <a:bodyPr/>
+                    <a:lstStyle/>
+                    <a:p>
+                      <a:pPr algn="ctr"/>
+                      <a:r>
+                        <a:rPr lang="en-SG" sz="1200" dirty="0">
+                          <a:solidFill>
+                            <a:schemeClr val="tx1"/>
+                          </a:solidFill>
+                        </a:rPr>
+                        <a:t>Sample Name</a:t>
+                      </a:r>
+                    </a:p>
+                  </a:txBody>
+                  <a:tcPr anchor="ctr">
+                    <a:lnL w="12700" cap="flat" cmpd="sng" algn="ctr">
+                      <a:solidFill>
+                        <a:schemeClr val="tx1"/>
+                      </a:solidFill>
+                      <a:prstDash val="solid"/>
+                      <a:round/>
+                      <a:headEnd type="none" w="med" len="med"/>
+                      <a:tailEnd type="none" w="med" len="med"/>
+                    </a:lnL>
+                    <a:lnR w="12700" cap="flat" cmpd="sng" algn="ctr">
+                      <a:solidFill>
+                        <a:schemeClr val="tx1"/>
+                      </a:solidFill>
+                      <a:prstDash val="solid"/>
+                      <a:round/>
+                      <a:headEnd type="none" w="med" len="med"/>
+                      <a:tailEnd type="none" w="med" len="med"/>
+                    </a:lnR>
+                    <a:lnT w="12700" cap="flat" cmpd="sng" algn="ctr">
+                      <a:solidFill>
+                        <a:schemeClr val="tx1"/>
+                      </a:solidFill>
+                      <a:prstDash val="solid"/>
+                      <a:round/>
+                      <a:headEnd type="none" w="med" len="med"/>
+                      <a:tailEnd type="none" w="med" len="med"/>
+                    </a:lnT>
+                    <a:lnB w="12700" cap="flat" cmpd="sng" algn="ctr">
+                      <a:solidFill>
+                        <a:schemeClr val="tx1"/>
+                      </a:solidFill>
+                      <a:prstDash val="solid"/>
+                      <a:round/>
+                      <a:headEnd type="none" w="med" len="med"/>
+                      <a:tailEnd type="none" w="med" len="med"/>
+                    </a:lnB>
+                    <a:solidFill>
+                      <a:schemeClr val="accent6">
+                        <a:lumMod val="20000"/>
+                        <a:lumOff val="80000"/>
+                      </a:schemeClr>
+                    </a:solidFill>
+                  </a:tcPr>
+                </a:tc>
+                <a:tc>
+                  <a:txBody>
+                    <a:bodyPr/>
+                    <a:lstStyle/>
+                    <a:p>
+                      <a:pPr algn="ctr"/>
+                      <a:r>
+                        <a:rPr lang="en-SG" sz="1200" b="0" dirty="0">
+                          <a:solidFill>
+                            <a:schemeClr val="tx1"/>
+                          </a:solidFill>
+                        </a:rPr>
+                        <a:t>Curve</a:t>
+                      </a:r>
+                    </a:p>
+                    <a:p>
+                      <a:pPr algn="ctr"/>
+                      <a:r>
+                        <a:rPr lang="en-SG" sz="1200" dirty="0">
+                          <a:solidFill>
+                            <a:schemeClr val="tx1"/>
+                          </a:solidFill>
+                        </a:rPr>
+                        <a:t>Annotation</a:t>
+                      </a:r>
+                    </a:p>
+                  </a:txBody>
+                  <a:tcPr anchor="ctr">
+                    <a:lnL w="12700" cap="flat" cmpd="sng" algn="ctr">
+                      <a:solidFill>
+                        <a:schemeClr val="tx1"/>
+                      </a:solidFill>
+                      <a:prstDash val="solid"/>
+                      <a:round/>
+                      <a:headEnd type="none" w="med" len="med"/>
+                      <a:tailEnd type="none" w="med" len="med"/>
+                    </a:lnL>
+                    <a:lnR w="12700" cap="flat" cmpd="sng" algn="ctr">
+                      <a:solidFill>
+                        <a:schemeClr val="tx1"/>
+                      </a:solidFill>
+                      <a:prstDash val="solid"/>
+                      <a:round/>
+                      <a:headEnd type="none" w="med" len="med"/>
+                      <a:tailEnd type="none" w="med" len="med"/>
+                    </a:lnR>
+                    <a:lnT w="12700" cap="flat" cmpd="sng" algn="ctr">
+                      <a:solidFill>
+                        <a:schemeClr val="tx1"/>
+                      </a:solidFill>
+                      <a:prstDash val="solid"/>
+                      <a:round/>
+                      <a:headEnd type="none" w="med" len="med"/>
+                      <a:tailEnd type="none" w="med" len="med"/>
+                    </a:lnT>
+                    <a:lnB w="12700" cap="flat" cmpd="sng" algn="ctr">
+                      <a:solidFill>
+                        <a:schemeClr val="tx1"/>
+                      </a:solidFill>
+                      <a:prstDash val="solid"/>
+                      <a:round/>
+                      <a:headEnd type="none" w="med" len="med"/>
+                      <a:tailEnd type="none" w="med" len="med"/>
+                    </a:lnB>
+                    <a:solidFill>
+                      <a:srgbClr val="B9FFFF"/>
+                    </a:solidFill>
+                  </a:tcPr>
+                </a:tc>
+                <a:tc>
+                  <a:txBody>
+                    <a:bodyPr/>
+                    <a:lstStyle/>
+                    <a:p>
+                      <a:pPr algn="ctr"/>
+                      <a:r>
+                        <a:rPr lang="en-SG" sz="1200" b="0" dirty="0">
+                          <a:solidFill>
+                            <a:schemeClr val="tx1"/>
+                          </a:solidFill>
+                        </a:rPr>
+                        <a:t>Curve</a:t>
+                      </a:r>
+                    </a:p>
+                    <a:p>
+                      <a:pPr algn="ctr"/>
+                      <a:r>
+                        <a:rPr lang="en-SG" sz="1200" dirty="0">
+                          <a:solidFill>
+                            <a:schemeClr val="tx1"/>
+                          </a:solidFill>
+                        </a:rPr>
+                        <a:t>Name</a:t>
+                      </a:r>
+                    </a:p>
+                  </a:txBody>
+                  <a:tcPr anchor="ctr">
+                    <a:lnL w="12700" cap="flat" cmpd="sng" algn="ctr">
+                      <a:solidFill>
+                        <a:schemeClr val="tx1"/>
+                      </a:solidFill>
+                      <a:prstDash val="solid"/>
+                      <a:round/>
+                      <a:headEnd type="none" w="med" len="med"/>
+                      <a:tailEnd type="none" w="med" len="med"/>
+                    </a:lnL>
+                    <a:lnR w="12700" cap="flat" cmpd="sng" algn="ctr">
+                      <a:solidFill>
+                        <a:schemeClr val="tx1"/>
+                      </a:solidFill>
+                      <a:prstDash val="solid"/>
+                      <a:round/>
+                      <a:headEnd type="none" w="med" len="med"/>
+                      <a:tailEnd type="none" w="med" len="med"/>
+                    </a:lnR>
+                    <a:lnT w="12700" cap="flat" cmpd="sng" algn="ctr">
+                      <a:solidFill>
+                        <a:schemeClr val="tx1"/>
+                      </a:solidFill>
+                      <a:prstDash val="solid"/>
+                      <a:round/>
+                      <a:headEnd type="none" w="med" len="med"/>
+                      <a:tailEnd type="none" w="med" len="med"/>
+                    </a:lnT>
+                    <a:lnB w="12700" cap="flat" cmpd="sng" algn="ctr">
+                      <a:solidFill>
+                        <a:schemeClr val="tx1"/>
+                      </a:solidFill>
+                      <a:prstDash val="solid"/>
+                      <a:round/>
+                      <a:headEnd type="none" w="med" len="med"/>
+                      <a:tailEnd type="none" w="med" len="med"/>
+                    </a:lnB>
+                    <a:solidFill>
+                      <a:srgbClr val="FDEFFF"/>
+                    </a:solidFill>
+                  </a:tcPr>
+                </a:tc>
+                <a:tc>
+                  <a:txBody>
+                    <a:bodyPr/>
+                    <a:lstStyle/>
+                    <a:p>
+                      <a:pPr marL="0" marR="0" lvl="0" indent="0" algn="ctr" defTabSz="914400" rtl="0" eaLnBrk="1" fontAlgn="auto" latinLnBrk="0" hangingPunct="1">
+                        <a:lnSpc>
+                          <a:spcPct val="100000"/>
+                        </a:lnSpc>
+                        <a:spcBef>
+                          <a:spcPts val="0"/>
+                        </a:spcBef>
+                        <a:spcAft>
+                          <a:spcPts val="0"/>
+                        </a:spcAft>
+                        <a:buClrTx/>
+                        <a:buSzTx/>
+                        <a:buFontTx/>
+                        <a:buNone/>
+                        <a:tabLst/>
+                        <a:defRPr/>
+                      </a:pPr>
+                      <a:r>
+                        <a:rPr lang="en-SG" sz="1200" dirty="0">
+                          <a:solidFill>
+                            <a:schemeClr val="tx1"/>
+                          </a:solidFill>
+                        </a:rPr>
+                        <a:t>Signal</a:t>
+                      </a:r>
+                    </a:p>
+                  </a:txBody>
+                  <a:tcPr anchor="ctr">
+                    <a:lnL w="12700" cap="flat" cmpd="sng" algn="ctr">
+                      <a:solidFill>
+                        <a:schemeClr val="tx1"/>
+                      </a:solidFill>
+                      <a:prstDash val="solid"/>
+                      <a:round/>
+                      <a:headEnd type="none" w="med" len="med"/>
+                      <a:tailEnd type="none" w="med" len="med"/>
+                    </a:lnL>
+                    <a:lnR w="12700" cap="flat" cmpd="sng" algn="ctr">
+                      <a:solidFill>
+                        <a:schemeClr val="tx1"/>
+                      </a:solidFill>
+                      <a:prstDash val="solid"/>
+                      <a:round/>
+                      <a:headEnd type="none" w="med" len="med"/>
+                      <a:tailEnd type="none" w="med" len="med"/>
+                    </a:lnR>
+                    <a:lnT w="12700" cap="flat" cmpd="sng" algn="ctr">
+                      <a:solidFill>
+                        <a:schemeClr val="tx1"/>
+                      </a:solidFill>
+                      <a:prstDash val="solid"/>
+                      <a:round/>
+                      <a:headEnd type="none" w="med" len="med"/>
+                      <a:tailEnd type="none" w="med" len="med"/>
+                    </a:lnT>
+                    <a:lnB w="12700" cap="flat" cmpd="sng" algn="ctr">
+                      <a:solidFill>
+                        <a:schemeClr val="tx1"/>
+                      </a:solidFill>
+                      <a:prstDash val="solid"/>
+                      <a:round/>
+                      <a:headEnd type="none" w="med" len="med"/>
+                      <a:tailEnd type="none" w="med" len="med"/>
+                    </a:lnB>
+                    <a:solidFill>
+                      <a:schemeClr val="bg1"/>
+                    </a:solidFill>
+                  </a:tcPr>
+                </a:tc>
+                <a:extLst>
+                  <a:ext uri="{0D108BD9-81ED-4DB2-BD59-A6C34878D82A}">
+                    <a16:rowId xmlns:a16="http://schemas.microsoft.com/office/drawing/2014/main" val="1491974958"/>
+                  </a:ext>
+                </a:extLst>
+              </a:tr>
+            </a:tbl>
+          </a:graphicData>
+        </a:graphic>
+      </p:graphicFrame>
+      <p:graphicFrame>
+        <p:nvGraphicFramePr>
+          <p:cNvPr id="13" name="Table 12">
+            <a:extLst>
+              <a:ext uri="{FF2B5EF4-FFF2-40B4-BE49-F238E27FC236}">
+                <a16:creationId xmlns:a16="http://schemas.microsoft.com/office/drawing/2014/main" id="{06AF85D0-CAB7-49B5-A4FF-97F7D344804F}"/>
+              </a:ext>
+            </a:extLst>
+          </p:cNvPr>
+          <p:cNvGraphicFramePr>
+            <a:graphicFrameLocks noGrp="1"/>
+          </p:cNvGraphicFramePr>
+          <p:nvPr>
+            <p:extLst>
+              <p:ext uri="{D42A27DB-BD31-4B8C-83A1-F6EECF244321}">
+                <p14:modId xmlns:p14="http://schemas.microsoft.com/office/powerpoint/2010/main" val="2615772611"/>
+              </p:ext>
+            </p:extLst>
+          </p:nvPr>
+        </p:nvGraphicFramePr>
+        <p:xfrm>
+          <a:off x="2023837" y="-554839"/>
+          <a:ext cx="2183008" cy="886771"/>
+        </p:xfrm>
+        <a:graphic>
+          <a:graphicData uri="http://schemas.openxmlformats.org/drawingml/2006/table">
+            <a:tbl>
+              <a:tblPr firstRow="1" bandRow="1">
+                <a:tableStyleId>{5C22544A-7EE6-4342-B048-85BDC9FD1C3A}</a:tableStyleId>
+              </a:tblPr>
+              <a:tblGrid>
+                <a:gridCol w="911321">
+                  <a:extLst>
+                    <a:ext uri="{9D8B030D-6E8A-4147-A177-3AD203B41FA5}">
+                      <a16:colId xmlns:a16="http://schemas.microsoft.com/office/drawing/2014/main" val="3999788392"/>
+                    </a:ext>
+                  </a:extLst>
+                </a:gridCol>
+                <a:gridCol w="1271687">
+                  <a:extLst>
+                    <a:ext uri="{9D8B030D-6E8A-4147-A177-3AD203B41FA5}">
+                      <a16:colId xmlns:a16="http://schemas.microsoft.com/office/drawing/2014/main" val="1983927"/>
+                    </a:ext>
+                  </a:extLst>
+                </a:gridCol>
+              </a:tblGrid>
+              <a:tr h="261761">
+                <a:tc gridSpan="2">
+                  <a:txBody>
+                    <a:bodyPr/>
+                    <a:lstStyle/>
+                    <a:p>
+                      <a:pPr algn="ctr"/>
+                      <a:r>
+                        <a:rPr lang="en-SG" sz="1800" b="0" dirty="0">
+                          <a:solidFill>
+                            <a:schemeClr val="tx1"/>
+                          </a:solidFill>
+                        </a:rPr>
+                        <a:t>Curve Annotation</a:t>
+                      </a:r>
+                    </a:p>
+                  </a:txBody>
+                  <a:tcPr anchor="ctr">
+                    <a:lnL w="12700" cap="flat" cmpd="sng" algn="ctr">
+                      <a:solidFill>
+                        <a:schemeClr val="tx1"/>
+                      </a:solidFill>
+                      <a:prstDash val="solid"/>
+                      <a:round/>
+                      <a:headEnd type="none" w="med" len="med"/>
+                      <a:tailEnd type="none" w="med" len="med"/>
+                    </a:lnL>
+                    <a:lnR w="12700" cap="flat" cmpd="sng" algn="ctr">
+                      <a:solidFill>
+                        <a:schemeClr val="tx1"/>
+                      </a:solidFill>
+                      <a:prstDash val="solid"/>
+                      <a:round/>
+                      <a:headEnd type="none" w="med" len="med"/>
+                      <a:tailEnd type="none" w="med" len="med"/>
+                    </a:lnR>
+                    <a:lnT w="12700" cap="flat" cmpd="sng" algn="ctr">
+                      <a:solidFill>
+                        <a:schemeClr val="tx1"/>
+                      </a:solidFill>
+                      <a:prstDash val="solid"/>
+                      <a:round/>
+                      <a:headEnd type="none" w="med" len="med"/>
+                      <a:tailEnd type="none" w="med" len="med"/>
+                    </a:lnT>
+                    <a:lnB w="12700" cap="flat" cmpd="sng" algn="ctr">
+                      <a:solidFill>
+                        <a:schemeClr val="tx1"/>
+                      </a:solidFill>
+                      <a:prstDash val="solid"/>
+                      <a:round/>
+                      <a:headEnd type="none" w="med" len="med"/>
+                      <a:tailEnd type="none" w="med" len="med"/>
+                    </a:lnB>
+                    <a:solidFill>
+                      <a:schemeClr val="accent5">
+                        <a:lumMod val="20000"/>
+                        <a:lumOff val="80000"/>
+                      </a:schemeClr>
+                    </a:solidFill>
+                  </a:tcPr>
+                </a:tc>
+                <a:tc hMerge="1">
+                  <a:txBody>
+                    <a:bodyPr/>
+                    <a:lstStyle/>
+                    <a:p>
+                      <a:endParaRPr lang="en-SG"/>
+                    </a:p>
+                  </a:txBody>
+                  <a:tcPr/>
+                </a:tc>
+                <a:extLst>
+                  <a:ext uri="{0D108BD9-81ED-4DB2-BD59-A6C34878D82A}">
+                    <a16:rowId xmlns:a16="http://schemas.microsoft.com/office/drawing/2014/main" val="3015718453"/>
+                  </a:ext>
+                </a:extLst>
+              </a:tr>
+              <a:tr h="521011">
+                <a:tc>
+                  <a:txBody>
+                    <a:bodyPr/>
+                    <a:lstStyle/>
+                    <a:p>
+                      <a:pPr algn="ctr"/>
+                      <a:r>
+                        <a:rPr lang="en-SG" sz="1200" dirty="0">
+                          <a:solidFill>
+                            <a:schemeClr val="tx1"/>
+                          </a:solidFill>
+                        </a:rPr>
+                        <a:t>Sample Name</a:t>
+                      </a:r>
+                    </a:p>
+                  </a:txBody>
+                  <a:tcPr anchor="ctr">
+                    <a:lnL w="12700" cap="flat" cmpd="sng" algn="ctr">
+                      <a:solidFill>
+                        <a:schemeClr val="tx1"/>
+                      </a:solidFill>
+                      <a:prstDash val="solid"/>
+                      <a:round/>
+                      <a:headEnd type="none" w="med" len="med"/>
+                      <a:tailEnd type="none" w="med" len="med"/>
+                    </a:lnL>
+                    <a:lnR w="12700" cap="flat" cmpd="sng" algn="ctr">
+                      <a:solidFill>
+                        <a:schemeClr val="tx1"/>
+                      </a:solidFill>
+                      <a:prstDash val="solid"/>
+                      <a:round/>
+                      <a:headEnd type="none" w="med" len="med"/>
+                      <a:tailEnd type="none" w="med" len="med"/>
+                    </a:lnR>
+                    <a:lnT w="12700" cap="flat" cmpd="sng" algn="ctr">
+                      <a:solidFill>
+                        <a:schemeClr val="tx1"/>
+                      </a:solidFill>
+                      <a:prstDash val="solid"/>
+                      <a:round/>
+                      <a:headEnd type="none" w="med" len="med"/>
+                      <a:tailEnd type="none" w="med" len="med"/>
+                    </a:lnT>
+                    <a:lnB w="12700" cap="flat" cmpd="sng" algn="ctr">
+                      <a:solidFill>
+                        <a:schemeClr val="tx1"/>
+                      </a:solidFill>
+                      <a:prstDash val="solid"/>
+                      <a:round/>
+                      <a:headEnd type="none" w="med" len="med"/>
+                      <a:tailEnd type="none" w="med" len="med"/>
+                    </a:lnB>
+                    <a:solidFill>
+                      <a:schemeClr val="accent6">
+                        <a:lumMod val="20000"/>
+                        <a:lumOff val="80000"/>
+                      </a:schemeClr>
+                    </a:solidFill>
+                  </a:tcPr>
+                </a:tc>
+                <a:tc>
+                  <a:txBody>
+                    <a:bodyPr/>
+                    <a:lstStyle/>
+                    <a:p>
+                      <a:pPr algn="ctr"/>
+                      <a:r>
+                        <a:rPr lang="en-SG" sz="1200" b="0" dirty="0">
+                          <a:solidFill>
+                            <a:schemeClr val="tx1"/>
+                          </a:solidFill>
+                        </a:rPr>
+                        <a:t>Curve</a:t>
+                      </a:r>
+                    </a:p>
+                    <a:p>
+                      <a:pPr algn="ctr"/>
+                      <a:r>
+                        <a:rPr lang="en-SG" sz="1200" dirty="0">
+                          <a:solidFill>
+                            <a:schemeClr val="tx1"/>
+                          </a:solidFill>
+                        </a:rPr>
+                        <a:t>Annotation</a:t>
+                      </a:r>
+                    </a:p>
+                  </a:txBody>
+                  <a:tcPr anchor="ctr">
+                    <a:lnL w="12700" cap="flat" cmpd="sng" algn="ctr">
+                      <a:solidFill>
+                        <a:schemeClr val="tx1"/>
+                      </a:solidFill>
+                      <a:prstDash val="solid"/>
+                      <a:round/>
+                      <a:headEnd type="none" w="med" len="med"/>
+                      <a:tailEnd type="none" w="med" len="med"/>
+                    </a:lnL>
+                    <a:lnR w="12700" cap="flat" cmpd="sng" algn="ctr">
+                      <a:solidFill>
+                        <a:schemeClr val="tx1"/>
+                      </a:solidFill>
+                      <a:prstDash val="solid"/>
+                      <a:round/>
+                      <a:headEnd type="none" w="med" len="med"/>
+                      <a:tailEnd type="none" w="med" len="med"/>
+                    </a:lnR>
+                    <a:lnT w="12700" cap="flat" cmpd="sng" algn="ctr">
+                      <a:solidFill>
+                        <a:schemeClr val="tx1"/>
+                      </a:solidFill>
+                      <a:prstDash val="solid"/>
+                      <a:round/>
+                      <a:headEnd type="none" w="med" len="med"/>
+                      <a:tailEnd type="none" w="med" len="med"/>
+                    </a:lnT>
+                    <a:lnB w="12700" cap="flat" cmpd="sng" algn="ctr">
+                      <a:solidFill>
+                        <a:schemeClr val="tx1"/>
+                      </a:solidFill>
+                      <a:prstDash val="solid"/>
+                      <a:round/>
+                      <a:headEnd type="none" w="med" len="med"/>
+                      <a:tailEnd type="none" w="med" len="med"/>
+                    </a:lnB>
+                    <a:solidFill>
+                      <a:srgbClr val="B9FFFF"/>
+                    </a:solidFill>
+                  </a:tcPr>
+                </a:tc>
+                <a:extLst>
+                  <a:ext uri="{0D108BD9-81ED-4DB2-BD59-A6C34878D82A}">
+                    <a16:rowId xmlns:a16="http://schemas.microsoft.com/office/drawing/2014/main" val="1491974958"/>
+                  </a:ext>
+                </a:extLst>
+              </a:tr>
+            </a:tbl>
+          </a:graphicData>
+        </a:graphic>
+      </p:graphicFrame>
+      <p:graphicFrame>
+        <p:nvGraphicFramePr>
+          <p:cNvPr id="14" name="Table 13">
+            <a:extLst>
+              <a:ext uri="{FF2B5EF4-FFF2-40B4-BE49-F238E27FC236}">
+                <a16:creationId xmlns:a16="http://schemas.microsoft.com/office/drawing/2014/main" id="{83579770-8ACB-44C1-9562-79FBD854B1B7}"/>
+              </a:ext>
+            </a:extLst>
+          </p:cNvPr>
+          <p:cNvGraphicFramePr>
+            <a:graphicFrameLocks noGrp="1"/>
+          </p:cNvGraphicFramePr>
+          <p:nvPr>
+            <p:extLst>
+              <p:ext uri="{D42A27DB-BD31-4B8C-83A1-F6EECF244321}">
+                <p14:modId xmlns:p14="http://schemas.microsoft.com/office/powerpoint/2010/main" val="3451515163"/>
+              </p:ext>
+            </p:extLst>
+          </p:nvPr>
+        </p:nvGraphicFramePr>
+        <p:xfrm>
+          <a:off x="1868850" y="565928"/>
+          <a:ext cx="2492982" cy="1422409"/>
+        </p:xfrm>
+        <a:graphic>
+          <a:graphicData uri="http://schemas.openxmlformats.org/drawingml/2006/table">
+            <a:tbl>
+              <a:tblPr firstRow="1" bandRow="1">
+                <a:tableStyleId>{5C22544A-7EE6-4342-B048-85BDC9FD1C3A}</a:tableStyleId>
+              </a:tblPr>
+              <a:tblGrid>
+                <a:gridCol w="649136">
+                  <a:extLst>
+                    <a:ext uri="{9D8B030D-6E8A-4147-A177-3AD203B41FA5}">
+                      <a16:colId xmlns:a16="http://schemas.microsoft.com/office/drawing/2014/main" val="3999788392"/>
+                    </a:ext>
+                  </a:extLst>
+                </a:gridCol>
+                <a:gridCol w="934478">
+                  <a:extLst>
+                    <a:ext uri="{9D8B030D-6E8A-4147-A177-3AD203B41FA5}">
+                      <a16:colId xmlns:a16="http://schemas.microsoft.com/office/drawing/2014/main" val="1983927"/>
+                    </a:ext>
+                  </a:extLst>
+                </a:gridCol>
+                <a:gridCol w="909368">
+                  <a:extLst>
+                    <a:ext uri="{9D8B030D-6E8A-4147-A177-3AD203B41FA5}">
+                      <a16:colId xmlns:a16="http://schemas.microsoft.com/office/drawing/2014/main" val="3048439930"/>
+                    </a:ext>
+                  </a:extLst>
+                </a:gridCol>
+              </a:tblGrid>
+              <a:tr h="313155">
+                <a:tc gridSpan="3">
+                  <a:txBody>
+                    <a:bodyPr/>
+                    <a:lstStyle/>
+                    <a:p>
+                      <a:pPr algn="ctr"/>
+                      <a:r>
+                        <a:rPr lang="en-SG" b="0" i="0" dirty="0">
+                          <a:solidFill>
+                            <a:schemeClr val="tx1"/>
+                          </a:solidFill>
+                        </a:rPr>
+                        <a:t>Curve Signal Data</a:t>
+                      </a:r>
+                    </a:p>
+                  </a:txBody>
+                  <a:tcPr anchor="ctr">
+                    <a:lnL w="12700" cap="flat" cmpd="sng" algn="ctr">
+                      <a:solidFill>
+                        <a:schemeClr val="tx1"/>
+                      </a:solidFill>
+                      <a:prstDash val="solid"/>
+                      <a:round/>
+                      <a:headEnd type="none" w="med" len="med"/>
+                      <a:tailEnd type="none" w="med" len="med"/>
+                    </a:lnL>
+                    <a:lnR w="12700" cap="flat" cmpd="sng" algn="ctr">
+                      <a:solidFill>
+                        <a:schemeClr val="tx1"/>
+                      </a:solidFill>
+                      <a:prstDash val="solid"/>
+                      <a:round/>
+                      <a:headEnd type="none" w="med" len="med"/>
+                      <a:tailEnd type="none" w="med" len="med"/>
+                    </a:lnR>
+                    <a:lnT w="12700" cap="flat" cmpd="sng" algn="ctr">
+                      <a:solidFill>
+                        <a:schemeClr val="tx1"/>
+                      </a:solidFill>
+                      <a:prstDash val="solid"/>
+                      <a:round/>
+                      <a:headEnd type="none" w="med" len="med"/>
+                      <a:tailEnd type="none" w="med" len="med"/>
+                    </a:lnT>
+                    <a:lnB w="12700" cap="flat" cmpd="sng" algn="ctr">
+                      <a:solidFill>
+                        <a:schemeClr val="tx1"/>
+                      </a:solidFill>
+                      <a:prstDash val="solid"/>
+                      <a:round/>
+                      <a:headEnd type="none" w="med" len="med"/>
+                      <a:tailEnd type="none" w="med" len="med"/>
+                    </a:lnB>
+                    <a:solidFill>
+                      <a:schemeClr val="accent5">
+                        <a:lumMod val="20000"/>
+                        <a:lumOff val="80000"/>
+                      </a:schemeClr>
+                    </a:solidFill>
+                  </a:tcPr>
+                </a:tc>
+                <a:tc hMerge="1">
+                  <a:txBody>
+                    <a:bodyPr/>
+                    <a:lstStyle/>
+                    <a:p>
+                      <a:endParaRPr lang="en-SG"/>
+                    </a:p>
+                  </a:txBody>
+                  <a:tcPr/>
+                </a:tc>
+                <a:tc hMerge="1">
+                  <a:txBody>
+                    <a:bodyPr/>
+                    <a:lstStyle/>
+                    <a:p>
+                      <a:endParaRPr lang="en-SG"/>
+                    </a:p>
+                  </a:txBody>
+                  <a:tcPr/>
+                </a:tc>
+                <a:extLst>
+                  <a:ext uri="{0D108BD9-81ED-4DB2-BD59-A6C34878D82A}">
+                    <a16:rowId xmlns:a16="http://schemas.microsoft.com/office/drawing/2014/main" val="3015718453"/>
+                  </a:ext>
+                </a:extLst>
+              </a:tr>
+              <a:tr h="167526">
+                <a:tc rowSpan="2">
+                  <a:txBody>
+                    <a:bodyPr/>
+                    <a:lstStyle/>
+                    <a:p>
+                      <a:pPr algn="ctr"/>
+                      <a:r>
+                        <a:rPr lang="en-SG" sz="1200" dirty="0">
+                          <a:solidFill>
+                            <a:schemeClr val="tx1"/>
+                          </a:solidFill>
+                        </a:rPr>
+                        <a:t>Sample Name</a:t>
+                      </a:r>
+                    </a:p>
+                  </a:txBody>
+                  <a:tcPr anchor="ctr">
+                    <a:lnL w="12700" cap="flat" cmpd="sng" algn="ctr">
+                      <a:solidFill>
+                        <a:schemeClr val="tx1"/>
+                      </a:solidFill>
+                      <a:prstDash val="solid"/>
+                      <a:round/>
+                      <a:headEnd type="none" w="med" len="med"/>
+                      <a:tailEnd type="none" w="med" len="med"/>
+                    </a:lnL>
+                    <a:lnR w="12700" cap="flat" cmpd="sng" algn="ctr">
+                      <a:solidFill>
+                        <a:schemeClr val="tx1"/>
+                      </a:solidFill>
+                      <a:prstDash val="solid"/>
+                      <a:round/>
+                      <a:headEnd type="none" w="med" len="med"/>
+                      <a:tailEnd type="none" w="med" len="med"/>
+                    </a:lnR>
+                    <a:lnT w="12700" cap="flat" cmpd="sng" algn="ctr">
+                      <a:solidFill>
+                        <a:schemeClr val="tx1"/>
+                      </a:solidFill>
+                      <a:prstDash val="solid"/>
+                      <a:round/>
+                      <a:headEnd type="none" w="med" len="med"/>
+                      <a:tailEnd type="none" w="med" len="med"/>
+                    </a:lnT>
+                    <a:lnB w="12700" cap="flat" cmpd="sng" algn="ctr">
+                      <a:solidFill>
+                        <a:schemeClr val="tx1"/>
+                      </a:solidFill>
+                      <a:prstDash val="solid"/>
+                      <a:round/>
+                      <a:headEnd type="none" w="med" len="med"/>
+                      <a:tailEnd type="none" w="med" len="med"/>
+                    </a:lnB>
+                    <a:solidFill>
+                      <a:schemeClr val="accent6">
+                        <a:lumMod val="20000"/>
+                        <a:lumOff val="80000"/>
+                      </a:schemeClr>
+                    </a:solidFill>
+                  </a:tcPr>
+                </a:tc>
+                <a:tc>
+                  <a:txBody>
+                    <a:bodyPr/>
+                    <a:lstStyle/>
+                    <a:p>
+                      <a:pPr marL="0" marR="0" lvl="0" indent="0" algn="ctr" defTabSz="914400" rtl="0" eaLnBrk="1" fontAlgn="auto" latinLnBrk="0" hangingPunct="1">
+                        <a:lnSpc>
+                          <a:spcPct val="100000"/>
+                        </a:lnSpc>
+                        <a:spcBef>
+                          <a:spcPts val="0"/>
+                        </a:spcBef>
+                        <a:spcAft>
+                          <a:spcPts val="0"/>
+                        </a:spcAft>
+                        <a:buClrTx/>
+                        <a:buSzTx/>
+                        <a:buFontTx/>
+                        <a:buNone/>
+                        <a:tabLst/>
+                        <a:defRPr/>
+                      </a:pPr>
+                      <a:r>
+                        <a:rPr lang="en-SG" sz="1200" b="0" dirty="0">
+                          <a:solidFill>
+                            <a:schemeClr val="tx1"/>
+                          </a:solidFill>
+                        </a:rPr>
+                        <a:t>Curve</a:t>
+                      </a:r>
+                      <a:r>
+                        <a:rPr lang="en-SG" sz="1200" dirty="0">
+                          <a:solidFill>
+                            <a:schemeClr val="tx1"/>
+                          </a:solidFill>
+                        </a:rPr>
+                        <a:t> 1</a:t>
+                      </a:r>
+                    </a:p>
+                  </a:txBody>
+                  <a:tcPr anchor="ctr">
+                    <a:lnL w="12700" cap="flat" cmpd="sng" algn="ctr">
+                      <a:solidFill>
+                        <a:schemeClr val="tx1"/>
+                      </a:solidFill>
+                      <a:prstDash val="solid"/>
+                      <a:round/>
+                      <a:headEnd type="none" w="med" len="med"/>
+                      <a:tailEnd type="none" w="med" len="med"/>
+                    </a:lnL>
+                    <a:lnR w="12700" cap="flat" cmpd="sng" algn="ctr">
+                      <a:solidFill>
+                        <a:schemeClr val="tx1"/>
+                      </a:solidFill>
+                      <a:prstDash val="solid"/>
+                      <a:round/>
+                      <a:headEnd type="none" w="med" len="med"/>
+                      <a:tailEnd type="none" w="med" len="med"/>
+                    </a:lnR>
+                    <a:lnT w="12700" cap="flat" cmpd="sng" algn="ctr">
+                      <a:solidFill>
+                        <a:schemeClr val="tx1"/>
+                      </a:solidFill>
+                      <a:prstDash val="solid"/>
+                      <a:round/>
+                      <a:headEnd type="none" w="med" len="med"/>
+                      <a:tailEnd type="none" w="med" len="med"/>
+                    </a:lnT>
+                    <a:lnB w="12700" cap="flat" cmpd="sng" algn="ctr">
+                      <a:solidFill>
+                        <a:schemeClr val="tx1"/>
+                      </a:solidFill>
+                      <a:prstDash val="solid"/>
+                      <a:round/>
+                      <a:headEnd type="none" w="med" len="med"/>
+                      <a:tailEnd type="none" w="med" len="med"/>
+                    </a:lnB>
+                    <a:solidFill>
+                      <a:srgbClr val="FDEFFF"/>
+                    </a:solidFill>
+                  </a:tcPr>
+                </a:tc>
+                <a:tc>
+                  <a:txBody>
+                    <a:bodyPr/>
+                    <a:lstStyle/>
+                    <a:p>
+                      <a:pPr marL="0" marR="0" lvl="0" indent="0" algn="ctr" defTabSz="914400" rtl="0" eaLnBrk="1" fontAlgn="auto" latinLnBrk="0" hangingPunct="1">
+                        <a:lnSpc>
+                          <a:spcPct val="100000"/>
+                        </a:lnSpc>
+                        <a:spcBef>
+                          <a:spcPts val="0"/>
+                        </a:spcBef>
+                        <a:spcAft>
+                          <a:spcPts val="0"/>
+                        </a:spcAft>
+                        <a:buClrTx/>
+                        <a:buSzTx/>
+                        <a:buFontTx/>
+                        <a:buNone/>
+                        <a:tabLst/>
+                        <a:defRPr/>
+                      </a:pPr>
+                      <a:r>
+                        <a:rPr lang="en-SG" sz="1200" b="0" dirty="0">
+                          <a:solidFill>
+                            <a:schemeClr val="tx1"/>
+                          </a:solidFill>
+                        </a:rPr>
+                        <a:t>Curve</a:t>
+                      </a:r>
+                      <a:r>
+                        <a:rPr lang="en-SG" sz="1200" dirty="0">
+                          <a:solidFill>
+                            <a:schemeClr val="tx1"/>
+                          </a:solidFill>
+                        </a:rPr>
+                        <a:t> 2</a:t>
+                      </a:r>
+                    </a:p>
+                  </a:txBody>
+                  <a:tcPr anchor="ctr">
+                    <a:lnL w="12700" cap="flat" cmpd="sng" algn="ctr">
+                      <a:solidFill>
+                        <a:schemeClr val="tx1"/>
+                      </a:solidFill>
+                      <a:prstDash val="solid"/>
+                      <a:round/>
+                      <a:headEnd type="none" w="med" len="med"/>
+                      <a:tailEnd type="none" w="med" len="med"/>
+                    </a:lnL>
+                    <a:lnR w="12700" cap="flat" cmpd="sng" algn="ctr">
+                      <a:solidFill>
+                        <a:schemeClr val="tx1"/>
+                      </a:solidFill>
+                      <a:prstDash val="solid"/>
+                      <a:round/>
+                      <a:headEnd type="none" w="med" len="med"/>
+                      <a:tailEnd type="none" w="med" len="med"/>
+                    </a:lnR>
+                    <a:lnT w="12700" cap="flat" cmpd="sng" algn="ctr">
+                      <a:solidFill>
+                        <a:schemeClr val="tx1"/>
+                      </a:solidFill>
+                      <a:prstDash val="solid"/>
+                      <a:round/>
+                      <a:headEnd type="none" w="med" len="med"/>
+                      <a:tailEnd type="none" w="med" len="med"/>
+                    </a:lnT>
+                    <a:lnB w="12700" cap="flat" cmpd="sng" algn="ctr">
+                      <a:solidFill>
+                        <a:schemeClr val="tx1"/>
+                      </a:solidFill>
+                      <a:prstDash val="solid"/>
+                      <a:round/>
+                      <a:headEnd type="none" w="med" len="med"/>
+                      <a:tailEnd type="none" w="med" len="med"/>
+                    </a:lnB>
+                    <a:solidFill>
+                      <a:srgbClr val="FDEFFF"/>
+                    </a:solidFill>
+                  </a:tcPr>
+                </a:tc>
+                <a:extLst>
+                  <a:ext uri="{0D108BD9-81ED-4DB2-BD59-A6C34878D82A}">
+                    <a16:rowId xmlns:a16="http://schemas.microsoft.com/office/drawing/2014/main" val="1491974958"/>
+                  </a:ext>
+                </a:extLst>
+              </a:tr>
+              <a:tr h="782329">
+                <a:tc vMerge="1">
+                  <a:txBody>
+                    <a:bodyPr/>
+                    <a:lstStyle/>
+                    <a:p>
+                      <a:pPr algn="ctr"/>
+                      <a:endParaRPr lang="en-SG" sz="1200" dirty="0">
+                        <a:solidFill>
+                          <a:schemeClr val="tx1"/>
+                        </a:solidFill>
+                      </a:endParaRPr>
+                    </a:p>
+                  </a:txBody>
+                  <a:tcPr anchor="ctr">
+                    <a:lnL w="12700" cap="flat" cmpd="sng" algn="ctr">
+                      <a:solidFill>
+                        <a:schemeClr val="tx1"/>
+                      </a:solidFill>
+                      <a:prstDash val="solid"/>
+                      <a:round/>
+                      <a:headEnd type="none" w="med" len="med"/>
+                      <a:tailEnd type="none" w="med" len="med"/>
+                    </a:lnL>
+                    <a:lnR w="12700" cap="flat" cmpd="sng" algn="ctr">
+                      <a:solidFill>
+                        <a:schemeClr val="tx1"/>
+                      </a:solidFill>
+                      <a:prstDash val="solid"/>
+                      <a:round/>
+                      <a:headEnd type="none" w="med" len="med"/>
+                      <a:tailEnd type="none" w="med" len="med"/>
+                    </a:lnR>
+                    <a:lnT w="12700" cap="flat" cmpd="sng" algn="ctr">
+                      <a:solidFill>
+                        <a:schemeClr val="tx1"/>
+                      </a:solidFill>
+                      <a:prstDash val="solid"/>
+                      <a:round/>
+                      <a:headEnd type="none" w="med" len="med"/>
+                      <a:tailEnd type="none" w="med" len="med"/>
+                    </a:lnT>
+                    <a:lnB w="12700" cap="flat" cmpd="sng" algn="ctr">
+                      <a:solidFill>
+                        <a:schemeClr val="tx1"/>
+                      </a:solidFill>
+                      <a:prstDash val="solid"/>
+                      <a:round/>
+                      <a:headEnd type="none" w="med" len="med"/>
+                      <a:tailEnd type="none" w="med" len="med"/>
+                    </a:lnB>
+                    <a:solidFill>
+                      <a:schemeClr val="accent6">
+                        <a:lumMod val="20000"/>
+                        <a:lumOff val="80000"/>
+                      </a:schemeClr>
+                    </a:solidFill>
+                  </a:tcPr>
+                </a:tc>
+                <a:tc gridSpan="2">
+                  <a:txBody>
+                    <a:bodyPr/>
+                    <a:lstStyle/>
+                    <a:p>
+                      <a:pPr marL="0" marR="0" lvl="0" indent="0" algn="ctr" defTabSz="914400" rtl="0" eaLnBrk="1" fontAlgn="auto" latinLnBrk="0" hangingPunct="1">
+                        <a:lnSpc>
+                          <a:spcPct val="100000"/>
+                        </a:lnSpc>
+                        <a:spcBef>
+                          <a:spcPts val="0"/>
+                        </a:spcBef>
+                        <a:spcAft>
+                          <a:spcPts val="0"/>
+                        </a:spcAft>
+                        <a:buClrTx/>
+                        <a:buSzTx/>
+                        <a:buFontTx/>
+                        <a:buNone/>
+                        <a:tabLst/>
+                        <a:defRPr/>
+                      </a:pPr>
+                      <a:r>
+                        <a:rPr lang="en-SG" sz="1200" dirty="0">
+                          <a:solidFill>
+                            <a:schemeClr val="tx1"/>
+                          </a:solidFill>
+                        </a:rPr>
+                        <a:t>Signal</a:t>
+                      </a:r>
+                    </a:p>
+                  </a:txBody>
+                  <a:tcPr anchor="ctr">
+                    <a:lnL w="12700" cap="flat" cmpd="sng" algn="ctr">
+                      <a:solidFill>
+                        <a:schemeClr val="tx1"/>
+                      </a:solidFill>
+                      <a:prstDash val="solid"/>
+                      <a:round/>
+                      <a:headEnd type="none" w="med" len="med"/>
+                      <a:tailEnd type="none" w="med" len="med"/>
+                    </a:lnL>
+                    <a:lnR w="12700" cap="flat" cmpd="sng" algn="ctr">
+                      <a:solidFill>
+                        <a:schemeClr val="tx1"/>
+                      </a:solidFill>
+                      <a:prstDash val="solid"/>
+                      <a:round/>
+                      <a:headEnd type="none" w="med" len="med"/>
+                      <a:tailEnd type="none" w="med" len="med"/>
+                    </a:lnR>
+                    <a:lnT w="12700" cap="flat" cmpd="sng" algn="ctr">
+                      <a:solidFill>
+                        <a:schemeClr val="tx1"/>
+                      </a:solidFill>
+                      <a:prstDash val="solid"/>
+                      <a:round/>
+                      <a:headEnd type="none" w="med" len="med"/>
+                      <a:tailEnd type="none" w="med" len="med"/>
+                    </a:lnT>
+                    <a:lnB w="12700" cap="flat" cmpd="sng" algn="ctr">
+                      <a:solidFill>
+                        <a:schemeClr val="tx1"/>
+                      </a:solidFill>
+                      <a:prstDash val="solid"/>
+                      <a:round/>
+                      <a:headEnd type="none" w="med" len="med"/>
+                      <a:tailEnd type="none" w="med" len="med"/>
+                    </a:lnB>
+                    <a:solidFill>
+                      <a:schemeClr val="bg1"/>
+                    </a:solidFill>
+                  </a:tcPr>
+                </a:tc>
+                <a:tc hMerge="1">
+                  <a:txBody>
+                    <a:bodyPr/>
+                    <a:lstStyle/>
+                    <a:p>
+                      <a:pPr marL="0" marR="0" lvl="0" indent="0" algn="ctr" defTabSz="914400" rtl="0" eaLnBrk="1" fontAlgn="auto" latinLnBrk="0" hangingPunct="1">
+                        <a:lnSpc>
+                          <a:spcPct val="100000"/>
+                        </a:lnSpc>
+                        <a:spcBef>
+                          <a:spcPts val="0"/>
+                        </a:spcBef>
+                        <a:spcAft>
+                          <a:spcPts val="0"/>
+                        </a:spcAft>
+                        <a:buClrTx/>
+                        <a:buSzTx/>
+                        <a:buFontTx/>
+                        <a:buNone/>
+                        <a:tabLst/>
+                        <a:defRPr/>
+                      </a:pPr>
+                      <a:endParaRPr lang="en-SG" sz="1200" dirty="0">
+                        <a:solidFill>
+                          <a:schemeClr val="tx1"/>
+                        </a:solidFill>
+                      </a:endParaRPr>
+                    </a:p>
+                  </a:txBody>
+                  <a:tcPr anchor="ctr">
+                    <a:lnL w="12700" cap="flat" cmpd="sng" algn="ctr">
+                      <a:solidFill>
+                        <a:schemeClr val="tx1"/>
+                      </a:solidFill>
+                      <a:prstDash val="solid"/>
+                      <a:round/>
+                      <a:headEnd type="none" w="med" len="med"/>
+                      <a:tailEnd type="none" w="med" len="med"/>
+                    </a:lnL>
+                    <a:lnR w="12700" cap="flat" cmpd="sng" algn="ctr">
+                      <a:solidFill>
+                        <a:schemeClr val="tx1"/>
+                      </a:solidFill>
+                      <a:prstDash val="solid"/>
+                      <a:round/>
+                      <a:headEnd type="none" w="med" len="med"/>
+                      <a:tailEnd type="none" w="med" len="med"/>
+                    </a:lnR>
+                    <a:lnT w="12700" cap="flat" cmpd="sng" algn="ctr">
+                      <a:solidFill>
+                        <a:schemeClr val="tx1"/>
+                      </a:solidFill>
+                      <a:prstDash val="solid"/>
+                      <a:round/>
+                      <a:headEnd type="none" w="med" len="med"/>
+                      <a:tailEnd type="none" w="med" len="med"/>
+                    </a:lnT>
+                    <a:lnB w="12700" cap="flat" cmpd="sng" algn="ctr">
+                      <a:solidFill>
+                        <a:schemeClr val="tx1"/>
+                      </a:solidFill>
+                      <a:prstDash val="solid"/>
+                      <a:round/>
+                      <a:headEnd type="none" w="med" len="med"/>
+                      <a:tailEnd type="none" w="med" len="med"/>
+                    </a:lnB>
+                    <a:solidFill>
+                      <a:schemeClr val="accent6">
+                        <a:lumMod val="20000"/>
+                        <a:lumOff val="80000"/>
+                      </a:schemeClr>
+                    </a:solidFill>
+                  </a:tcPr>
+                </a:tc>
+                <a:extLst>
+                  <a:ext uri="{0D108BD9-81ED-4DB2-BD59-A6C34878D82A}">
+                    <a16:rowId xmlns:a16="http://schemas.microsoft.com/office/drawing/2014/main" val="3488319625"/>
+                  </a:ext>
+                </a:extLst>
+              </a:tr>
+            </a:tbl>
+          </a:graphicData>
+        </a:graphic>
+      </p:graphicFrame>
+      <p:sp>
+        <p:nvSpPr>
+          <p:cNvPr id="15" name="TextBox 14">
+            <a:extLst>
+              <a:ext uri="{FF2B5EF4-FFF2-40B4-BE49-F238E27FC236}">
+                <a16:creationId xmlns:a16="http://schemas.microsoft.com/office/drawing/2014/main" id="{9745F73C-E888-47CF-A219-454550CE1DFB}"/>
+              </a:ext>
+            </a:extLst>
+          </p:cNvPr>
+          <p:cNvSpPr txBox="1"/>
+          <p:nvPr/>
+        </p:nvSpPr>
+        <p:spPr>
+          <a:xfrm>
+            <a:off x="5366395" y="-411221"/>
+            <a:ext cx="2020143" cy="276999"/>
+          </a:xfrm>
+          <a:prstGeom prst="rect">
+            <a:avLst/>
+          </a:prstGeom>
+          <a:noFill/>
+        </p:spPr>
+        <p:txBody>
+          <a:bodyPr wrap="square" rtlCol="0">
+            <a:spAutoFit/>
+          </a:bodyPr>
+          <a:lstStyle/>
+          <a:p>
+            <a:pPr marL="0" marR="0" lvl="0" indent="0" algn="ctr" defTabSz="914400" rtl="0" eaLnBrk="1" fontAlgn="auto" latinLnBrk="0" hangingPunct="1">
+              <a:lnSpc>
+                <a:spcPct val="100000"/>
+              </a:lnSpc>
+              <a:spcBef>
+                <a:spcPts val="0"/>
+              </a:spcBef>
+              <a:spcAft>
+                <a:spcPts val="0"/>
+              </a:spcAft>
+              <a:buClrTx/>
+              <a:buSzTx/>
+              <a:buFontTx/>
+              <a:buNone/>
+              <a:tabLst/>
+              <a:defRPr/>
+            </a:pPr>
+            <a:r>
+              <a:rPr kumimoji="0" lang="en-SG" sz="1200" b="0" i="0" u="none" strike="noStrike" kern="1200" cap="none" spc="0" normalizeH="0" baseline="0" noProof="0" dirty="0">
+                <a:ln>
+                  <a:noFill/>
+                </a:ln>
+                <a:solidFill>
+                  <a:prstClr val="black"/>
+                </a:solidFill>
+                <a:effectLst/>
+                <a:uLnTx/>
+                <a:uFillTx/>
+                <a:latin typeface="Consolas" panose="020B0609020204030204" pitchFamily="49" charset="0"/>
+                <a:ea typeface="+mn-ea"/>
+                <a:cs typeface="+mn-cs"/>
+              </a:rPr>
+              <a:t>create_</a:t>
+            </a:r>
+            <a:r>
+              <a:rPr lang="en-SG" sz="1200" dirty="0">
+                <a:latin typeface="Consolas" panose="020B0609020204030204" pitchFamily="49" charset="0"/>
+              </a:rPr>
+              <a:t>curve</a:t>
+            </a:r>
+            <a:r>
+              <a:rPr kumimoji="0" lang="en-SG" sz="1200" b="0" i="0" u="none" strike="noStrike" kern="1200" cap="none" spc="0" normalizeH="0" baseline="0" noProof="0" dirty="0">
+                <a:ln>
+                  <a:noFill/>
+                </a:ln>
+                <a:solidFill>
+                  <a:prstClr val="black"/>
+                </a:solidFill>
+                <a:effectLst/>
+                <a:uLnTx/>
+                <a:uFillTx/>
+                <a:latin typeface="Consolas" panose="020B0609020204030204" pitchFamily="49" charset="0"/>
+                <a:ea typeface="+mn-ea"/>
+                <a:cs typeface="+mn-cs"/>
+              </a:rPr>
+              <a:t>_table</a:t>
+            </a:r>
+          </a:p>
+        </p:txBody>
+      </p:sp>
+      <p:cxnSp>
+        <p:nvCxnSpPr>
+          <p:cNvPr id="16" name="Straight Arrow Connector 15">
+            <a:extLst>
+              <a:ext uri="{FF2B5EF4-FFF2-40B4-BE49-F238E27FC236}">
+                <a16:creationId xmlns:a16="http://schemas.microsoft.com/office/drawing/2014/main" id="{26B31E09-12F2-4C2F-B001-A2847A3CB850}"/>
+              </a:ext>
+            </a:extLst>
+          </p:cNvPr>
+          <p:cNvCxnSpPr>
+            <a:cxnSpLocks/>
+            <a:stCxn id="12" idx="2"/>
+            <a:endCxn id="11" idx="0"/>
+          </p:cNvCxnSpPr>
+          <p:nvPr/>
+        </p:nvCxnSpPr>
+        <p:spPr>
+          <a:xfrm>
+            <a:off x="9530431" y="379548"/>
+            <a:ext cx="1" cy="493406"/>
+          </a:xfrm>
+          <a:prstGeom prst="straightConnector1">
+            <a:avLst/>
+          </a:prstGeom>
+          <a:ln w="12700">
+            <a:solidFill>
+              <a:schemeClr val="tx1"/>
+            </a:solidFill>
+            <a:tailEnd type="triangle"/>
+          </a:ln>
+        </p:spPr>
+        <p:style>
+          <a:lnRef idx="1">
+            <a:schemeClr val="accent1"/>
+          </a:lnRef>
+          <a:fillRef idx="0">
+            <a:schemeClr val="accent1"/>
+          </a:fillRef>
+          <a:effectRef idx="0">
+            <a:schemeClr val="accent1"/>
+          </a:effectRef>
+          <a:fontRef idx="minor">
+            <a:schemeClr val="tx1"/>
+          </a:fontRef>
+        </p:style>
+      </p:cxnSp>
+      <p:sp>
+        <p:nvSpPr>
+          <p:cNvPr id="17" name="TextBox 16">
+            <a:extLst>
+              <a:ext uri="{FF2B5EF4-FFF2-40B4-BE49-F238E27FC236}">
+                <a16:creationId xmlns:a16="http://schemas.microsoft.com/office/drawing/2014/main" id="{DEDEEE7E-D7A0-460A-9383-9EE637514461}"/>
+              </a:ext>
+            </a:extLst>
+          </p:cNvPr>
+          <p:cNvSpPr txBox="1"/>
+          <p:nvPr/>
+        </p:nvSpPr>
+        <p:spPr>
+          <a:xfrm>
+            <a:off x="7296534" y="477129"/>
+            <a:ext cx="2331408" cy="276999"/>
+          </a:xfrm>
+          <a:prstGeom prst="rect">
+            <a:avLst/>
+          </a:prstGeom>
+          <a:noFill/>
+        </p:spPr>
+        <p:txBody>
+          <a:bodyPr wrap="square" rtlCol="0">
+            <a:spAutoFit/>
+          </a:bodyPr>
+          <a:lstStyle/>
+          <a:p>
+            <a:pPr marL="0" marR="0" lvl="0" indent="0" algn="ctr" defTabSz="914400" rtl="0" eaLnBrk="1" fontAlgn="auto" latinLnBrk="0" hangingPunct="1">
+              <a:lnSpc>
+                <a:spcPct val="100000"/>
+              </a:lnSpc>
+              <a:spcBef>
+                <a:spcPts val="0"/>
+              </a:spcBef>
+              <a:spcAft>
+                <a:spcPts val="0"/>
+              </a:spcAft>
+              <a:buClrTx/>
+              <a:buSzTx/>
+              <a:buFontTx/>
+              <a:buNone/>
+              <a:tabLst/>
+              <a:defRPr/>
+            </a:pPr>
+            <a:r>
+              <a:rPr kumimoji="0" lang="en-SG" sz="1200" b="0" i="0" u="none" strike="noStrike" kern="1200" cap="none" spc="0" normalizeH="0" baseline="0" noProof="0" dirty="0">
+                <a:ln>
+                  <a:noFill/>
+                </a:ln>
+                <a:solidFill>
+                  <a:prstClr val="black"/>
+                </a:solidFill>
+                <a:effectLst/>
+                <a:uLnTx/>
+                <a:uFillTx/>
+                <a:latin typeface="Consolas" panose="020B0609020204030204" pitchFamily="49" charset="0"/>
+                <a:ea typeface="+mn-ea"/>
+                <a:cs typeface="+mn-cs"/>
+              </a:rPr>
+              <a:t>summarise_</a:t>
+            </a:r>
+            <a:r>
+              <a:rPr lang="en-SG" sz="1200" dirty="0">
+                <a:latin typeface="Consolas" panose="020B0609020204030204" pitchFamily="49" charset="0"/>
+              </a:rPr>
+              <a:t>curve</a:t>
+            </a:r>
+            <a:r>
+              <a:rPr kumimoji="0" lang="en-SG" sz="1200" b="0" i="0" u="none" strike="noStrike" kern="1200" cap="none" spc="0" normalizeH="0" baseline="0" noProof="0" dirty="0">
+                <a:ln>
+                  <a:noFill/>
+                </a:ln>
+                <a:solidFill>
+                  <a:prstClr val="black"/>
+                </a:solidFill>
+                <a:effectLst/>
+                <a:uLnTx/>
+                <a:uFillTx/>
+                <a:latin typeface="Consolas" panose="020B0609020204030204" pitchFamily="49" charset="0"/>
+                <a:ea typeface="+mn-ea"/>
+                <a:cs typeface="+mn-cs"/>
+              </a:rPr>
+              <a:t>_table</a:t>
+            </a:r>
+          </a:p>
+        </p:txBody>
+      </p:sp>
+      <p:cxnSp>
+        <p:nvCxnSpPr>
+          <p:cNvPr id="18" name="Straight Arrow Connector 17">
+            <a:extLst>
+              <a:ext uri="{FF2B5EF4-FFF2-40B4-BE49-F238E27FC236}">
+                <a16:creationId xmlns:a16="http://schemas.microsoft.com/office/drawing/2014/main" id="{E5C7606B-F90F-47ED-86BE-53E9CD5FF1A0}"/>
+              </a:ext>
+            </a:extLst>
+          </p:cNvPr>
+          <p:cNvCxnSpPr>
+            <a:cxnSpLocks/>
+            <a:stCxn id="11" idx="2"/>
+            <a:endCxn id="8" idx="0"/>
+          </p:cNvCxnSpPr>
+          <p:nvPr/>
+        </p:nvCxnSpPr>
+        <p:spPr>
+          <a:xfrm>
+            <a:off x="9530432" y="1759725"/>
+            <a:ext cx="0" cy="465672"/>
+          </a:xfrm>
+          <a:prstGeom prst="straightConnector1">
+            <a:avLst/>
+          </a:prstGeom>
+          <a:ln w="12700">
+            <a:solidFill>
+              <a:schemeClr val="tx1"/>
+            </a:solidFill>
+            <a:tailEnd type="triangle"/>
+          </a:ln>
+        </p:spPr>
+        <p:style>
+          <a:lnRef idx="1">
+            <a:schemeClr val="accent1"/>
+          </a:lnRef>
+          <a:fillRef idx="0">
+            <a:schemeClr val="accent1"/>
+          </a:fillRef>
+          <a:effectRef idx="0">
+            <a:schemeClr val="accent1"/>
+          </a:effectRef>
+          <a:fontRef idx="minor">
+            <a:schemeClr val="tx1"/>
+          </a:fontRef>
+        </p:style>
+      </p:cxnSp>
+      <p:sp>
+        <p:nvSpPr>
+          <p:cNvPr id="19" name="TextBox 18">
+            <a:extLst>
+              <a:ext uri="{FF2B5EF4-FFF2-40B4-BE49-F238E27FC236}">
+                <a16:creationId xmlns:a16="http://schemas.microsoft.com/office/drawing/2014/main" id="{3AEFECCD-5689-4AF3-A728-02F4C8DEC57A}"/>
+              </a:ext>
+            </a:extLst>
+          </p:cNvPr>
+          <p:cNvSpPr txBox="1"/>
+          <p:nvPr/>
+        </p:nvSpPr>
+        <p:spPr>
+          <a:xfrm>
+            <a:off x="7790047" y="1844387"/>
+            <a:ext cx="1787117" cy="276999"/>
+          </a:xfrm>
+          <a:prstGeom prst="rect">
+            <a:avLst/>
+          </a:prstGeom>
+          <a:noFill/>
+        </p:spPr>
+        <p:txBody>
+          <a:bodyPr wrap="square" rtlCol="0">
+            <a:spAutoFit/>
+          </a:bodyPr>
+          <a:lstStyle/>
+          <a:p>
+            <a:pPr marL="0" marR="0" lvl="0" indent="0" algn="ctr" defTabSz="914400" rtl="0" eaLnBrk="1" fontAlgn="auto" latinLnBrk="0" hangingPunct="1">
+              <a:lnSpc>
+                <a:spcPct val="100000"/>
+              </a:lnSpc>
+              <a:spcBef>
+                <a:spcPts val="0"/>
+              </a:spcBef>
+              <a:spcAft>
+                <a:spcPts val="0"/>
+              </a:spcAft>
+              <a:buClrTx/>
+              <a:buSzTx/>
+              <a:buFontTx/>
+              <a:buNone/>
+              <a:tabLst/>
+              <a:defRPr/>
+            </a:pPr>
+            <a:r>
+              <a:rPr kumimoji="0" lang="en-SG" sz="1200" b="0" i="0" u="none" strike="noStrike" kern="1200" cap="none" spc="0" normalizeH="0" baseline="0" noProof="0" dirty="0">
+                <a:ln>
+                  <a:noFill/>
+                </a:ln>
+                <a:solidFill>
+                  <a:prstClr val="black"/>
+                </a:solidFill>
+                <a:effectLst/>
+                <a:uLnTx/>
+                <a:uFillTx/>
+                <a:latin typeface="Consolas" panose="020B0609020204030204" pitchFamily="49" charset="0"/>
+                <a:ea typeface="+mn-ea"/>
+                <a:cs typeface="+mn-cs"/>
+              </a:rPr>
+              <a:t>evaluate_linearity</a:t>
+            </a:r>
+          </a:p>
+        </p:txBody>
+      </p:sp>
+      <p:graphicFrame>
+        <p:nvGraphicFramePr>
+          <p:cNvPr id="20" name="Table 19">
+            <a:extLst>
+              <a:ext uri="{FF2B5EF4-FFF2-40B4-BE49-F238E27FC236}">
+                <a16:creationId xmlns:a16="http://schemas.microsoft.com/office/drawing/2014/main" id="{FEB20A37-3FCC-4CDE-A93D-6104A141B496}"/>
+              </a:ext>
+            </a:extLst>
+          </p:cNvPr>
+          <p:cNvGraphicFramePr>
+            <a:graphicFrameLocks noGrp="1"/>
+          </p:cNvGraphicFramePr>
+          <p:nvPr>
+            <p:extLst/>
+          </p:nvPr>
+        </p:nvGraphicFramePr>
+        <p:xfrm>
+          <a:off x="12783076" y="4279590"/>
+          <a:ext cx="1051752" cy="365760"/>
+        </p:xfrm>
+        <a:graphic>
+          <a:graphicData uri="http://schemas.openxmlformats.org/drawingml/2006/table">
+            <a:tbl>
+              <a:tblPr firstRow="1" bandRow="1">
+                <a:tableStyleId>{5C22544A-7EE6-4342-B048-85BDC9FD1C3A}</a:tableStyleId>
+              </a:tblPr>
+              <a:tblGrid>
+                <a:gridCol w="1051752">
+                  <a:extLst>
+                    <a:ext uri="{9D8B030D-6E8A-4147-A177-3AD203B41FA5}">
+                      <a16:colId xmlns:a16="http://schemas.microsoft.com/office/drawing/2014/main" val="3999788392"/>
+                    </a:ext>
+                  </a:extLst>
+                </a:gridCol>
+              </a:tblGrid>
+              <a:tr h="138663">
+                <a:tc>
+                  <a:txBody>
+                    <a:bodyPr/>
+                    <a:lstStyle/>
+                    <a:p>
+                      <a:pPr algn="ctr"/>
+                      <a:r>
+                        <a:rPr lang="en-SG" sz="1800" b="0" dirty="0">
+                          <a:solidFill>
+                            <a:schemeClr val="tx1"/>
+                          </a:solidFill>
+                        </a:rPr>
+                        <a:t>Excel File</a:t>
+                      </a:r>
+                    </a:p>
+                  </a:txBody>
+                  <a:tcPr anchor="ctr">
+                    <a:lnL w="12700" cap="flat" cmpd="sng" algn="ctr">
+                      <a:solidFill>
+                        <a:schemeClr val="tx1"/>
+                      </a:solidFill>
+                      <a:prstDash val="solid"/>
+                      <a:round/>
+                      <a:headEnd type="none" w="med" len="med"/>
+                      <a:tailEnd type="none" w="med" len="med"/>
+                    </a:lnL>
+                    <a:lnR w="12700" cap="flat" cmpd="sng" algn="ctr">
+                      <a:solidFill>
+                        <a:schemeClr val="tx1"/>
+                      </a:solidFill>
+                      <a:prstDash val="solid"/>
+                      <a:round/>
+                      <a:headEnd type="none" w="med" len="med"/>
+                      <a:tailEnd type="none" w="med" len="med"/>
+                    </a:lnR>
+                    <a:lnT w="12700" cap="flat" cmpd="sng" algn="ctr">
+                      <a:solidFill>
+                        <a:schemeClr val="tx1"/>
+                      </a:solidFill>
+                      <a:prstDash val="solid"/>
+                      <a:round/>
+                      <a:headEnd type="none" w="med" len="med"/>
+                      <a:tailEnd type="none" w="med" len="med"/>
+                    </a:lnT>
+                    <a:lnB w="12700" cap="flat" cmpd="sng" algn="ctr">
+                      <a:solidFill>
+                        <a:schemeClr val="tx1"/>
+                      </a:solidFill>
+                      <a:prstDash val="solid"/>
+                      <a:round/>
+                      <a:headEnd type="none" w="med" len="med"/>
+                      <a:tailEnd type="none" w="med" len="med"/>
+                    </a:lnB>
+                    <a:solidFill>
+                      <a:schemeClr val="accent5">
+                        <a:lumMod val="20000"/>
+                        <a:lumOff val="80000"/>
+                      </a:schemeClr>
+                    </a:solidFill>
+                  </a:tcPr>
+                </a:tc>
+                <a:extLst>
+                  <a:ext uri="{0D108BD9-81ED-4DB2-BD59-A6C34878D82A}">
+                    <a16:rowId xmlns:a16="http://schemas.microsoft.com/office/drawing/2014/main" val="3015718453"/>
+                  </a:ext>
+                </a:extLst>
+              </a:tr>
+            </a:tbl>
+          </a:graphicData>
+        </a:graphic>
+      </p:graphicFrame>
+      <p:cxnSp>
+        <p:nvCxnSpPr>
+          <p:cNvPr id="21" name="Connector: Elbow 20">
+            <a:extLst>
+              <a:ext uri="{FF2B5EF4-FFF2-40B4-BE49-F238E27FC236}">
+                <a16:creationId xmlns:a16="http://schemas.microsoft.com/office/drawing/2014/main" id="{8DAEDAB0-C9DE-48E4-9111-3E9B3BD8C147}"/>
+              </a:ext>
+            </a:extLst>
+          </p:cNvPr>
+          <p:cNvCxnSpPr>
+            <a:cxnSpLocks/>
+            <a:stCxn id="11" idx="3"/>
+            <a:endCxn id="20" idx="1"/>
+          </p:cNvCxnSpPr>
+          <p:nvPr/>
+        </p:nvCxnSpPr>
+        <p:spPr>
+          <a:xfrm>
+            <a:off x="11445400" y="1316339"/>
+            <a:ext cx="1337676" cy="3146131"/>
+          </a:xfrm>
+          <a:prstGeom prst="bentConnector3">
+            <a:avLst>
+              <a:gd name="adj1" fmla="val 50000"/>
+            </a:avLst>
+          </a:prstGeom>
+          <a:ln>
+            <a:solidFill>
+              <a:schemeClr val="tx1"/>
+            </a:solidFill>
+            <a:tailEnd type="triangle"/>
+          </a:ln>
+        </p:spPr>
+        <p:style>
+          <a:lnRef idx="1">
+            <a:schemeClr val="accent1"/>
+          </a:lnRef>
+          <a:fillRef idx="0">
+            <a:schemeClr val="accent1"/>
+          </a:fillRef>
+          <a:effectRef idx="0">
+            <a:schemeClr val="accent1"/>
+          </a:effectRef>
+          <a:fontRef idx="minor">
+            <a:schemeClr val="tx1"/>
+          </a:fontRef>
+        </p:style>
+      </p:cxnSp>
+      <p:cxnSp>
+        <p:nvCxnSpPr>
+          <p:cNvPr id="22" name="Connector: Elbow 21">
+            <a:extLst>
+              <a:ext uri="{FF2B5EF4-FFF2-40B4-BE49-F238E27FC236}">
+                <a16:creationId xmlns:a16="http://schemas.microsoft.com/office/drawing/2014/main" id="{44B81129-AA1F-4168-94C8-3C2BC3F9E7AA}"/>
+              </a:ext>
+            </a:extLst>
+          </p:cNvPr>
+          <p:cNvCxnSpPr>
+            <a:cxnSpLocks/>
+            <a:stCxn id="8" idx="3"/>
+            <a:endCxn id="20" idx="1"/>
+          </p:cNvCxnSpPr>
+          <p:nvPr/>
+        </p:nvCxnSpPr>
+        <p:spPr>
+          <a:xfrm>
+            <a:off x="11445400" y="2623062"/>
+            <a:ext cx="1337676" cy="1839408"/>
+          </a:xfrm>
+          <a:prstGeom prst="bentConnector3">
+            <a:avLst>
+              <a:gd name="adj1" fmla="val 50000"/>
+            </a:avLst>
+          </a:prstGeom>
+          <a:ln>
+            <a:solidFill>
+              <a:schemeClr val="tx1"/>
+            </a:solidFill>
+            <a:tailEnd type="triangle"/>
+          </a:ln>
+        </p:spPr>
+        <p:style>
+          <a:lnRef idx="1">
+            <a:schemeClr val="accent1"/>
+          </a:lnRef>
+          <a:fillRef idx="0">
+            <a:schemeClr val="accent1"/>
+          </a:fillRef>
+          <a:effectRef idx="0">
+            <a:schemeClr val="accent1"/>
+          </a:effectRef>
+          <a:fontRef idx="minor">
+            <a:schemeClr val="tx1"/>
+          </a:fontRef>
+        </p:style>
+      </p:cxnSp>
+      <p:sp>
+        <p:nvSpPr>
+          <p:cNvPr id="23" name="TextBox 22">
+            <a:extLst>
+              <a:ext uri="{FF2B5EF4-FFF2-40B4-BE49-F238E27FC236}">
+                <a16:creationId xmlns:a16="http://schemas.microsoft.com/office/drawing/2014/main" id="{0472EFC6-20F0-4DAF-8BC5-1EDEAC3EF3D2}"/>
+              </a:ext>
+            </a:extLst>
+          </p:cNvPr>
+          <p:cNvSpPr txBox="1"/>
+          <p:nvPr/>
+        </p:nvSpPr>
+        <p:spPr>
+          <a:xfrm>
+            <a:off x="12114073" y="3177020"/>
+            <a:ext cx="1787117" cy="276999"/>
+          </a:xfrm>
+          <a:prstGeom prst="rect">
+            <a:avLst/>
+          </a:prstGeom>
+          <a:noFill/>
+        </p:spPr>
+        <p:txBody>
+          <a:bodyPr wrap="square" rtlCol="0">
+            <a:spAutoFit/>
+          </a:bodyPr>
+          <a:lstStyle/>
+          <a:p>
+            <a:pPr marL="0" marR="0" lvl="0" indent="0" algn="ctr" defTabSz="914400" rtl="0" eaLnBrk="1" fontAlgn="auto" latinLnBrk="0" hangingPunct="1">
+              <a:lnSpc>
+                <a:spcPct val="100000"/>
+              </a:lnSpc>
+              <a:spcBef>
+                <a:spcPts val="0"/>
+              </a:spcBef>
+              <a:spcAft>
+                <a:spcPts val="0"/>
+              </a:spcAft>
+              <a:buClrTx/>
+              <a:buSzTx/>
+              <a:buFontTx/>
+              <a:buNone/>
+              <a:tabLst/>
+              <a:defRPr/>
+            </a:pPr>
+            <a:r>
+              <a:rPr kumimoji="0" lang="en-SG" sz="1200" b="0" i="0" u="none" strike="noStrike" kern="1200" cap="none" spc="0" normalizeH="0" baseline="0" noProof="0" dirty="0">
+                <a:ln>
+                  <a:noFill/>
+                </a:ln>
+                <a:solidFill>
+                  <a:prstClr val="black"/>
+                </a:solidFill>
+                <a:effectLst/>
+                <a:uLnTx/>
+                <a:uFillTx/>
+                <a:latin typeface="Consolas" panose="020B0609020204030204" pitchFamily="49" charset="0"/>
+                <a:ea typeface="+mn-ea"/>
+                <a:cs typeface="+mn-cs"/>
+              </a:rPr>
+              <a:t>write_summary_excel</a:t>
+            </a:r>
+          </a:p>
+        </p:txBody>
+      </p:sp>
+      <p:sp>
+        <p:nvSpPr>
+          <p:cNvPr id="24" name="TextBox 23">
+            <a:extLst>
+              <a:ext uri="{FF2B5EF4-FFF2-40B4-BE49-F238E27FC236}">
+                <a16:creationId xmlns:a16="http://schemas.microsoft.com/office/drawing/2014/main" id="{800C224B-7CAD-4A97-8006-3258D738932E}"/>
+              </a:ext>
+            </a:extLst>
+          </p:cNvPr>
+          <p:cNvSpPr txBox="1"/>
+          <p:nvPr/>
+        </p:nvSpPr>
+        <p:spPr>
+          <a:xfrm>
+            <a:off x="-632313" y="4722772"/>
+            <a:ext cx="1548809" cy="276999"/>
+          </a:xfrm>
+          <a:prstGeom prst="rect">
+            <a:avLst/>
+          </a:prstGeom>
+          <a:noFill/>
+        </p:spPr>
+        <p:txBody>
+          <a:bodyPr wrap="square" rtlCol="0">
+            <a:spAutoFit/>
+          </a:bodyPr>
+          <a:lstStyle/>
+          <a:p>
+            <a:pPr marL="0" marR="0" lvl="0" indent="0" algn="ctr" defTabSz="914400" rtl="0" eaLnBrk="1" fontAlgn="auto" latinLnBrk="0" hangingPunct="1">
+              <a:lnSpc>
+                <a:spcPct val="100000"/>
+              </a:lnSpc>
+              <a:spcBef>
+                <a:spcPts val="0"/>
+              </a:spcBef>
+              <a:spcAft>
+                <a:spcPts val="0"/>
+              </a:spcAft>
+              <a:buClrTx/>
+              <a:buSzTx/>
+              <a:buFontTx/>
+              <a:buNone/>
+              <a:tabLst/>
+              <a:defRPr/>
+            </a:pPr>
+            <a:r>
+              <a:rPr kumimoji="0" lang="en-SG" sz="1200" b="0" i="0" u="none" strike="noStrike" kern="1200" cap="none" spc="0" normalizeH="0" baseline="0" noProof="0" dirty="0">
+                <a:ln>
+                  <a:noFill/>
+                </a:ln>
+                <a:solidFill>
+                  <a:prstClr val="black"/>
+                </a:solidFill>
+                <a:effectLst/>
+                <a:uLnTx/>
+                <a:uFillTx/>
+                <a:latin typeface="Consolas" panose="020B0609020204030204" pitchFamily="49" charset="0"/>
+                <a:ea typeface="+mn-ea"/>
+                <a:cs typeface="+mn-cs"/>
+              </a:rPr>
+              <a:t>add_ggplot_panel</a:t>
+            </a:r>
+          </a:p>
+        </p:txBody>
+      </p:sp>
+      <p:sp>
+        <p:nvSpPr>
+          <p:cNvPr id="25" name="TextBox 24">
+            <a:extLst>
+              <a:ext uri="{FF2B5EF4-FFF2-40B4-BE49-F238E27FC236}">
+                <a16:creationId xmlns:a16="http://schemas.microsoft.com/office/drawing/2014/main" id="{F9EC6334-3AF6-4D5C-8AAE-B6567D8A3355}"/>
+              </a:ext>
+            </a:extLst>
+          </p:cNvPr>
+          <p:cNvSpPr txBox="1"/>
+          <p:nvPr/>
+        </p:nvSpPr>
+        <p:spPr>
+          <a:xfrm>
+            <a:off x="-646828" y="6724940"/>
+            <a:ext cx="1548809" cy="276999"/>
+          </a:xfrm>
+          <a:prstGeom prst="rect">
+            <a:avLst/>
+          </a:prstGeom>
+          <a:noFill/>
+        </p:spPr>
+        <p:txBody>
+          <a:bodyPr wrap="square" rtlCol="0">
+            <a:spAutoFit/>
+          </a:bodyPr>
+          <a:lstStyle/>
+          <a:p>
+            <a:pPr marL="0" marR="0" lvl="0" indent="0" algn="ctr" defTabSz="914400" rtl="0" eaLnBrk="1" fontAlgn="auto" latinLnBrk="0" hangingPunct="1">
+              <a:lnSpc>
+                <a:spcPct val="100000"/>
+              </a:lnSpc>
+              <a:spcBef>
+                <a:spcPts val="0"/>
+              </a:spcBef>
+              <a:spcAft>
+                <a:spcPts val="0"/>
+              </a:spcAft>
+              <a:buClrTx/>
+              <a:buSzTx/>
+              <a:buFontTx/>
+              <a:buNone/>
+              <a:tabLst/>
+              <a:defRPr/>
+            </a:pPr>
+            <a:r>
+              <a:rPr kumimoji="0" lang="en-SG" sz="1200" b="0" i="0" u="none" strike="noStrike" kern="1200" cap="none" spc="0" normalizeH="0" baseline="0" noProof="0" dirty="0">
+                <a:ln>
+                  <a:noFill/>
+                </a:ln>
+                <a:solidFill>
+                  <a:prstClr val="black"/>
+                </a:solidFill>
+                <a:effectLst/>
+                <a:uLnTx/>
+                <a:uFillTx/>
+                <a:latin typeface="Consolas" panose="020B0609020204030204" pitchFamily="49" charset="0"/>
+                <a:ea typeface="+mn-ea"/>
+                <a:cs typeface="+mn-cs"/>
+              </a:rPr>
+              <a:t>add_plotly_panel</a:t>
+            </a:r>
+          </a:p>
+        </p:txBody>
+      </p:sp>
+      <p:graphicFrame>
+        <p:nvGraphicFramePr>
+          <p:cNvPr id="26" name="Table 25">
+            <a:extLst>
+              <a:ext uri="{FF2B5EF4-FFF2-40B4-BE49-F238E27FC236}">
+                <a16:creationId xmlns:a16="http://schemas.microsoft.com/office/drawing/2014/main" id="{40A50C56-146A-49E6-AC09-31C601518B7B}"/>
+              </a:ext>
+            </a:extLst>
+          </p:cNvPr>
+          <p:cNvGraphicFramePr>
+            <a:graphicFrameLocks noGrp="1"/>
+          </p:cNvGraphicFramePr>
+          <p:nvPr>
+            <p:extLst/>
+          </p:nvPr>
+        </p:nvGraphicFramePr>
+        <p:xfrm>
+          <a:off x="12838904" y="4856807"/>
+          <a:ext cx="945124" cy="365760"/>
+        </p:xfrm>
+        <a:graphic>
+          <a:graphicData uri="http://schemas.openxmlformats.org/drawingml/2006/table">
+            <a:tbl>
+              <a:tblPr firstRow="1" bandRow="1">
+                <a:tableStyleId>{5C22544A-7EE6-4342-B048-85BDC9FD1C3A}</a:tableStyleId>
+              </a:tblPr>
+              <a:tblGrid>
+                <a:gridCol w="945124">
+                  <a:extLst>
+                    <a:ext uri="{9D8B030D-6E8A-4147-A177-3AD203B41FA5}">
+                      <a16:colId xmlns:a16="http://schemas.microsoft.com/office/drawing/2014/main" val="3999788392"/>
+                    </a:ext>
+                  </a:extLst>
+                </a:gridCol>
+              </a:tblGrid>
+              <a:tr h="329571">
+                <a:tc>
+                  <a:txBody>
+                    <a:bodyPr/>
+                    <a:lstStyle/>
+                    <a:p>
+                      <a:pPr algn="ctr"/>
+                      <a:r>
+                        <a:rPr lang="en-SG" sz="1800" b="0" dirty="0">
+                          <a:solidFill>
+                            <a:schemeClr val="tx1"/>
+                          </a:solidFill>
+                        </a:rPr>
+                        <a:t>PDF File</a:t>
+                      </a:r>
+                    </a:p>
+                  </a:txBody>
+                  <a:tcPr anchor="ctr">
+                    <a:lnL w="12700" cap="flat" cmpd="sng" algn="ctr">
+                      <a:solidFill>
+                        <a:schemeClr val="tx1"/>
+                      </a:solidFill>
+                      <a:prstDash val="solid"/>
+                      <a:round/>
+                      <a:headEnd type="none" w="med" len="med"/>
+                      <a:tailEnd type="none" w="med" len="med"/>
+                    </a:lnL>
+                    <a:lnR w="12700" cap="flat" cmpd="sng" algn="ctr">
+                      <a:solidFill>
+                        <a:schemeClr val="tx1"/>
+                      </a:solidFill>
+                      <a:prstDash val="solid"/>
+                      <a:round/>
+                      <a:headEnd type="none" w="med" len="med"/>
+                      <a:tailEnd type="none" w="med" len="med"/>
+                    </a:lnR>
+                    <a:lnT w="12700" cap="flat" cmpd="sng" algn="ctr">
+                      <a:solidFill>
+                        <a:schemeClr val="tx1"/>
+                      </a:solidFill>
+                      <a:prstDash val="solid"/>
+                      <a:round/>
+                      <a:headEnd type="none" w="med" len="med"/>
+                      <a:tailEnd type="none" w="med" len="med"/>
+                    </a:lnT>
+                    <a:lnB w="12700" cap="flat" cmpd="sng" algn="ctr">
+                      <a:solidFill>
+                        <a:schemeClr val="tx1"/>
+                      </a:solidFill>
+                      <a:prstDash val="solid"/>
+                      <a:round/>
+                      <a:headEnd type="none" w="med" len="med"/>
+                      <a:tailEnd type="none" w="med" len="med"/>
+                    </a:lnB>
+                    <a:solidFill>
+                      <a:schemeClr val="accent5">
+                        <a:lumMod val="20000"/>
+                        <a:lumOff val="80000"/>
+                      </a:schemeClr>
+                    </a:solidFill>
+                  </a:tcPr>
+                </a:tc>
+                <a:extLst>
+                  <a:ext uri="{0D108BD9-81ED-4DB2-BD59-A6C34878D82A}">
+                    <a16:rowId xmlns:a16="http://schemas.microsoft.com/office/drawing/2014/main" val="3015718453"/>
+                  </a:ext>
+                </a:extLst>
+              </a:tr>
+            </a:tbl>
+          </a:graphicData>
+        </a:graphic>
+      </p:graphicFrame>
+      <p:sp>
+        <p:nvSpPr>
+          <p:cNvPr id="27" name="TextBox 26">
+            <a:extLst>
+              <a:ext uri="{FF2B5EF4-FFF2-40B4-BE49-F238E27FC236}">
+                <a16:creationId xmlns:a16="http://schemas.microsoft.com/office/drawing/2014/main" id="{0FB8BF85-D1D0-4EB1-BDA1-529B3A5066E8}"/>
+              </a:ext>
+            </a:extLst>
+          </p:cNvPr>
+          <p:cNvSpPr txBox="1"/>
+          <p:nvPr/>
+        </p:nvSpPr>
+        <p:spPr>
+          <a:xfrm>
+            <a:off x="10098602" y="4756065"/>
+            <a:ext cx="1787117" cy="276999"/>
+          </a:xfrm>
+          <a:prstGeom prst="rect">
+            <a:avLst/>
+          </a:prstGeom>
+          <a:noFill/>
+        </p:spPr>
+        <p:txBody>
+          <a:bodyPr wrap="square" rtlCol="0">
+            <a:spAutoFit/>
+          </a:bodyPr>
+          <a:lstStyle/>
+          <a:p>
+            <a:pPr marL="0" marR="0" lvl="0" indent="0" algn="ctr" defTabSz="914400" rtl="0" eaLnBrk="1" fontAlgn="auto" latinLnBrk="0" hangingPunct="1">
+              <a:lnSpc>
+                <a:spcPct val="100000"/>
+              </a:lnSpc>
+              <a:spcBef>
+                <a:spcPts val="0"/>
+              </a:spcBef>
+              <a:spcAft>
+                <a:spcPts val="0"/>
+              </a:spcAft>
+              <a:buClrTx/>
+              <a:buSzTx/>
+              <a:buFontTx/>
+              <a:buNone/>
+              <a:tabLst/>
+              <a:defRPr/>
+            </a:pPr>
+            <a:r>
+              <a:rPr kumimoji="0" lang="en-SG" sz="1200" b="0" i="0" u="none" strike="noStrike" kern="1200" cap="none" spc="0" normalizeH="0" baseline="0" noProof="0" dirty="0">
+                <a:ln>
+                  <a:noFill/>
+                </a:ln>
+                <a:solidFill>
+                  <a:prstClr val="black"/>
+                </a:solidFill>
+                <a:effectLst/>
+                <a:uLnTx/>
+                <a:uFillTx/>
+                <a:latin typeface="Consolas" panose="020B0609020204030204" pitchFamily="49" charset="0"/>
+                <a:ea typeface="+mn-ea"/>
+                <a:cs typeface="+mn-cs"/>
+              </a:rPr>
+              <a:t>view_ggplot_pdf</a:t>
+            </a:r>
+          </a:p>
+        </p:txBody>
+      </p:sp>
+      <p:cxnSp>
+        <p:nvCxnSpPr>
+          <p:cNvPr id="28" name="Straight Arrow Connector 27">
+            <a:extLst>
+              <a:ext uri="{FF2B5EF4-FFF2-40B4-BE49-F238E27FC236}">
+                <a16:creationId xmlns:a16="http://schemas.microsoft.com/office/drawing/2014/main" id="{CF3D3C47-A454-430E-89DE-8F3FE523DAE3}"/>
+              </a:ext>
+            </a:extLst>
+          </p:cNvPr>
+          <p:cNvCxnSpPr>
+            <a:cxnSpLocks/>
+            <a:stCxn id="9" idx="3"/>
+            <a:endCxn id="26" idx="1"/>
+          </p:cNvCxnSpPr>
+          <p:nvPr/>
+        </p:nvCxnSpPr>
+        <p:spPr>
+          <a:xfrm>
+            <a:off x="5454858" y="5036059"/>
+            <a:ext cx="7384046" cy="3628"/>
+          </a:xfrm>
+          <a:prstGeom prst="straightConnector1">
+            <a:avLst/>
+          </a:prstGeom>
+          <a:ln w="12700">
+            <a:solidFill>
+              <a:schemeClr val="tx1"/>
+            </a:solidFill>
+            <a:tailEnd type="triangle"/>
+          </a:ln>
+        </p:spPr>
+        <p:style>
+          <a:lnRef idx="1">
+            <a:schemeClr val="accent1"/>
+          </a:lnRef>
+          <a:fillRef idx="0">
+            <a:schemeClr val="accent1"/>
+          </a:fillRef>
+          <a:effectRef idx="0">
+            <a:schemeClr val="accent1"/>
+          </a:effectRef>
+          <a:fontRef idx="minor">
+            <a:schemeClr val="tx1"/>
+          </a:fontRef>
+        </p:style>
+      </p:cxnSp>
+      <p:graphicFrame>
+        <p:nvGraphicFramePr>
+          <p:cNvPr id="29" name="Table 28">
+            <a:extLst>
+              <a:ext uri="{FF2B5EF4-FFF2-40B4-BE49-F238E27FC236}">
+                <a16:creationId xmlns:a16="http://schemas.microsoft.com/office/drawing/2014/main" id="{2F759E72-4326-46FB-B665-23916BEC4885}"/>
+              </a:ext>
+            </a:extLst>
+          </p:cNvPr>
+          <p:cNvGraphicFramePr>
+            <a:graphicFrameLocks noGrp="1"/>
+          </p:cNvGraphicFramePr>
+          <p:nvPr>
+            <p:extLst>
+              <p:ext uri="{D42A27DB-BD31-4B8C-83A1-F6EECF244321}">
+                <p14:modId xmlns:p14="http://schemas.microsoft.com/office/powerpoint/2010/main" val="3192973531"/>
+              </p:ext>
+            </p:extLst>
+          </p:nvPr>
+        </p:nvGraphicFramePr>
+        <p:xfrm>
+          <a:off x="7175435" y="6361477"/>
+          <a:ext cx="4330323" cy="1266449"/>
+        </p:xfrm>
+        <a:graphic>
+          <a:graphicData uri="http://schemas.openxmlformats.org/drawingml/2006/table">
+            <a:tbl>
+              <a:tblPr firstRow="1" bandRow="1">
+                <a:tableStyleId>{5C22544A-7EE6-4342-B048-85BDC9FD1C3A}</a:tableStyleId>
+              </a:tblPr>
+              <a:tblGrid>
+                <a:gridCol w="844615">
+                  <a:extLst>
+                    <a:ext uri="{9D8B030D-6E8A-4147-A177-3AD203B41FA5}">
+                      <a16:colId xmlns:a16="http://schemas.microsoft.com/office/drawing/2014/main" val="3999788392"/>
+                    </a:ext>
+                  </a:extLst>
+                </a:gridCol>
+                <a:gridCol w="914400">
+                  <a:extLst>
+                    <a:ext uri="{9D8B030D-6E8A-4147-A177-3AD203B41FA5}">
+                      <a16:colId xmlns:a16="http://schemas.microsoft.com/office/drawing/2014/main" val="694209082"/>
+                    </a:ext>
+                  </a:extLst>
+                </a:gridCol>
+                <a:gridCol w="1727200">
+                  <a:extLst>
+                    <a:ext uri="{9D8B030D-6E8A-4147-A177-3AD203B41FA5}">
+                      <a16:colId xmlns:a16="http://schemas.microsoft.com/office/drawing/2014/main" val="1361737304"/>
+                    </a:ext>
+                  </a:extLst>
+                </a:gridCol>
+                <a:gridCol w="844108">
+                  <a:extLst>
+                    <a:ext uri="{9D8B030D-6E8A-4147-A177-3AD203B41FA5}">
+                      <a16:colId xmlns:a16="http://schemas.microsoft.com/office/drawing/2014/main" val="3930359769"/>
+                    </a:ext>
+                  </a:extLst>
+                </a:gridCol>
+              </a:tblGrid>
+              <a:tr h="315002">
+                <a:tc gridSpan="4">
+                  <a:txBody>
+                    <a:bodyPr/>
+                    <a:lstStyle/>
+                    <a:p>
+                      <a:pPr algn="ctr"/>
+                      <a:r>
+                        <a:rPr lang="en-SG" sz="1800" b="0" dirty="0">
+                          <a:solidFill>
+                            <a:schemeClr val="tx1"/>
+                          </a:solidFill>
+                        </a:rPr>
+                        <a:t>Trellis Visualisation</a:t>
+                      </a:r>
+                    </a:p>
+                  </a:txBody>
+                  <a:tcPr anchor="ctr">
+                    <a:lnL w="12700" cap="flat" cmpd="sng" algn="ctr">
+                      <a:solidFill>
+                        <a:schemeClr val="tx1"/>
+                      </a:solidFill>
+                      <a:prstDash val="solid"/>
+                      <a:round/>
+                      <a:headEnd type="none" w="med" len="med"/>
+                      <a:tailEnd type="none" w="med" len="med"/>
+                    </a:lnL>
+                    <a:lnR w="12700" cap="flat" cmpd="sng" algn="ctr">
+                      <a:solidFill>
+                        <a:schemeClr val="tx1"/>
+                      </a:solidFill>
+                      <a:prstDash val="solid"/>
+                      <a:round/>
+                      <a:headEnd type="none" w="med" len="med"/>
+                      <a:tailEnd type="none" w="med" len="med"/>
+                    </a:lnR>
+                    <a:lnT w="12700" cap="flat" cmpd="sng" algn="ctr">
+                      <a:solidFill>
+                        <a:schemeClr val="tx1"/>
+                      </a:solidFill>
+                      <a:prstDash val="solid"/>
+                      <a:round/>
+                      <a:headEnd type="none" w="med" len="med"/>
+                      <a:tailEnd type="none" w="med" len="med"/>
+                    </a:lnT>
+                    <a:lnB w="12700" cap="flat" cmpd="sng" algn="ctr">
+                      <a:solidFill>
+                        <a:schemeClr val="tx1"/>
+                      </a:solidFill>
+                      <a:prstDash val="solid"/>
+                      <a:round/>
+                      <a:headEnd type="none" w="med" len="med"/>
+                      <a:tailEnd type="none" w="med" len="med"/>
+                    </a:lnB>
+                    <a:solidFill>
+                      <a:schemeClr val="accent5">
+                        <a:lumMod val="20000"/>
+                        <a:lumOff val="80000"/>
+                      </a:schemeClr>
+                    </a:solidFill>
+                  </a:tcPr>
+                </a:tc>
+                <a:tc hMerge="1">
+                  <a:txBody>
+                    <a:bodyPr/>
+                    <a:lstStyle/>
+                    <a:p>
+                      <a:endParaRPr lang="en-SG"/>
+                    </a:p>
+                  </a:txBody>
+                  <a:tcPr/>
+                </a:tc>
+                <a:tc hMerge="1">
+                  <a:txBody>
+                    <a:bodyPr/>
+                    <a:lstStyle/>
+                    <a:p>
+                      <a:pPr marL="0" marR="0" lvl="0" indent="0" algn="ctr" defTabSz="914400" rtl="0" eaLnBrk="1" fontAlgn="auto" latinLnBrk="0" hangingPunct="1">
+                        <a:lnSpc>
+                          <a:spcPct val="100000"/>
+                        </a:lnSpc>
+                        <a:spcBef>
+                          <a:spcPts val="0"/>
+                        </a:spcBef>
+                        <a:spcAft>
+                          <a:spcPts val="0"/>
+                        </a:spcAft>
+                        <a:buClrTx/>
+                        <a:buSzTx/>
+                        <a:buFontTx/>
+                        <a:buNone/>
+                        <a:tabLst/>
+                        <a:defRPr/>
+                      </a:pPr>
+                      <a:endParaRPr lang="en-SG" sz="1800" b="0" dirty="0">
+                        <a:solidFill>
+                          <a:schemeClr val="tx1"/>
+                        </a:solidFill>
+                      </a:endParaRPr>
+                    </a:p>
+                  </a:txBody>
+                  <a:tcPr anchor="ctr">
+                    <a:lnL w="12700" cap="flat" cmpd="sng" algn="ctr">
+                      <a:solidFill>
+                        <a:schemeClr val="tx1"/>
+                      </a:solidFill>
+                      <a:prstDash val="solid"/>
+                      <a:round/>
+                      <a:headEnd type="none" w="med" len="med"/>
+                      <a:tailEnd type="none" w="med" len="med"/>
+                    </a:lnL>
+                    <a:lnR w="12700" cap="flat" cmpd="sng" algn="ctr">
+                      <a:solidFill>
+                        <a:schemeClr val="tx1"/>
+                      </a:solidFill>
+                      <a:prstDash val="solid"/>
+                      <a:round/>
+                      <a:headEnd type="none" w="med" len="med"/>
+                      <a:tailEnd type="none" w="med" len="med"/>
+                    </a:lnR>
+                    <a:lnT w="12700" cap="flat" cmpd="sng" algn="ctr">
+                      <a:solidFill>
+                        <a:schemeClr val="tx1"/>
+                      </a:solidFill>
+                      <a:prstDash val="solid"/>
+                      <a:round/>
+                      <a:headEnd type="none" w="med" len="med"/>
+                      <a:tailEnd type="none" w="med" len="med"/>
+                    </a:lnT>
+                    <a:lnB w="12700" cap="flat" cmpd="sng" algn="ctr">
+                      <a:solidFill>
+                        <a:schemeClr val="tx1"/>
+                      </a:solidFill>
+                      <a:prstDash val="solid"/>
+                      <a:round/>
+                      <a:headEnd type="none" w="med" len="med"/>
+                      <a:tailEnd type="none" w="med" len="med"/>
+                    </a:lnB>
+                    <a:solidFill>
+                      <a:schemeClr val="accent5">
+                        <a:lumMod val="20000"/>
+                        <a:lumOff val="80000"/>
+                      </a:schemeClr>
+                    </a:solidFill>
+                  </a:tcPr>
+                </a:tc>
+                <a:tc hMerge="1">
+                  <a:txBody>
+                    <a:bodyPr/>
+                    <a:lstStyle/>
+                    <a:p>
+                      <a:pPr algn="ctr"/>
+                      <a:endParaRPr lang="en-SG" sz="1800" b="0" dirty="0">
+                        <a:solidFill>
+                          <a:schemeClr val="tx1"/>
+                        </a:solidFill>
+                      </a:endParaRPr>
+                    </a:p>
+                  </a:txBody>
+                  <a:tcPr anchor="ctr">
+                    <a:lnL w="12700" cap="flat" cmpd="sng" algn="ctr">
+                      <a:solidFill>
+                        <a:schemeClr val="tx1"/>
+                      </a:solidFill>
+                      <a:prstDash val="solid"/>
+                      <a:round/>
+                      <a:headEnd type="none" w="med" len="med"/>
+                      <a:tailEnd type="none" w="med" len="med"/>
+                    </a:lnL>
+                    <a:lnR w="12700" cap="flat" cmpd="sng" algn="ctr">
+                      <a:solidFill>
+                        <a:schemeClr val="tx1"/>
+                      </a:solidFill>
+                      <a:prstDash val="solid"/>
+                      <a:round/>
+                      <a:headEnd type="none" w="med" len="med"/>
+                      <a:tailEnd type="none" w="med" len="med"/>
+                    </a:lnR>
+                    <a:lnT w="12700" cap="flat" cmpd="sng" algn="ctr">
+                      <a:solidFill>
+                        <a:schemeClr val="tx1"/>
+                      </a:solidFill>
+                      <a:prstDash val="solid"/>
+                      <a:round/>
+                      <a:headEnd type="none" w="med" len="med"/>
+                      <a:tailEnd type="none" w="med" len="med"/>
+                    </a:lnT>
+                    <a:lnB w="12700" cap="flat" cmpd="sng" algn="ctr">
+                      <a:solidFill>
+                        <a:schemeClr val="tx1"/>
+                      </a:solidFill>
+                      <a:prstDash val="solid"/>
+                      <a:round/>
+                      <a:headEnd type="none" w="med" len="med"/>
+                      <a:tailEnd type="none" w="med" len="med"/>
+                    </a:lnB>
+                    <a:solidFill>
+                      <a:schemeClr val="accent5">
+                        <a:lumMod val="20000"/>
+                        <a:lumOff val="80000"/>
+                      </a:schemeClr>
+                    </a:solidFill>
+                  </a:tcPr>
+                </a:tc>
+                <a:extLst>
+                  <a:ext uri="{0D108BD9-81ED-4DB2-BD59-A6C34878D82A}">
+                    <a16:rowId xmlns:a16="http://schemas.microsoft.com/office/drawing/2014/main" val="3550696611"/>
+                  </a:ext>
+                </a:extLst>
+              </a:tr>
+              <a:tr h="315002">
+                <a:tc gridSpan="2">
+                  <a:txBody>
+                    <a:bodyPr/>
+                    <a:lstStyle/>
+                    <a:p>
+                      <a:pPr algn="ctr"/>
+                      <a:r>
+                        <a:rPr lang="en-SG" sz="1800" b="0" dirty="0">
+                          <a:solidFill>
+                            <a:schemeClr val="tx1"/>
+                          </a:solidFill>
+                        </a:rPr>
+                        <a:t>Cognostics Id</a:t>
+                      </a:r>
+                    </a:p>
+                  </a:txBody>
+                  <a:tcPr anchor="ctr">
+                    <a:lnL w="12700" cap="flat" cmpd="sng" algn="ctr">
+                      <a:solidFill>
+                        <a:schemeClr val="tx1"/>
+                      </a:solidFill>
+                      <a:prstDash val="solid"/>
+                      <a:round/>
+                      <a:headEnd type="none" w="med" len="med"/>
+                      <a:tailEnd type="none" w="med" len="med"/>
+                    </a:lnL>
+                    <a:lnR w="12700" cap="flat" cmpd="sng" algn="ctr">
+                      <a:solidFill>
+                        <a:schemeClr val="tx1"/>
+                      </a:solidFill>
+                      <a:prstDash val="solid"/>
+                      <a:round/>
+                      <a:headEnd type="none" w="med" len="med"/>
+                      <a:tailEnd type="none" w="med" len="med"/>
+                    </a:lnR>
+                    <a:lnT w="12700" cap="flat" cmpd="sng" algn="ctr">
+                      <a:solidFill>
+                        <a:schemeClr val="tx1"/>
+                      </a:solidFill>
+                      <a:prstDash val="solid"/>
+                      <a:round/>
+                      <a:headEnd type="none" w="med" len="med"/>
+                      <a:tailEnd type="none" w="med" len="med"/>
+                    </a:lnT>
+                    <a:lnB w="12700" cap="flat" cmpd="sng" algn="ctr">
+                      <a:solidFill>
+                        <a:schemeClr val="tx1"/>
+                      </a:solidFill>
+                      <a:prstDash val="solid"/>
+                      <a:round/>
+                      <a:headEnd type="none" w="med" len="med"/>
+                      <a:tailEnd type="none" w="med" len="med"/>
+                    </a:lnB>
+                    <a:solidFill>
+                      <a:schemeClr val="accent5">
+                        <a:lumMod val="20000"/>
+                        <a:lumOff val="80000"/>
+                      </a:schemeClr>
+                    </a:solidFill>
+                  </a:tcPr>
+                </a:tc>
+                <a:tc hMerge="1">
+                  <a:txBody>
+                    <a:bodyPr/>
+                    <a:lstStyle/>
+                    <a:p>
+                      <a:endParaRPr lang="en-SG"/>
+                    </a:p>
+                  </a:txBody>
+                  <a:tcPr/>
+                </a:tc>
+                <a:tc>
+                  <a:txBody>
+                    <a:bodyPr/>
+                    <a:lstStyle/>
+                    <a:p>
+                      <a:pPr marL="0" marR="0" lvl="0" indent="0" algn="ctr" defTabSz="914400" rtl="0" eaLnBrk="1" fontAlgn="auto" latinLnBrk="0" hangingPunct="1">
+                        <a:lnSpc>
+                          <a:spcPct val="100000"/>
+                        </a:lnSpc>
+                        <a:spcBef>
+                          <a:spcPts val="0"/>
+                        </a:spcBef>
+                        <a:spcAft>
+                          <a:spcPts val="0"/>
+                        </a:spcAft>
+                        <a:buClrTx/>
+                        <a:buSzTx/>
+                        <a:buFontTx/>
+                        <a:buNone/>
+                        <a:tabLst/>
+                        <a:defRPr/>
+                      </a:pPr>
+                      <a:r>
+                        <a:rPr lang="en-SG" sz="1800" b="0" dirty="0">
+                          <a:solidFill>
+                            <a:schemeClr val="tx1"/>
+                          </a:solidFill>
+                        </a:rPr>
+                        <a:t>Cognostics Table</a:t>
+                      </a:r>
+                    </a:p>
+                  </a:txBody>
+                  <a:tcPr anchor="ctr">
+                    <a:lnL w="12700" cap="flat" cmpd="sng" algn="ctr">
+                      <a:solidFill>
+                        <a:schemeClr val="tx1"/>
+                      </a:solidFill>
+                      <a:prstDash val="solid"/>
+                      <a:round/>
+                      <a:headEnd type="none" w="med" len="med"/>
+                      <a:tailEnd type="none" w="med" len="med"/>
+                    </a:lnL>
+                    <a:lnR w="12700" cap="flat" cmpd="sng" algn="ctr">
+                      <a:solidFill>
+                        <a:schemeClr val="tx1"/>
+                      </a:solidFill>
+                      <a:prstDash val="solid"/>
+                      <a:round/>
+                      <a:headEnd type="none" w="med" len="med"/>
+                      <a:tailEnd type="none" w="med" len="med"/>
+                    </a:lnR>
+                    <a:lnT w="12700" cap="flat" cmpd="sng" algn="ctr">
+                      <a:solidFill>
+                        <a:schemeClr val="tx1"/>
+                      </a:solidFill>
+                      <a:prstDash val="solid"/>
+                      <a:round/>
+                      <a:headEnd type="none" w="med" len="med"/>
+                      <a:tailEnd type="none" w="med" len="med"/>
+                    </a:lnT>
+                    <a:lnB w="12700" cap="flat" cmpd="sng" algn="ctr">
+                      <a:solidFill>
+                        <a:schemeClr val="tx1"/>
+                      </a:solidFill>
+                      <a:prstDash val="solid"/>
+                      <a:round/>
+                      <a:headEnd type="none" w="med" len="med"/>
+                      <a:tailEnd type="none" w="med" len="med"/>
+                    </a:lnB>
+                    <a:solidFill>
+                      <a:schemeClr val="accent5">
+                        <a:lumMod val="20000"/>
+                        <a:lumOff val="80000"/>
+                      </a:schemeClr>
+                    </a:solidFill>
+                  </a:tcPr>
+                </a:tc>
+                <a:tc>
+                  <a:txBody>
+                    <a:bodyPr/>
+                    <a:lstStyle/>
+                    <a:p>
+                      <a:pPr algn="ctr"/>
+                      <a:r>
+                        <a:rPr lang="en-SG" sz="1800" b="0" dirty="0">
+                          <a:solidFill>
+                            <a:schemeClr val="tx1"/>
+                          </a:solidFill>
+                        </a:rPr>
+                        <a:t>Panel</a:t>
+                      </a:r>
+                    </a:p>
+                  </a:txBody>
+                  <a:tcPr anchor="ctr">
+                    <a:lnL w="12700" cap="flat" cmpd="sng" algn="ctr">
+                      <a:solidFill>
+                        <a:schemeClr val="tx1"/>
+                      </a:solidFill>
+                      <a:prstDash val="solid"/>
+                      <a:round/>
+                      <a:headEnd type="none" w="med" len="med"/>
+                      <a:tailEnd type="none" w="med" len="med"/>
+                    </a:lnL>
+                    <a:lnR w="12700" cap="flat" cmpd="sng" algn="ctr">
+                      <a:solidFill>
+                        <a:schemeClr val="tx1"/>
+                      </a:solidFill>
+                      <a:prstDash val="solid"/>
+                      <a:round/>
+                      <a:headEnd type="none" w="med" len="med"/>
+                      <a:tailEnd type="none" w="med" len="med"/>
+                    </a:lnR>
+                    <a:lnT w="12700" cap="flat" cmpd="sng" algn="ctr">
+                      <a:solidFill>
+                        <a:schemeClr val="tx1"/>
+                      </a:solidFill>
+                      <a:prstDash val="solid"/>
+                      <a:round/>
+                      <a:headEnd type="none" w="med" len="med"/>
+                      <a:tailEnd type="none" w="med" len="med"/>
+                    </a:lnT>
+                    <a:lnB w="12700" cap="flat" cmpd="sng" algn="ctr">
+                      <a:solidFill>
+                        <a:schemeClr val="tx1"/>
+                      </a:solidFill>
+                      <a:prstDash val="solid"/>
+                      <a:round/>
+                      <a:headEnd type="none" w="med" len="med"/>
+                      <a:tailEnd type="none" w="med" len="med"/>
+                    </a:lnB>
+                    <a:solidFill>
+                      <a:schemeClr val="accent5">
+                        <a:lumMod val="20000"/>
+                        <a:lumOff val="80000"/>
+                      </a:schemeClr>
+                    </a:solidFill>
+                  </a:tcPr>
+                </a:tc>
+                <a:extLst>
+                  <a:ext uri="{0D108BD9-81ED-4DB2-BD59-A6C34878D82A}">
+                    <a16:rowId xmlns:a16="http://schemas.microsoft.com/office/drawing/2014/main" val="3015718453"/>
+                  </a:ext>
+                </a:extLst>
+              </a:tr>
+              <a:tr h="534929">
+                <a:tc>
+                  <a:txBody>
+                    <a:bodyPr/>
+                    <a:lstStyle/>
+                    <a:p>
+                      <a:pPr algn="ctr"/>
+                      <a:r>
+                        <a:rPr lang="en-SG" sz="1200" b="0" dirty="0">
+                          <a:solidFill>
+                            <a:schemeClr val="tx1"/>
+                          </a:solidFill>
+                        </a:rPr>
+                        <a:t>Curve </a:t>
+                      </a:r>
+                    </a:p>
+                    <a:p>
+                      <a:pPr algn="ctr"/>
+                      <a:r>
+                        <a:rPr lang="en-SG" sz="1200" b="0" dirty="0">
+                          <a:solidFill>
+                            <a:schemeClr val="tx1"/>
+                          </a:solidFill>
+                        </a:rPr>
+                        <a:t>Name</a:t>
+                      </a:r>
+                    </a:p>
+                  </a:txBody>
+                  <a:tcPr anchor="ctr">
+                    <a:lnL w="12700" cap="flat" cmpd="sng" algn="ctr">
+                      <a:solidFill>
+                        <a:schemeClr val="tx1"/>
+                      </a:solidFill>
+                      <a:prstDash val="solid"/>
+                      <a:round/>
+                      <a:headEnd type="none" w="med" len="med"/>
+                      <a:tailEnd type="none" w="med" len="med"/>
+                    </a:lnL>
+                    <a:lnR w="12700" cap="flat" cmpd="sng" algn="ctr">
+                      <a:solidFill>
+                        <a:schemeClr val="tx1"/>
+                      </a:solidFill>
+                      <a:prstDash val="solid"/>
+                      <a:round/>
+                      <a:headEnd type="none" w="med" len="med"/>
+                      <a:tailEnd type="none" w="med" len="med"/>
+                    </a:lnR>
+                    <a:lnT w="12700" cap="flat" cmpd="sng" algn="ctr">
+                      <a:solidFill>
+                        <a:schemeClr val="tx1"/>
+                      </a:solidFill>
+                      <a:prstDash val="solid"/>
+                      <a:round/>
+                      <a:headEnd type="none" w="med" len="med"/>
+                      <a:tailEnd type="none" w="med" len="med"/>
+                    </a:lnT>
+                    <a:lnB w="12700" cap="flat" cmpd="sng" algn="ctr">
+                      <a:solidFill>
+                        <a:schemeClr val="tx1"/>
+                      </a:solidFill>
+                      <a:prstDash val="solid"/>
+                      <a:round/>
+                      <a:headEnd type="none" w="med" len="med"/>
+                      <a:tailEnd type="none" w="med" len="med"/>
+                    </a:lnB>
+                    <a:solidFill>
+                      <a:srgbClr val="FDEFFF"/>
+                    </a:solidFill>
+                  </a:tcPr>
+                </a:tc>
+                <a:tc>
+                  <a:txBody>
+                    <a:bodyPr/>
+                    <a:lstStyle/>
+                    <a:p>
+                      <a:pPr algn="ctr"/>
+                      <a:r>
+                        <a:rPr lang="en-SG" sz="1200" b="0" dirty="0">
+                          <a:solidFill>
+                            <a:schemeClr val="tx1"/>
+                          </a:solidFill>
+                        </a:rPr>
+                        <a:t>Curve</a:t>
+                      </a:r>
+                    </a:p>
+                    <a:p>
+                      <a:pPr algn="ctr"/>
+                      <a:r>
+                        <a:rPr lang="en-SG" sz="1200" dirty="0">
+                          <a:solidFill>
+                            <a:schemeClr val="tx1"/>
+                          </a:solidFill>
+                        </a:rPr>
+                        <a:t>Annotation</a:t>
+                      </a:r>
+                    </a:p>
+                  </a:txBody>
+                  <a:tcPr anchor="ctr">
+                    <a:lnL w="12700" cap="flat" cmpd="sng" algn="ctr">
+                      <a:solidFill>
+                        <a:schemeClr val="tx1"/>
+                      </a:solidFill>
+                      <a:prstDash val="solid"/>
+                      <a:round/>
+                      <a:headEnd type="none" w="med" len="med"/>
+                      <a:tailEnd type="none" w="med" len="med"/>
+                    </a:lnL>
+                    <a:lnR w="12700" cap="flat" cmpd="sng" algn="ctr">
+                      <a:solidFill>
+                        <a:schemeClr val="tx1"/>
+                      </a:solidFill>
+                      <a:prstDash val="solid"/>
+                      <a:round/>
+                      <a:headEnd type="none" w="med" len="med"/>
+                      <a:tailEnd type="none" w="med" len="med"/>
+                    </a:lnR>
+                    <a:lnT w="12700" cap="flat" cmpd="sng" algn="ctr">
+                      <a:solidFill>
+                        <a:schemeClr val="tx1"/>
+                      </a:solidFill>
+                      <a:prstDash val="solid"/>
+                      <a:round/>
+                      <a:headEnd type="none" w="med" len="med"/>
+                      <a:tailEnd type="none" w="med" len="med"/>
+                    </a:lnT>
+                    <a:lnB w="12700" cap="flat" cmpd="sng" algn="ctr">
+                      <a:solidFill>
+                        <a:schemeClr val="tx1"/>
+                      </a:solidFill>
+                      <a:prstDash val="solid"/>
+                      <a:round/>
+                      <a:headEnd type="none" w="med" len="med"/>
+                      <a:tailEnd type="none" w="med" len="med"/>
+                    </a:lnB>
+                    <a:solidFill>
+                      <a:srgbClr val="B9FFFF"/>
+                    </a:solidFill>
+                  </a:tcPr>
+                </a:tc>
+                <a:tc>
+                  <a:txBody>
+                    <a:bodyPr/>
+                    <a:lstStyle/>
+                    <a:p>
+                      <a:pPr algn="ctr"/>
+                      <a:r>
+                        <a:rPr lang="en-SG" sz="1200" b="0" dirty="0">
+                          <a:solidFill>
+                            <a:schemeClr val="tx1"/>
+                          </a:solidFill>
+                        </a:rPr>
+                        <a:t>Curve Statistics </a:t>
+                      </a:r>
+                    </a:p>
+                    <a:p>
+                      <a:pPr algn="ctr"/>
+                      <a:r>
+                        <a:rPr lang="en-SG" sz="1200" b="0" dirty="0">
+                          <a:solidFill>
+                            <a:schemeClr val="tx1"/>
+                          </a:solidFill>
+                        </a:rPr>
+                        <a:t>Summary</a:t>
+                      </a:r>
+                      <a:endParaRPr lang="en-SG" dirty="0"/>
+                    </a:p>
+                  </a:txBody>
+                  <a:tcPr anchor="ctr">
+                    <a:lnL w="12700" cap="flat" cmpd="sng" algn="ctr">
+                      <a:solidFill>
+                        <a:schemeClr val="tx1"/>
+                      </a:solidFill>
+                      <a:prstDash val="solid"/>
+                      <a:round/>
+                      <a:headEnd type="none" w="med" len="med"/>
+                      <a:tailEnd type="none" w="med" len="med"/>
+                    </a:lnL>
+                    <a:lnR w="12700" cap="flat" cmpd="sng" algn="ctr">
+                      <a:solidFill>
+                        <a:schemeClr val="tx1"/>
+                      </a:solidFill>
+                      <a:prstDash val="solid"/>
+                      <a:round/>
+                      <a:headEnd type="none" w="med" len="med"/>
+                      <a:tailEnd type="none" w="med" len="med"/>
+                    </a:lnR>
+                    <a:lnT w="12700" cap="flat" cmpd="sng" algn="ctr">
+                      <a:solidFill>
+                        <a:schemeClr val="tx1"/>
+                      </a:solidFill>
+                      <a:prstDash val="solid"/>
+                      <a:round/>
+                      <a:headEnd type="none" w="med" len="med"/>
+                      <a:tailEnd type="none" w="med" len="med"/>
+                    </a:lnT>
+                    <a:lnB w="12700" cap="flat" cmpd="sng" algn="ctr">
+                      <a:solidFill>
+                        <a:schemeClr val="tx1"/>
+                      </a:solidFill>
+                      <a:prstDash val="solid"/>
+                      <a:round/>
+                      <a:headEnd type="none" w="med" len="med"/>
+                      <a:tailEnd type="none" w="med" len="med"/>
+                    </a:lnB>
+                    <a:solidFill>
+                      <a:schemeClr val="accent4">
+                        <a:lumMod val="20000"/>
+                        <a:lumOff val="80000"/>
+                      </a:schemeClr>
+                    </a:solidFill>
+                  </a:tcPr>
+                </a:tc>
+                <a:tc>
+                  <a:txBody>
+                    <a:bodyPr/>
+                    <a:lstStyle/>
+                    <a:p>
+                      <a:pPr algn="ctr"/>
+                      <a:r>
+                        <a:rPr lang="en-SG" sz="1200" b="0" dirty="0">
+                          <a:solidFill>
+                            <a:schemeClr val="tx1"/>
+                          </a:solidFill>
+                        </a:rPr>
+                        <a:t>Figures</a:t>
+                      </a:r>
+                    </a:p>
+                  </a:txBody>
+                  <a:tcPr anchor="ctr">
+                    <a:lnL w="12700" cap="flat" cmpd="sng" algn="ctr">
+                      <a:solidFill>
+                        <a:schemeClr val="tx1"/>
+                      </a:solidFill>
+                      <a:prstDash val="solid"/>
+                      <a:round/>
+                      <a:headEnd type="none" w="med" len="med"/>
+                      <a:tailEnd type="none" w="med" len="med"/>
+                    </a:lnL>
+                    <a:lnR w="12700" cap="flat" cmpd="sng" algn="ctr">
+                      <a:solidFill>
+                        <a:schemeClr val="tx1"/>
+                      </a:solidFill>
+                      <a:prstDash val="solid"/>
+                      <a:round/>
+                      <a:headEnd type="none" w="med" len="med"/>
+                      <a:tailEnd type="none" w="med" len="med"/>
+                    </a:lnR>
+                    <a:lnT w="12700" cap="flat" cmpd="sng" algn="ctr">
+                      <a:solidFill>
+                        <a:schemeClr val="tx1"/>
+                      </a:solidFill>
+                      <a:prstDash val="solid"/>
+                      <a:round/>
+                      <a:headEnd type="none" w="med" len="med"/>
+                      <a:tailEnd type="none" w="med" len="med"/>
+                    </a:lnT>
+                    <a:lnB w="12700" cap="flat" cmpd="sng" algn="ctr">
+                      <a:solidFill>
+                        <a:schemeClr val="tx1"/>
+                      </a:solidFill>
+                      <a:prstDash val="solid"/>
+                      <a:round/>
+                      <a:headEnd type="none" w="med" len="med"/>
+                      <a:tailEnd type="none" w="med" len="med"/>
+                    </a:lnB>
+                    <a:solidFill>
+                      <a:srgbClr val="D1FFD1"/>
+                    </a:solidFill>
+                  </a:tcPr>
+                </a:tc>
+                <a:extLst>
+                  <a:ext uri="{0D108BD9-81ED-4DB2-BD59-A6C34878D82A}">
+                    <a16:rowId xmlns:a16="http://schemas.microsoft.com/office/drawing/2014/main" val="1491974958"/>
+                  </a:ext>
+                </a:extLst>
+              </a:tr>
+            </a:tbl>
+          </a:graphicData>
+        </a:graphic>
+      </p:graphicFrame>
+      <p:sp>
+        <p:nvSpPr>
+          <p:cNvPr id="30" name="TextBox 29">
+            <a:extLst>
+              <a:ext uri="{FF2B5EF4-FFF2-40B4-BE49-F238E27FC236}">
+                <a16:creationId xmlns:a16="http://schemas.microsoft.com/office/drawing/2014/main" id="{C9660996-FA37-4230-8C91-17780107885C}"/>
+              </a:ext>
+            </a:extLst>
+          </p:cNvPr>
+          <p:cNvSpPr txBox="1"/>
+          <p:nvPr/>
+        </p:nvSpPr>
+        <p:spPr>
+          <a:xfrm>
+            <a:off x="5880683" y="5386050"/>
+            <a:ext cx="1548809" cy="276999"/>
+          </a:xfrm>
+          <a:prstGeom prst="rect">
+            <a:avLst/>
+          </a:prstGeom>
+          <a:noFill/>
+        </p:spPr>
+        <p:txBody>
+          <a:bodyPr wrap="square" rtlCol="0">
+            <a:spAutoFit/>
+          </a:bodyPr>
+          <a:lstStyle/>
+          <a:p>
+            <a:pPr marL="0" marR="0" lvl="0" indent="0" algn="ctr" defTabSz="914400" rtl="0" eaLnBrk="1" fontAlgn="auto" latinLnBrk="0" hangingPunct="1">
+              <a:lnSpc>
+                <a:spcPct val="100000"/>
+              </a:lnSpc>
+              <a:spcBef>
+                <a:spcPts val="0"/>
+              </a:spcBef>
+              <a:spcAft>
+                <a:spcPts val="0"/>
+              </a:spcAft>
+              <a:buClrTx/>
+              <a:buSzTx/>
+              <a:buFontTx/>
+              <a:buNone/>
+              <a:tabLst/>
+              <a:defRPr/>
+            </a:pPr>
+            <a:r>
+              <a:rPr kumimoji="0" lang="en-SG" sz="1200" b="0" i="0" u="none" strike="noStrike" kern="1200" cap="none" spc="0" normalizeH="0" baseline="0" noProof="0" dirty="0">
+                <a:ln>
+                  <a:noFill/>
+                </a:ln>
+                <a:solidFill>
+                  <a:prstClr val="black"/>
+                </a:solidFill>
+                <a:effectLst/>
+                <a:uLnTx/>
+                <a:uFillTx/>
+                <a:latin typeface="Consolas" panose="020B0609020204030204" pitchFamily="49" charset="0"/>
+                <a:ea typeface="+mn-ea"/>
+                <a:cs typeface="+mn-cs"/>
+              </a:rPr>
+              <a:t>convert_to_cog</a:t>
+            </a:r>
+          </a:p>
+        </p:txBody>
+      </p:sp>
+      <p:graphicFrame>
+        <p:nvGraphicFramePr>
+          <p:cNvPr id="31" name="Table 30">
+            <a:extLst>
+              <a:ext uri="{FF2B5EF4-FFF2-40B4-BE49-F238E27FC236}">
+                <a16:creationId xmlns:a16="http://schemas.microsoft.com/office/drawing/2014/main" id="{5B90C1D1-3231-4C54-B25B-F1BA4AB14443}"/>
+              </a:ext>
+            </a:extLst>
+          </p:cNvPr>
+          <p:cNvGraphicFramePr>
+            <a:graphicFrameLocks noGrp="1"/>
+          </p:cNvGraphicFramePr>
+          <p:nvPr>
+            <p:extLst/>
+          </p:nvPr>
+        </p:nvGraphicFramePr>
+        <p:xfrm>
+          <a:off x="12612007" y="5465401"/>
+          <a:ext cx="1384300" cy="365760"/>
+        </p:xfrm>
+        <a:graphic>
+          <a:graphicData uri="http://schemas.openxmlformats.org/drawingml/2006/table">
+            <a:tbl>
+              <a:tblPr firstRow="1" bandRow="1">
+                <a:tableStyleId>{5C22544A-7EE6-4342-B048-85BDC9FD1C3A}</a:tableStyleId>
+              </a:tblPr>
+              <a:tblGrid>
+                <a:gridCol w="1384300">
+                  <a:extLst>
+                    <a:ext uri="{9D8B030D-6E8A-4147-A177-3AD203B41FA5}">
+                      <a16:colId xmlns:a16="http://schemas.microsoft.com/office/drawing/2014/main" val="3999788392"/>
+                    </a:ext>
+                  </a:extLst>
+                </a:gridCol>
+              </a:tblGrid>
+              <a:tr h="329571">
+                <a:tc>
+                  <a:txBody>
+                    <a:bodyPr/>
+                    <a:lstStyle/>
+                    <a:p>
+                      <a:pPr algn="ctr"/>
+                      <a:r>
+                        <a:rPr lang="en-SG" sz="1800" b="0" dirty="0">
+                          <a:solidFill>
+                            <a:schemeClr val="tx1"/>
+                          </a:solidFill>
+                        </a:rPr>
+                        <a:t>HTML Folder</a:t>
+                      </a:r>
+                    </a:p>
+                  </a:txBody>
+                  <a:tcPr anchor="ctr">
+                    <a:lnL w="12700" cap="flat" cmpd="sng" algn="ctr">
+                      <a:solidFill>
+                        <a:schemeClr val="tx1"/>
+                      </a:solidFill>
+                      <a:prstDash val="solid"/>
+                      <a:round/>
+                      <a:headEnd type="none" w="med" len="med"/>
+                      <a:tailEnd type="none" w="med" len="med"/>
+                    </a:lnL>
+                    <a:lnR w="12700" cap="flat" cmpd="sng" algn="ctr">
+                      <a:solidFill>
+                        <a:schemeClr val="tx1"/>
+                      </a:solidFill>
+                      <a:prstDash val="solid"/>
+                      <a:round/>
+                      <a:headEnd type="none" w="med" len="med"/>
+                      <a:tailEnd type="none" w="med" len="med"/>
+                    </a:lnR>
+                    <a:lnT w="12700" cap="flat" cmpd="sng" algn="ctr">
+                      <a:solidFill>
+                        <a:schemeClr val="tx1"/>
+                      </a:solidFill>
+                      <a:prstDash val="solid"/>
+                      <a:round/>
+                      <a:headEnd type="none" w="med" len="med"/>
+                      <a:tailEnd type="none" w="med" len="med"/>
+                    </a:lnT>
+                    <a:lnB w="12700" cap="flat" cmpd="sng" algn="ctr">
+                      <a:solidFill>
+                        <a:schemeClr val="tx1"/>
+                      </a:solidFill>
+                      <a:prstDash val="solid"/>
+                      <a:round/>
+                      <a:headEnd type="none" w="med" len="med"/>
+                      <a:tailEnd type="none" w="med" len="med"/>
+                    </a:lnB>
+                    <a:solidFill>
+                      <a:schemeClr val="accent5">
+                        <a:lumMod val="20000"/>
+                        <a:lumOff val="80000"/>
+                      </a:schemeClr>
+                    </a:solidFill>
+                  </a:tcPr>
+                </a:tc>
+                <a:extLst>
+                  <a:ext uri="{0D108BD9-81ED-4DB2-BD59-A6C34878D82A}">
+                    <a16:rowId xmlns:a16="http://schemas.microsoft.com/office/drawing/2014/main" val="3015718453"/>
+                  </a:ext>
+                </a:extLst>
+              </a:tr>
+            </a:tbl>
+          </a:graphicData>
+        </a:graphic>
+      </p:graphicFrame>
+      <p:sp>
+        <p:nvSpPr>
+          <p:cNvPr id="32" name="TextBox 31">
+            <a:extLst>
+              <a:ext uri="{FF2B5EF4-FFF2-40B4-BE49-F238E27FC236}">
+                <a16:creationId xmlns:a16="http://schemas.microsoft.com/office/drawing/2014/main" id="{E5E1D69A-9104-4E26-9534-B4EEA6378872}"/>
+              </a:ext>
+            </a:extLst>
+          </p:cNvPr>
+          <p:cNvSpPr txBox="1"/>
+          <p:nvPr/>
+        </p:nvSpPr>
+        <p:spPr>
+          <a:xfrm>
+            <a:off x="11631300" y="6731904"/>
+            <a:ext cx="1787117" cy="276999"/>
+          </a:xfrm>
+          <a:prstGeom prst="rect">
+            <a:avLst/>
+          </a:prstGeom>
+          <a:noFill/>
+        </p:spPr>
+        <p:txBody>
+          <a:bodyPr wrap="square" rtlCol="0">
+            <a:spAutoFit/>
+          </a:bodyPr>
+          <a:lstStyle/>
+          <a:p>
+            <a:pPr marL="0" marR="0" lvl="0" indent="0" algn="ctr" defTabSz="914400" rtl="0" eaLnBrk="1" fontAlgn="auto" latinLnBrk="0" hangingPunct="1">
+              <a:lnSpc>
+                <a:spcPct val="100000"/>
+              </a:lnSpc>
+              <a:spcBef>
+                <a:spcPts val="0"/>
+              </a:spcBef>
+              <a:spcAft>
+                <a:spcPts val="0"/>
+              </a:spcAft>
+              <a:buClrTx/>
+              <a:buSzTx/>
+              <a:buFontTx/>
+              <a:buNone/>
+              <a:tabLst/>
+              <a:defRPr/>
+            </a:pPr>
+            <a:r>
+              <a:rPr kumimoji="0" lang="en-SG" sz="1200" b="0" i="0" u="none" strike="noStrike" kern="1200" cap="none" spc="0" normalizeH="0" baseline="0" noProof="0" dirty="0">
+                <a:ln>
+                  <a:noFill/>
+                </a:ln>
+                <a:solidFill>
+                  <a:prstClr val="black"/>
+                </a:solidFill>
+                <a:effectLst/>
+                <a:uLnTx/>
+                <a:uFillTx/>
+                <a:latin typeface="Consolas" panose="020B0609020204030204" pitchFamily="49" charset="0"/>
+                <a:ea typeface="+mn-ea"/>
+                <a:cs typeface="+mn-cs"/>
+              </a:rPr>
+              <a:t>view_trellis_html</a:t>
+            </a:r>
+          </a:p>
+        </p:txBody>
+      </p:sp>
+      <p:cxnSp>
+        <p:nvCxnSpPr>
+          <p:cNvPr id="33" name="Connector: Elbow 32">
+            <a:extLst>
+              <a:ext uri="{FF2B5EF4-FFF2-40B4-BE49-F238E27FC236}">
+                <a16:creationId xmlns:a16="http://schemas.microsoft.com/office/drawing/2014/main" id="{0C72B516-9DB4-4069-9E65-49A133FFD2D2}"/>
+              </a:ext>
+            </a:extLst>
+          </p:cNvPr>
+          <p:cNvCxnSpPr>
+            <a:cxnSpLocks/>
+            <a:stCxn id="7" idx="3"/>
+            <a:endCxn id="12" idx="1"/>
+          </p:cNvCxnSpPr>
+          <p:nvPr/>
+        </p:nvCxnSpPr>
+        <p:spPr>
+          <a:xfrm flipV="1">
+            <a:off x="5183396" y="-63838"/>
+            <a:ext cx="2432068" cy="634919"/>
+          </a:xfrm>
+          <a:prstGeom prst="bentConnector3">
+            <a:avLst>
+              <a:gd name="adj1" fmla="val 50000"/>
+            </a:avLst>
+          </a:prstGeom>
+          <a:ln>
+            <a:solidFill>
+              <a:schemeClr val="tx1"/>
+            </a:solidFill>
+            <a:tailEnd type="triangle"/>
+          </a:ln>
+        </p:spPr>
+        <p:style>
+          <a:lnRef idx="1">
+            <a:schemeClr val="accent1"/>
+          </a:lnRef>
+          <a:fillRef idx="0">
+            <a:schemeClr val="accent1"/>
+          </a:fillRef>
+          <a:effectRef idx="0">
+            <a:schemeClr val="accent1"/>
+          </a:effectRef>
+          <a:fontRef idx="minor">
+            <a:schemeClr val="tx1"/>
+          </a:fontRef>
+        </p:style>
+      </p:cxnSp>
+      <p:cxnSp>
+        <p:nvCxnSpPr>
+          <p:cNvPr id="34" name="Connector: Elbow 33">
+            <a:extLst>
+              <a:ext uri="{FF2B5EF4-FFF2-40B4-BE49-F238E27FC236}">
+                <a16:creationId xmlns:a16="http://schemas.microsoft.com/office/drawing/2014/main" id="{3FEDCDFC-5C43-40CB-A54D-25E67E9CC61A}"/>
+              </a:ext>
+            </a:extLst>
+          </p:cNvPr>
+          <p:cNvCxnSpPr>
+            <a:cxnSpLocks/>
+            <a:stCxn id="4" idx="2"/>
+            <a:endCxn id="9" idx="1"/>
+          </p:cNvCxnSpPr>
+          <p:nvPr/>
+        </p:nvCxnSpPr>
+        <p:spPr>
+          <a:xfrm rot="5400000">
+            <a:off x="4388062" y="-130650"/>
+            <a:ext cx="1903182" cy="8430236"/>
+          </a:xfrm>
+          <a:prstGeom prst="bentConnector4">
+            <a:avLst>
+              <a:gd name="adj1" fmla="val 9390"/>
+              <a:gd name="adj2" fmla="val 121543"/>
+            </a:avLst>
+          </a:prstGeom>
+          <a:ln>
+            <a:solidFill>
+              <a:schemeClr val="tx1"/>
+            </a:solidFill>
+            <a:tailEnd type="triangle"/>
+          </a:ln>
+        </p:spPr>
+        <p:style>
+          <a:lnRef idx="1">
+            <a:schemeClr val="accent1"/>
+          </a:lnRef>
+          <a:fillRef idx="0">
+            <a:schemeClr val="accent1"/>
+          </a:fillRef>
+          <a:effectRef idx="0">
+            <a:schemeClr val="accent1"/>
+          </a:effectRef>
+          <a:fontRef idx="minor">
+            <a:schemeClr val="tx1"/>
+          </a:fontRef>
+        </p:style>
+      </p:cxnSp>
+      <p:cxnSp>
+        <p:nvCxnSpPr>
+          <p:cNvPr id="35" name="Connector: Elbow 34">
+            <a:extLst>
+              <a:ext uri="{FF2B5EF4-FFF2-40B4-BE49-F238E27FC236}">
+                <a16:creationId xmlns:a16="http://schemas.microsoft.com/office/drawing/2014/main" id="{A704E8F5-F62A-4844-8040-E4A2575CD6BE}"/>
+              </a:ext>
+            </a:extLst>
+          </p:cNvPr>
+          <p:cNvCxnSpPr>
+            <a:cxnSpLocks/>
+            <a:stCxn id="4" idx="2"/>
+            <a:endCxn id="10" idx="1"/>
+          </p:cNvCxnSpPr>
+          <p:nvPr/>
+        </p:nvCxnSpPr>
+        <p:spPr>
+          <a:xfrm rot="5400000">
+            <a:off x="3406881" y="845113"/>
+            <a:ext cx="3860127" cy="8435655"/>
+          </a:xfrm>
+          <a:prstGeom prst="bentConnector4">
+            <a:avLst>
+              <a:gd name="adj1" fmla="val 4644"/>
+              <a:gd name="adj2" fmla="val 121529"/>
+            </a:avLst>
+          </a:prstGeom>
+          <a:ln>
+            <a:solidFill>
+              <a:schemeClr val="tx1"/>
+            </a:solidFill>
+            <a:tailEnd type="triangle"/>
+          </a:ln>
+        </p:spPr>
+        <p:style>
+          <a:lnRef idx="1">
+            <a:schemeClr val="accent1"/>
+          </a:lnRef>
+          <a:fillRef idx="0">
+            <a:schemeClr val="accent1"/>
+          </a:fillRef>
+          <a:effectRef idx="0">
+            <a:schemeClr val="accent1"/>
+          </a:effectRef>
+          <a:fontRef idx="minor">
+            <a:schemeClr val="tx1"/>
+          </a:fontRef>
+        </p:style>
+      </p:cxnSp>
+      <p:cxnSp>
+        <p:nvCxnSpPr>
+          <p:cNvPr id="36" name="Connector: Elbow 35">
+            <a:extLst>
+              <a:ext uri="{FF2B5EF4-FFF2-40B4-BE49-F238E27FC236}">
+                <a16:creationId xmlns:a16="http://schemas.microsoft.com/office/drawing/2014/main" id="{DC12D81C-487C-4712-B0BB-54A7DD2A025A}"/>
+              </a:ext>
+            </a:extLst>
+          </p:cNvPr>
+          <p:cNvCxnSpPr>
+            <a:cxnSpLocks/>
+            <a:stCxn id="10" idx="3"/>
+            <a:endCxn id="29" idx="1"/>
+          </p:cNvCxnSpPr>
+          <p:nvPr/>
+        </p:nvCxnSpPr>
+        <p:spPr>
+          <a:xfrm>
+            <a:off x="5449439" y="6993004"/>
+            <a:ext cx="1725996" cy="1697"/>
+          </a:xfrm>
+          <a:prstGeom prst="bentConnector3">
+            <a:avLst>
+              <a:gd name="adj1" fmla="val 50000"/>
+            </a:avLst>
+          </a:prstGeom>
+          <a:ln>
+            <a:solidFill>
+              <a:schemeClr val="tx1"/>
+            </a:solidFill>
+            <a:tailEnd type="triangle"/>
+          </a:ln>
+        </p:spPr>
+        <p:style>
+          <a:lnRef idx="1">
+            <a:schemeClr val="accent1"/>
+          </a:lnRef>
+          <a:fillRef idx="0">
+            <a:schemeClr val="accent1"/>
+          </a:fillRef>
+          <a:effectRef idx="0">
+            <a:schemeClr val="accent1"/>
+          </a:effectRef>
+          <a:fontRef idx="minor">
+            <a:schemeClr val="tx1"/>
+          </a:fontRef>
+        </p:style>
+      </p:cxnSp>
+      <p:sp>
+        <p:nvSpPr>
+          <p:cNvPr id="37" name="TextBox 36">
+            <a:extLst>
+              <a:ext uri="{FF2B5EF4-FFF2-40B4-BE49-F238E27FC236}">
+                <a16:creationId xmlns:a16="http://schemas.microsoft.com/office/drawing/2014/main" id="{4DF33027-7A92-45CB-A681-B00E96434B03}"/>
+              </a:ext>
+            </a:extLst>
+          </p:cNvPr>
+          <p:cNvSpPr txBox="1"/>
+          <p:nvPr/>
+        </p:nvSpPr>
+        <p:spPr>
+          <a:xfrm>
+            <a:off x="5453057" y="6721885"/>
+            <a:ext cx="1548809" cy="276999"/>
+          </a:xfrm>
+          <a:prstGeom prst="rect">
+            <a:avLst/>
+          </a:prstGeom>
+          <a:noFill/>
+        </p:spPr>
+        <p:txBody>
+          <a:bodyPr wrap="square" rtlCol="0">
+            <a:spAutoFit/>
+          </a:bodyPr>
+          <a:lstStyle/>
+          <a:p>
+            <a:pPr marL="0" marR="0" lvl="0" indent="0" algn="ctr" defTabSz="914400" rtl="0" eaLnBrk="1" fontAlgn="auto" latinLnBrk="0" hangingPunct="1">
+              <a:lnSpc>
+                <a:spcPct val="100000"/>
+              </a:lnSpc>
+              <a:spcBef>
+                <a:spcPts val="0"/>
+              </a:spcBef>
+              <a:spcAft>
+                <a:spcPts val="0"/>
+              </a:spcAft>
+              <a:buClrTx/>
+              <a:buSzTx/>
+              <a:buFontTx/>
+              <a:buNone/>
+              <a:tabLst/>
+              <a:defRPr/>
+            </a:pPr>
+            <a:r>
+              <a:rPr kumimoji="0" lang="en-SG" sz="1200" b="0" i="0" u="none" strike="noStrike" kern="1200" cap="none" spc="0" normalizeH="0" baseline="0" noProof="0" dirty="0">
+                <a:ln>
+                  <a:noFill/>
+                </a:ln>
+                <a:solidFill>
+                  <a:prstClr val="black"/>
+                </a:solidFill>
+                <a:effectLst/>
+                <a:uLnTx/>
+                <a:uFillTx/>
+                <a:latin typeface="Consolas" panose="020B0609020204030204" pitchFamily="49" charset="0"/>
+                <a:ea typeface="+mn-ea"/>
+                <a:cs typeface="+mn-cs"/>
+              </a:rPr>
+              <a:t>convert_to_cog</a:t>
+            </a:r>
+          </a:p>
+        </p:txBody>
+      </p:sp>
+      <p:cxnSp>
+        <p:nvCxnSpPr>
+          <p:cNvPr id="38" name="Connector: Elbow 37">
+            <a:extLst>
+              <a:ext uri="{FF2B5EF4-FFF2-40B4-BE49-F238E27FC236}">
+                <a16:creationId xmlns:a16="http://schemas.microsoft.com/office/drawing/2014/main" id="{99A8DC8E-1D03-4D5A-8E2E-9D50CFFA3F17}"/>
+              </a:ext>
+            </a:extLst>
+          </p:cNvPr>
+          <p:cNvCxnSpPr>
+            <a:cxnSpLocks/>
+            <a:stCxn id="29" idx="3"/>
+            <a:endCxn id="31" idx="2"/>
+          </p:cNvCxnSpPr>
+          <p:nvPr/>
+        </p:nvCxnSpPr>
+        <p:spPr>
+          <a:xfrm flipV="1">
+            <a:off x="11505758" y="5831161"/>
+            <a:ext cx="1798399" cy="1163540"/>
+          </a:xfrm>
+          <a:prstGeom prst="bentConnector2">
+            <a:avLst/>
+          </a:prstGeom>
+          <a:ln>
+            <a:solidFill>
+              <a:schemeClr val="tx1"/>
+            </a:solidFill>
+            <a:tailEnd type="triangle"/>
+          </a:ln>
+        </p:spPr>
+        <p:style>
+          <a:lnRef idx="1">
+            <a:schemeClr val="accent1"/>
+          </a:lnRef>
+          <a:fillRef idx="0">
+            <a:schemeClr val="accent1"/>
+          </a:fillRef>
+          <a:effectRef idx="0">
+            <a:schemeClr val="accent1"/>
+          </a:effectRef>
+          <a:fontRef idx="minor">
+            <a:schemeClr val="tx1"/>
+          </a:fontRef>
+        </p:style>
+      </p:cxnSp>
+      <p:cxnSp>
+        <p:nvCxnSpPr>
+          <p:cNvPr id="39" name="Straight Arrow Connector 38">
+            <a:extLst>
+              <a:ext uri="{FF2B5EF4-FFF2-40B4-BE49-F238E27FC236}">
+                <a16:creationId xmlns:a16="http://schemas.microsoft.com/office/drawing/2014/main" id="{A1611AD5-0607-44C0-BCDD-3EAF7FC19694}"/>
+              </a:ext>
+            </a:extLst>
+          </p:cNvPr>
+          <p:cNvCxnSpPr>
+            <a:cxnSpLocks/>
+            <a:stCxn id="9" idx="3"/>
+            <a:endCxn id="29" idx="1"/>
+          </p:cNvCxnSpPr>
+          <p:nvPr/>
+        </p:nvCxnSpPr>
+        <p:spPr>
+          <a:xfrm>
+            <a:off x="5454858" y="5036059"/>
+            <a:ext cx="1720577" cy="1958642"/>
+          </a:xfrm>
+          <a:prstGeom prst="straightConnector1">
+            <a:avLst/>
+          </a:prstGeom>
+          <a:ln w="12700">
+            <a:solidFill>
+              <a:schemeClr val="tx1"/>
+            </a:solidFill>
+            <a:tailEnd type="triangle"/>
+          </a:ln>
+        </p:spPr>
+        <p:style>
+          <a:lnRef idx="1">
+            <a:schemeClr val="accent1"/>
+          </a:lnRef>
+          <a:fillRef idx="0">
+            <a:schemeClr val="accent1"/>
+          </a:fillRef>
+          <a:effectRef idx="0">
+            <a:schemeClr val="accent1"/>
+          </a:effectRef>
+          <a:fontRef idx="minor">
+            <a:schemeClr val="tx1"/>
+          </a:fontRef>
+        </p:style>
+      </p:cxnSp>
+    </p:spTree>
+    <p:extLst>
+      <p:ext uri="{BB962C8B-B14F-4D97-AF65-F5344CB8AC3E}">
+        <p14:creationId xmlns:p14="http://schemas.microsoft.com/office/powerpoint/2010/main" val="2211459657"/>
+      </p:ext>
+    </p:extLst>
+  </p:cSld>
+  <p:clrMapOvr>
+    <a:masterClrMapping/>
+  </p:clrMapOvr>
+</p:sld>
+</file>
+
+<file path=ppt/slides/slide9.xml><?xml version="1.0" encoding="utf-8"?>
+<p:sld xmlns:a="http://schemas.openxmlformats.org/drawingml/2006/main" xmlns:r="http://schemas.openxmlformats.org/officeDocument/2006/relationships" xmlns:p="http://schemas.openxmlformats.org/presentationml/2006/main">
+  <p:cSld>
+    <p:spTree>
+      <p:nvGrpSpPr>
+        <p:cNvPr id="1" name=""/>
+        <p:cNvGrpSpPr/>
+        <p:nvPr/>
+      </p:nvGrpSpPr>
+      <p:grpSpPr>
+        <a:xfrm>
+          <a:off x="0" y="0"/>
+          <a:ext cx="0" cy="0"/>
+          <a:chOff x="0" y="0"/>
+          <a:chExt cx="0" cy="0"/>
+        </a:xfrm>
+      </p:grpSpPr>
+      <p:pic>
+        <p:nvPicPr>
+          <p:cNvPr id="3" name="Picture 2">
+            <a:extLst>
+              <a:ext uri="{FF2B5EF4-FFF2-40B4-BE49-F238E27FC236}">
+                <a16:creationId xmlns:a16="http://schemas.microsoft.com/office/drawing/2014/main" id="{B2821881-162A-48A2-B663-C0078D256541}"/>
+              </a:ext>
+            </a:extLst>
+          </p:cNvPr>
+          <p:cNvPicPr>
+            <a:picLocks noChangeAspect="1"/>
+          </p:cNvPicPr>
+          <p:nvPr/>
+        </p:nvPicPr>
+        <p:blipFill>
+          <a:blip r:embed="rId2">
+            <a:extLst>
+              <a:ext uri="{28A0092B-C50C-407E-A947-70E740481C1C}">
+                <a14:useLocalDpi xmlns:a14="http://schemas.microsoft.com/office/drawing/2010/main" val="0"/>
+              </a:ext>
+            </a:extLst>
+          </a:blip>
+          <a:stretch>
+            <a:fillRect/>
+          </a:stretch>
+        </p:blipFill>
+        <p:spPr>
+          <a:xfrm>
+            <a:off x="410347" y="0"/>
+            <a:ext cx="11371306" cy="6858000"/>
+          </a:xfrm>
+          <a:prstGeom prst="rect">
+            <a:avLst/>
+          </a:prstGeom>
+        </p:spPr>
+      </p:pic>
+    </p:spTree>
+    <p:extLst>
+      <p:ext uri="{BB962C8B-B14F-4D97-AF65-F5344CB8AC3E}">
+        <p14:creationId xmlns:p14="http://schemas.microsoft.com/office/powerpoint/2010/main" val="847822979"/>
+      </p:ext>
+    </p:extLst>
+  </p:cSld>
+  <p:clrMapOvr>
+    <a:masterClrMapping/>
+  </p:clrMapOvr>
+</p:sld>
+</file>
+
 <file path=ppt/theme/theme1.xml><?xml version="1.0" encoding="utf-8"?>
 <a:theme xmlns:a="http://schemas.openxmlformats.org/drawingml/2006/main" name="Office Theme">
   <a:themeElements>

--- a/figures/lancer_logo.pptx
+++ b/figures/lancer_logo.pptx
@@ -13900,7 +13900,7 @@
           <p:nvPr>
             <p:extLst>
               <p:ext uri="{D42A27DB-BD31-4B8C-83A1-F6EECF244321}">
-                <p14:modId xmlns:p14="http://schemas.microsoft.com/office/powerpoint/2010/main" val="704711961"/>
+                <p14:modId xmlns:p14="http://schemas.microsoft.com/office/powerpoint/2010/main" val="2442514810"/>
               </p:ext>
             </p:extLst>
           </p:nvPr>
@@ -14027,7 +14027,7 @@
                             <a:schemeClr val="tx1"/>
                           </a:solidFill>
                         </a:rPr>
-                        <a:t>Curve</a:t>
+                        <a:t>Curve Batch</a:t>
                       </a:r>
                     </a:p>
                     <a:p>
@@ -14474,7 +14474,7 @@
           <p:nvPr>
             <p:extLst>
               <p:ext uri="{D42A27DB-BD31-4B8C-83A1-F6EECF244321}">
-                <p14:modId xmlns:p14="http://schemas.microsoft.com/office/powerpoint/2010/main" val="3972743493"/>
+                <p14:modId xmlns:p14="http://schemas.microsoft.com/office/powerpoint/2010/main" val="3951997763"/>
               </p:ext>
             </p:extLst>
           </p:nvPr>
@@ -14497,14 +14497,14 @@
                     </a:ext>
                   </a:extLst>
                 </a:gridCol>
-                <a:gridCol w="880209">
+                <a:gridCol w="1022630">
                   <a:extLst>
                     <a:ext uri="{9D8B030D-6E8A-4147-A177-3AD203B41FA5}">
                       <a16:colId xmlns:a16="http://schemas.microsoft.com/office/drawing/2014/main" val="1983927"/>
                     </a:ext>
                   </a:extLst>
                 </a:gridCol>
-                <a:gridCol w="1575913">
+                <a:gridCol w="1433492">
                   <a:extLst>
                     <a:ext uri="{9D8B030D-6E8A-4147-A177-3AD203B41FA5}">
                       <a16:colId xmlns:a16="http://schemas.microsoft.com/office/drawing/2014/main" val="4080472763"/>
@@ -14761,7 +14761,7 @@
                             <a:schemeClr val="tx1"/>
                           </a:solidFill>
                         </a:rPr>
-                        <a:t>Curve</a:t>
+                        <a:t>Curve Batch</a:t>
                       </a:r>
                     </a:p>
                     <a:p>
@@ -14989,7 +14989,7 @@
           <p:nvPr>
             <p:extLst>
               <p:ext uri="{D42A27DB-BD31-4B8C-83A1-F6EECF244321}">
-                <p14:modId xmlns:p14="http://schemas.microsoft.com/office/powerpoint/2010/main" val="2287144069"/>
+                <p14:modId xmlns:p14="http://schemas.microsoft.com/office/powerpoint/2010/main" val="1984437542"/>
               </p:ext>
             </p:extLst>
           </p:nvPr>
@@ -15012,14 +15012,14 @@
                     </a:ext>
                   </a:extLst>
                 </a:gridCol>
-                <a:gridCol w="882453">
+                <a:gridCol w="1018719">
                   <a:extLst>
                     <a:ext uri="{9D8B030D-6E8A-4147-A177-3AD203B41FA5}">
                       <a16:colId xmlns:a16="http://schemas.microsoft.com/office/drawing/2014/main" val="1983927"/>
                     </a:ext>
                   </a:extLst>
                 </a:gridCol>
-                <a:gridCol w="1573669">
+                <a:gridCol w="1437403">
                   <a:extLst>
                     <a:ext uri="{9D8B030D-6E8A-4147-A177-3AD203B41FA5}">
                       <a16:colId xmlns:a16="http://schemas.microsoft.com/office/drawing/2014/main" val="3273070592"/>
@@ -15265,7 +15265,7 @@
                             <a:schemeClr val="tx1"/>
                           </a:solidFill>
                         </a:rPr>
-                        <a:t>Curve</a:t>
+                        <a:t>Curve Batch</a:t>
                       </a:r>
                     </a:p>
                     <a:p>
@@ -15493,7 +15493,7 @@
           <p:nvPr>
             <p:extLst>
               <p:ext uri="{D42A27DB-BD31-4B8C-83A1-F6EECF244321}">
-                <p14:modId xmlns:p14="http://schemas.microsoft.com/office/powerpoint/2010/main" val="558481014"/>
+                <p14:modId xmlns:p14="http://schemas.microsoft.com/office/powerpoint/2010/main" val="1059908137"/>
               </p:ext>
             </p:extLst>
           </p:nvPr>
@@ -15701,7 +15701,7 @@
                             <a:schemeClr val="tx1"/>
                           </a:solidFill>
                         </a:rPr>
-                        <a:t>Curve</a:t>
+                        <a:t>Curve Batch</a:t>
                       </a:r>
                     </a:p>
                     <a:p>
@@ -15844,7 +15844,7 @@
           <p:nvPr>
             <p:extLst>
               <p:ext uri="{D42A27DB-BD31-4B8C-83A1-F6EECF244321}">
-                <p14:modId xmlns:p14="http://schemas.microsoft.com/office/powerpoint/2010/main" val="692602708"/>
+                <p14:modId xmlns:p14="http://schemas.microsoft.com/office/powerpoint/2010/main" val="1335358794"/>
               </p:ext>
             </p:extLst>
           </p:nvPr>
@@ -16061,7 +16061,7 @@
                             <a:schemeClr val="tx1"/>
                           </a:solidFill>
                         </a:rPr>
-                        <a:t>Curve</a:t>
+                        <a:t>Curve Batch</a:t>
                       </a:r>
                     </a:p>
                     <a:p>
@@ -16286,14 +16286,14 @@
           <p:nvPr>
             <p:extLst>
               <p:ext uri="{D42A27DB-BD31-4B8C-83A1-F6EECF244321}">
-                <p14:modId xmlns:p14="http://schemas.microsoft.com/office/powerpoint/2010/main" val="2615772611"/>
+                <p14:modId xmlns:p14="http://schemas.microsoft.com/office/powerpoint/2010/main" val="2125985701"/>
               </p:ext>
             </p:extLst>
           </p:nvPr>
         </p:nvGraphicFramePr>
         <p:xfrm>
-          <a:off x="2023837" y="-554839"/>
-          <a:ext cx="2183008" cy="886771"/>
+          <a:off x="1896837" y="-554839"/>
+          <a:ext cx="2492982" cy="886771"/>
         </p:xfrm>
         <a:graphic>
           <a:graphicData uri="http://schemas.openxmlformats.org/drawingml/2006/table">
@@ -16302,14 +16302,14 @@
                 <a:tableStyleId>{5C22544A-7EE6-4342-B048-85BDC9FD1C3A}</a:tableStyleId>
               </a:tblPr>
               <a:tblGrid>
-                <a:gridCol w="911321">
+                <a:gridCol w="1040723">
                   <a:extLst>
                     <a:ext uri="{9D8B030D-6E8A-4147-A177-3AD203B41FA5}">
                       <a16:colId xmlns:a16="http://schemas.microsoft.com/office/drawing/2014/main" val="3999788392"/>
                     </a:ext>
                   </a:extLst>
                 </a:gridCol>
-                <a:gridCol w="1271687">
+                <a:gridCol w="1452259">
                   <a:extLst>
                     <a:ext uri="{9D8B030D-6E8A-4147-A177-3AD203B41FA5}">
                       <a16:colId xmlns:a16="http://schemas.microsoft.com/office/drawing/2014/main" val="1983927"/>
@@ -16330,7 +16330,7 @@
                             <a:schemeClr val="tx1"/>
                           </a:solidFill>
                         </a:rPr>
-                        <a:t>Curve Annotation</a:t>
+                        <a:t>Curve Batch Annotation</a:t>
                       </a:r>
                     </a:p>
                   </a:txBody>
@@ -16469,7 +16469,7 @@
                             <a:schemeClr val="tx1"/>
                           </a:solidFill>
                         </a:rPr>
-                        <a:t>Curve</a:t>
+                        <a:t>Curve Batch</a:t>
                       </a:r>
                     </a:p>
                     <a:p>
@@ -18090,7 +18090,7 @@
           <p:nvPr>
             <p:extLst>
               <p:ext uri="{D42A27DB-BD31-4B8C-83A1-F6EECF244321}">
-                <p14:modId xmlns:p14="http://schemas.microsoft.com/office/powerpoint/2010/main" val="3192973531"/>
+                <p14:modId xmlns:p14="http://schemas.microsoft.com/office/powerpoint/2010/main" val="1614059454"/>
               </p:ext>
             </p:extLst>
           </p:nvPr>
@@ -18113,7 +18113,7 @@
                     </a:ext>
                   </a:extLst>
                 </a:gridCol>
-                <a:gridCol w="914400">
+                <a:gridCol w="1022350">
                   <a:extLst>
                     <a:ext uri="{9D8B030D-6E8A-4147-A177-3AD203B41FA5}">
                       <a16:colId xmlns:a16="http://schemas.microsoft.com/office/drawing/2014/main" val="694209082"/>
@@ -18127,7 +18127,7 @@
                     </a:ext>
                   </a:extLst>
                 </a:gridCol>
-                <a:gridCol w="844108">
+                <a:gridCol w="736158">
                   <a:extLst>
                     <a:ext uri="{9D8B030D-6E8A-4147-A177-3AD203B41FA5}">
                       <a16:colId xmlns:a16="http://schemas.microsoft.com/office/drawing/2014/main" val="3930359769"/>
@@ -18643,7 +18643,7 @@
                             <a:schemeClr val="tx1"/>
                           </a:solidFill>
                         </a:rPr>
-                        <a:t>Curve</a:t>
+                        <a:t>Curve Batch</a:t>
                       </a:r>
                     </a:p>
                     <a:p>
@@ -19149,8 +19149,8 @@
           </a:xfrm>
           <a:prstGeom prst="bentConnector4">
             <a:avLst>
-              <a:gd name="adj1" fmla="val 9390"/>
-              <a:gd name="adj2" fmla="val 121543"/>
+              <a:gd name="adj1" fmla="val 7293"/>
+              <a:gd name="adj2" fmla="val 121417"/>
             </a:avLst>
           </a:prstGeom>
           <a:ln>
@@ -19198,8 +19198,8 @@
           </a:xfrm>
           <a:prstGeom prst="bentConnector4">
             <a:avLst>
-              <a:gd name="adj1" fmla="val 4644"/>
-              <a:gd name="adj2" fmla="val 121529"/>
+              <a:gd name="adj1" fmla="val 3563"/>
+              <a:gd name="adj2" fmla="val 121292"/>
             </a:avLst>
           </a:prstGeom>
           <a:ln>
@@ -19461,10 +19461,10 @@
       </p:grpSpPr>
       <p:pic>
         <p:nvPicPr>
-          <p:cNvPr id="3" name="Picture 2">
+          <p:cNvPr id="4" name="Picture 3">
             <a:extLst>
               <a:ext uri="{FF2B5EF4-FFF2-40B4-BE49-F238E27FC236}">
-                <a16:creationId xmlns:a16="http://schemas.microsoft.com/office/drawing/2014/main" id="{B2821881-162A-48A2-B663-C0078D256541}"/>
+                <a16:creationId xmlns:a16="http://schemas.microsoft.com/office/drawing/2014/main" id="{3E347175-FF6D-4E35-94FE-32F3D2CC80BF}"/>
               </a:ext>
             </a:extLst>
           </p:cNvPr>
@@ -19487,8 +19487,8 @@
         </p:blipFill>
         <p:spPr>
           <a:xfrm>
-            <a:off x="410347" y="0"/>
-            <a:ext cx="11371306" cy="6858000"/>
+            <a:off x="412664" y="0"/>
+            <a:ext cx="11366672" cy="6858000"/>
           </a:xfrm>
           <a:prstGeom prst="rect">
             <a:avLst/>
